--- a/project_4.pptx
+++ b/project_4.pptx
@@ -22,10 +22,9 @@
     <p:sldId id="292" r:id="rId16"/>
     <p:sldId id="293" r:id="rId17"/>
     <p:sldId id="294" r:id="rId18"/>
-    <p:sldId id="284" r:id="rId19"/>
-    <p:sldId id="274" r:id="rId20"/>
-    <p:sldId id="286" r:id="rId21"/>
-    <p:sldId id="280" r:id="rId22"/>
+    <p:sldId id="297" r:id="rId19"/>
+    <p:sldId id="284" r:id="rId20"/>
+    <p:sldId id="274" r:id="rId21"/>
   </p:sldIdLst>
   <p:sldSz cx="12192000" cy="6858000"/>
   <p:notesSz cx="6858000" cy="9144000"/>
@@ -11890,7 +11889,7 @@
       </p:grpSpPr>
       <p:pic>
         <p:nvPicPr>
-          <p:cNvPr id="12" name="그림 11"/>
+          <p:cNvPr id="5" name="그림 4"/>
           <p:cNvPicPr>
             <a:picLocks noChangeAspect="1"/>
           </p:cNvPicPr>
@@ -11909,8 +11908,8 @@
         </p:blipFill>
         <p:spPr>
           <a:xfrm>
-            <a:off x="6260072" y="1450819"/>
-            <a:ext cx="3507381" cy="4888028"/>
+            <a:off x="2087082" y="1450817"/>
+            <a:ext cx="3507381" cy="4888029"/>
           </a:xfrm>
           <a:prstGeom prst="rect">
             <a:avLst/>
@@ -11924,7 +11923,7 @@
       </p:pic>
       <p:pic>
         <p:nvPicPr>
-          <p:cNvPr id="11" name="그림 10"/>
+          <p:cNvPr id="12" name="그림 11"/>
           <p:cNvPicPr>
             <a:picLocks noChangeAspect="1"/>
           </p:cNvPicPr>
@@ -11943,7 +11942,7 @@
         </p:blipFill>
         <p:spPr>
           <a:xfrm>
-            <a:off x="2087082" y="1450818"/>
+            <a:off x="6260072" y="1450819"/>
             <a:ext cx="3507381" cy="4888028"/>
           </a:xfrm>
           <a:prstGeom prst="rect">
@@ -15195,6 +15194,408 @@
           <a:chExt cx="0" cy="0"/>
         </a:xfrm>
       </p:grpSpPr>
+      <p:pic>
+        <p:nvPicPr>
+          <p:cNvPr id="8" name="그림 7"/>
+          <p:cNvPicPr>
+            <a:picLocks noChangeAspect="1"/>
+          </p:cNvPicPr>
+          <p:nvPr/>
+        </p:nvPicPr>
+        <p:blipFill>
+          <a:blip r:embed="rId2" cstate="screen">
+            <a:extLst>
+              <a:ext uri="{28A0092B-C50C-407E-A947-70E740481C1C}">
+                <a14:useLocalDpi xmlns:a14="http://schemas.microsoft.com/office/drawing/2010/main" val="0"/>
+              </a:ext>
+            </a:extLst>
+          </a:blip>
+          <a:stretch>
+            <a:fillRect/>
+          </a:stretch>
+        </p:blipFill>
+        <p:spPr>
+          <a:xfrm>
+            <a:off x="1085827" y="2253375"/>
+            <a:ext cx="5030651" cy="2956388"/>
+          </a:xfrm>
+          <a:prstGeom prst="rect">
+            <a:avLst/>
+          </a:prstGeom>
+        </p:spPr>
+      </p:pic>
+      <p:sp>
+        <p:nvSpPr>
+          <p:cNvPr id="2" name="직사각형 1">
+            <a:extLst>
+              <a:ext uri="{FF2B5EF4-FFF2-40B4-BE49-F238E27FC236}">
+                <a16:creationId xmlns:a16="http://schemas.microsoft.com/office/drawing/2014/main" id="{B1985EEF-2AD8-452A-AD82-3BF8C0CCB759}"/>
+              </a:ext>
+            </a:extLst>
+          </p:cNvPr>
+          <p:cNvSpPr/>
+          <p:nvPr/>
+        </p:nvSpPr>
+        <p:spPr>
+          <a:xfrm>
+            <a:off x="720000" y="1049009"/>
+            <a:ext cx="5760000" cy="108000"/>
+          </a:xfrm>
+          <a:prstGeom prst="rect">
+            <a:avLst/>
+          </a:prstGeom>
+          <a:solidFill>
+            <a:schemeClr val="accent4"/>
+          </a:solidFill>
+          <a:ln>
+            <a:noFill/>
+          </a:ln>
+        </p:spPr>
+        <p:style>
+          <a:lnRef idx="2">
+            <a:schemeClr val="accent1">
+              <a:shade val="50000"/>
+            </a:schemeClr>
+          </a:lnRef>
+          <a:fillRef idx="1">
+            <a:schemeClr val="accent1"/>
+          </a:fillRef>
+          <a:effectRef idx="0">
+            <a:schemeClr val="accent1"/>
+          </a:effectRef>
+          <a:fontRef idx="minor">
+            <a:schemeClr val="lt1"/>
+          </a:fontRef>
+        </p:style>
+        <p:txBody>
+          <a:bodyPr rtlCol="0" anchor="ctr"/>
+          <a:lstStyle/>
+          <a:p>
+            <a:pPr algn="ctr"/>
+            <a:endParaRPr lang="ko-KR" altLang="en-US">
+              <a:latin typeface="Spoqa Han Sans Neo Bold" panose="020B0800000000000000" pitchFamily="50" charset="-127"/>
+              <a:ea typeface="Spoqa Han Sans Neo Bold" panose="020B0800000000000000" pitchFamily="50" charset="-127"/>
+            </a:endParaRPr>
+          </a:p>
+        </p:txBody>
+      </p:sp>
+      <p:sp>
+        <p:nvSpPr>
+          <p:cNvPr id="3" name="직사각형 2">
+            <a:extLst>
+              <a:ext uri="{FF2B5EF4-FFF2-40B4-BE49-F238E27FC236}">
+                <a16:creationId xmlns:a16="http://schemas.microsoft.com/office/drawing/2014/main" id="{82363163-7A23-46FA-8BFB-C5C551676293}"/>
+              </a:ext>
+            </a:extLst>
+          </p:cNvPr>
+          <p:cNvSpPr/>
+          <p:nvPr/>
+        </p:nvSpPr>
+        <p:spPr>
+          <a:xfrm>
+            <a:off x="0" y="1049009"/>
+            <a:ext cx="720000" cy="108000"/>
+          </a:xfrm>
+          <a:prstGeom prst="rect">
+            <a:avLst/>
+          </a:prstGeom>
+          <a:solidFill>
+            <a:schemeClr val="accent2"/>
+          </a:solidFill>
+          <a:ln>
+            <a:noFill/>
+          </a:ln>
+        </p:spPr>
+        <p:style>
+          <a:lnRef idx="2">
+            <a:schemeClr val="accent1">
+              <a:shade val="50000"/>
+            </a:schemeClr>
+          </a:lnRef>
+          <a:fillRef idx="1">
+            <a:schemeClr val="accent1"/>
+          </a:fillRef>
+          <a:effectRef idx="0">
+            <a:schemeClr val="accent1"/>
+          </a:effectRef>
+          <a:fontRef idx="minor">
+            <a:schemeClr val="lt1"/>
+          </a:fontRef>
+        </p:style>
+        <p:txBody>
+          <a:bodyPr rtlCol="0" anchor="ctr"/>
+          <a:lstStyle/>
+          <a:p>
+            <a:pPr algn="ctr"/>
+            <a:endParaRPr lang="ko-KR" altLang="en-US">
+              <a:latin typeface="Spoqa Han Sans Neo Bold" panose="020B0800000000000000" pitchFamily="50" charset="-127"/>
+              <a:ea typeface="Spoqa Han Sans Neo Bold" panose="020B0800000000000000" pitchFamily="50" charset="-127"/>
+            </a:endParaRPr>
+          </a:p>
+        </p:txBody>
+      </p:sp>
+      <p:sp>
+        <p:nvSpPr>
+          <p:cNvPr id="4" name="TextBox 3">
+            <a:extLst>
+              <a:ext uri="{FF2B5EF4-FFF2-40B4-BE49-F238E27FC236}">
+                <a16:creationId xmlns:a16="http://schemas.microsoft.com/office/drawing/2014/main" id="{F6E7AF03-AAFA-4B21-94E6-D43D71719920}"/>
+              </a:ext>
+            </a:extLst>
+          </p:cNvPr>
+          <p:cNvSpPr txBox="1"/>
+          <p:nvPr/>
+        </p:nvSpPr>
+        <p:spPr>
+          <a:xfrm>
+            <a:off x="720000" y="170425"/>
+            <a:ext cx="1598515" cy="584775"/>
+          </a:xfrm>
+          <a:prstGeom prst="rect">
+            <a:avLst/>
+          </a:prstGeom>
+          <a:noFill/>
+        </p:spPr>
+        <p:txBody>
+          <a:bodyPr wrap="none" rtlCol="0">
+            <a:spAutoFit/>
+          </a:bodyPr>
+          <a:lstStyle/>
+          <a:p>
+            <a:r>
+              <a:rPr lang="ko-KR" altLang="en-US" sz="3200" spc="-300" dirty="0" smtClean="0">
+                <a:solidFill>
+                  <a:schemeClr val="accent4">
+                    <a:lumMod val="50000"/>
+                  </a:schemeClr>
+                </a:solidFill>
+                <a:latin typeface="Spoqa Han Sans Neo Bold" panose="020B0800000000000000" pitchFamily="50" charset="-127"/>
+                <a:ea typeface="Spoqa Han Sans Neo Bold" panose="020B0800000000000000" pitchFamily="50" charset="-127"/>
+              </a:rPr>
+              <a:t>코드 구현</a:t>
+            </a:r>
+            <a:endParaRPr lang="ko-KR" altLang="en-US" sz="3200" spc="-300" dirty="0">
+              <a:solidFill>
+                <a:schemeClr val="accent4">
+                  <a:lumMod val="50000"/>
+                </a:schemeClr>
+              </a:solidFill>
+              <a:latin typeface="Spoqa Han Sans Neo Bold" panose="020B0800000000000000" pitchFamily="50" charset="-127"/>
+              <a:ea typeface="Spoqa Han Sans Neo Bold" panose="020B0800000000000000" pitchFamily="50" charset="-127"/>
+            </a:endParaRPr>
+          </a:p>
+        </p:txBody>
+      </p:sp>
+      <p:sp>
+        <p:nvSpPr>
+          <p:cNvPr id="9" name="TextBox 8">
+            <a:extLst>
+              <a:ext uri="{FF2B5EF4-FFF2-40B4-BE49-F238E27FC236}">
+                <a16:creationId xmlns:a16="http://schemas.microsoft.com/office/drawing/2014/main" id="{2F6A287E-578E-4555-9C9F-5642B2F6187E}"/>
+              </a:ext>
+            </a:extLst>
+          </p:cNvPr>
+          <p:cNvSpPr txBox="1"/>
+          <p:nvPr/>
+        </p:nvSpPr>
+        <p:spPr>
+          <a:xfrm>
+            <a:off x="185879" y="46855"/>
+            <a:ext cx="551754" cy="830997"/>
+          </a:xfrm>
+          <a:prstGeom prst="rect">
+            <a:avLst/>
+          </a:prstGeom>
+          <a:noFill/>
+        </p:spPr>
+        <p:txBody>
+          <a:bodyPr wrap="none" rtlCol="0">
+            <a:spAutoFit/>
+          </a:bodyPr>
+          <a:lstStyle/>
+          <a:p>
+            <a:r>
+              <a:rPr lang="en-US" altLang="ko-KR" sz="4800" b="1" dirty="0">
+                <a:solidFill>
+                  <a:schemeClr val="accent4"/>
+                </a:solidFill>
+                <a:latin typeface="Spoqa Han Sans Neo Bold" panose="020B0800000000000000" pitchFamily="50" charset="-127"/>
+                <a:ea typeface="Spoqa Han Sans Neo Bold" panose="020B0800000000000000" pitchFamily="50" charset="-127"/>
+              </a:rPr>
+              <a:t>1</a:t>
+            </a:r>
+            <a:endParaRPr lang="ko-KR" altLang="en-US" sz="4800" b="1" dirty="0">
+              <a:solidFill>
+                <a:schemeClr val="accent4"/>
+              </a:solidFill>
+              <a:latin typeface="Spoqa Han Sans Neo Bold" panose="020B0800000000000000" pitchFamily="50" charset="-127"/>
+              <a:ea typeface="Spoqa Han Sans Neo Bold" panose="020B0800000000000000" pitchFamily="50" charset="-127"/>
+            </a:endParaRPr>
+          </a:p>
+        </p:txBody>
+      </p:sp>
+      <p:sp>
+        <p:nvSpPr>
+          <p:cNvPr id="5" name="직사각형 4"/>
+          <p:cNvSpPr/>
+          <p:nvPr/>
+        </p:nvSpPr>
+        <p:spPr>
+          <a:xfrm>
+            <a:off x="9991898" y="6558742"/>
+            <a:ext cx="2119746" cy="241069"/>
+          </a:xfrm>
+          <a:prstGeom prst="rect">
+            <a:avLst/>
+          </a:prstGeom>
+          <a:solidFill>
+            <a:srgbClr val="FFFFFF"/>
+          </a:solidFill>
+          <a:ln>
+            <a:noFill/>
+          </a:ln>
+        </p:spPr>
+        <p:style>
+          <a:lnRef idx="2">
+            <a:schemeClr val="accent1">
+              <a:shade val="50000"/>
+            </a:schemeClr>
+          </a:lnRef>
+          <a:fillRef idx="1">
+            <a:schemeClr val="accent1"/>
+          </a:fillRef>
+          <a:effectRef idx="0">
+            <a:schemeClr val="accent1"/>
+          </a:effectRef>
+          <a:fontRef idx="minor">
+            <a:schemeClr val="lt1"/>
+          </a:fontRef>
+        </p:style>
+        <p:txBody>
+          <a:bodyPr rtlCol="0" anchor="ctr"/>
+          <a:lstStyle/>
+          <a:p>
+            <a:pPr algn="ctr"/>
+            <a:endParaRPr lang="ko-KR" altLang="en-US"/>
+          </a:p>
+        </p:txBody>
+      </p:sp>
+      <p:sp>
+        <p:nvSpPr>
+          <p:cNvPr id="10" name="TextBox 9"/>
+          <p:cNvSpPr txBox="1"/>
+          <p:nvPr/>
+        </p:nvSpPr>
+        <p:spPr>
+          <a:xfrm>
+            <a:off x="185879" y="6082451"/>
+            <a:ext cx="3491346" cy="369332"/>
+          </a:xfrm>
+          <a:prstGeom prst="rect">
+            <a:avLst/>
+          </a:prstGeom>
+          <a:noFill/>
+        </p:spPr>
+        <p:txBody>
+          <a:bodyPr wrap="square" rtlCol="0">
+            <a:spAutoFit/>
+          </a:bodyPr>
+          <a:lstStyle/>
+          <a:p>
+            <a:pPr algn="ctr"/>
+            <a:r>
+              <a:rPr lang="ko-KR" altLang="en-US" dirty="0" smtClean="0">
+                <a:latin typeface="Spoqa Han Sans Neo Bold" panose="020B0800000000000000" pitchFamily="50" charset="-127"/>
+                <a:ea typeface="Spoqa Han Sans Neo Bold" panose="020B0800000000000000" pitchFamily="50" charset="-127"/>
+              </a:rPr>
+              <a:t>텍스트 파일 변화</a:t>
+            </a:r>
+            <a:endParaRPr lang="ko-KR" altLang="en-US" dirty="0">
+              <a:latin typeface="Spoqa Han Sans Neo Bold" panose="020B0800000000000000" pitchFamily="50" charset="-127"/>
+              <a:ea typeface="Spoqa Han Sans Neo Bold" panose="020B0800000000000000" pitchFamily="50" charset="-127"/>
+            </a:endParaRPr>
+          </a:p>
+        </p:txBody>
+      </p:sp>
+      <p:pic>
+        <p:nvPicPr>
+          <p:cNvPr id="11" name="그림 10"/>
+          <p:cNvPicPr>
+            <a:picLocks noChangeAspect="1"/>
+          </p:cNvPicPr>
+          <p:nvPr/>
+        </p:nvPicPr>
+        <p:blipFill>
+          <a:blip r:embed="rId3">
+            <a:extLst>
+              <a:ext uri="{28A0092B-C50C-407E-A947-70E740481C1C}">
+                <a14:useLocalDpi xmlns:a14="http://schemas.microsoft.com/office/drawing/2010/main" val="0"/>
+              </a:ext>
+            </a:extLst>
+          </a:blip>
+          <a:stretch>
+            <a:fillRect/>
+          </a:stretch>
+        </p:blipFill>
+        <p:spPr>
+          <a:xfrm>
+            <a:off x="6596377" y="2921819"/>
+            <a:ext cx="4283836" cy="1619499"/>
+          </a:xfrm>
+          <a:prstGeom prst="rect">
+            <a:avLst/>
+          </a:prstGeom>
+        </p:spPr>
+      </p:pic>
+    </p:spTree>
+    <p:extLst>
+      <p:ext uri="{BB962C8B-B14F-4D97-AF65-F5344CB8AC3E}">
+        <p14:creationId xmlns:p14="http://schemas.microsoft.com/office/powerpoint/2010/main" val="1831630445"/>
+      </p:ext>
+    </p:extLst>
+  </p:cSld>
+  <p:clrMapOvr>
+    <a:masterClrMapping/>
+  </p:clrMapOvr>
+  <mc:AlternateContent xmlns:mc="http://schemas.openxmlformats.org/markup-compatibility/2006" xmlns:p14="http://schemas.microsoft.com/office/powerpoint/2010/main">
+    <mc:Choice Requires="p14">
+      <p:transition spd="med" p14:dur="700">
+        <p:fade/>
+      </p:transition>
+    </mc:Choice>
+    <mc:Fallback xmlns="">
+      <p:transition spd="med">
+        <p:fade/>
+      </p:transition>
+    </mc:Fallback>
+  </mc:AlternateContent>
+  <p:timing>
+    <p:tnLst>
+      <p:par>
+        <p:cTn id="1" dur="indefinite" restart="never" nodeType="tmRoot"/>
+      </p:par>
+    </p:tnLst>
+  </p:timing>
+</p:sld>
+</file>
+
+<file path=ppt/slides/slide19.xml><?xml version="1.0" encoding="utf-8"?>
+<p:sld xmlns:a="http://schemas.openxmlformats.org/drawingml/2006/main" xmlns:r="http://schemas.openxmlformats.org/officeDocument/2006/relationships" xmlns:p="http://schemas.openxmlformats.org/presentationml/2006/main">
+  <p:cSld>
+    <p:spTree>
+      <p:nvGrpSpPr>
+        <p:cNvPr id="1" name=""/>
+        <p:cNvGrpSpPr/>
+        <p:nvPr/>
+      </p:nvGrpSpPr>
+      <p:grpSpPr>
+        <a:xfrm>
+          <a:off x="0" y="0"/>
+          <a:ext cx="0" cy="0"/>
+          <a:chOff x="0" y="0"/>
+          <a:chExt cx="0" cy="0"/>
+        </a:xfrm>
+      </p:grpSpPr>
       <p:sp>
         <p:nvSpPr>
           <p:cNvPr id="2" name="직사각형 1">
@@ -15474,259 +15875,6 @@
       </p:par>
     </p:tnLst>
   </p:timing>
-</p:sld>
-</file>
-
-<file path=ppt/slides/slide19.xml><?xml version="1.0" encoding="utf-8"?>
-<p:sld xmlns:a="http://schemas.openxmlformats.org/drawingml/2006/main" xmlns:r="http://schemas.openxmlformats.org/officeDocument/2006/relationships" xmlns:p="http://schemas.openxmlformats.org/presentationml/2006/main">
-  <p:cSld>
-    <p:bg>
-      <p:bgPr>
-        <a:solidFill>
-          <a:schemeClr val="accent2"/>
-        </a:solidFill>
-        <a:effectLst/>
-      </p:bgPr>
-    </p:bg>
-    <p:spTree>
-      <p:nvGrpSpPr>
-        <p:cNvPr id="1" name=""/>
-        <p:cNvGrpSpPr/>
-        <p:nvPr/>
-      </p:nvGrpSpPr>
-      <p:grpSpPr>
-        <a:xfrm>
-          <a:off x="0" y="0"/>
-          <a:ext cx="0" cy="0"/>
-          <a:chOff x="0" y="0"/>
-          <a:chExt cx="0" cy="0"/>
-        </a:xfrm>
-      </p:grpSpPr>
-      <p:grpSp>
-        <p:nvGrpSpPr>
-          <p:cNvPr id="4" name="그룹 3">
-            <a:extLst>
-              <a:ext uri="{FF2B5EF4-FFF2-40B4-BE49-F238E27FC236}">
-                <a16:creationId xmlns:a16="http://schemas.microsoft.com/office/drawing/2014/main" id="{8F4B065B-3A02-4650-B477-3F0B12BBAFC2}"/>
-              </a:ext>
-            </a:extLst>
-          </p:cNvPr>
-          <p:cNvGrpSpPr/>
-          <p:nvPr/>
-        </p:nvGrpSpPr>
-        <p:grpSpPr>
-          <a:xfrm>
-            <a:off x="1224059" y="1324662"/>
-            <a:ext cx="9163437" cy="4208677"/>
-            <a:chOff x="1315499" y="1583300"/>
-            <a:chExt cx="9163437" cy="4208677"/>
-          </a:xfrm>
-        </p:grpSpPr>
-        <p:sp>
-          <p:nvSpPr>
-            <p:cNvPr id="5" name="TextBox 4">
-              <a:extLst>
-                <a:ext uri="{FF2B5EF4-FFF2-40B4-BE49-F238E27FC236}">
-                  <a16:creationId xmlns:a16="http://schemas.microsoft.com/office/drawing/2014/main" id="{8A9F0C69-37DE-4305-856F-7477BAEC59D0}"/>
-                </a:ext>
-              </a:extLst>
-            </p:cNvPr>
-            <p:cNvSpPr txBox="1"/>
-            <p:nvPr/>
-          </p:nvSpPr>
-          <p:spPr>
-            <a:xfrm>
-              <a:off x="1315499" y="1583300"/>
-              <a:ext cx="2641589" cy="2215991"/>
-            </a:xfrm>
-            <a:prstGeom prst="rect">
-              <a:avLst/>
-            </a:prstGeom>
-            <a:noFill/>
-          </p:spPr>
-          <p:txBody>
-            <a:bodyPr wrap="square" rtlCol="0">
-              <a:spAutoFit/>
-            </a:bodyPr>
-            <a:lstStyle/>
-            <a:p>
-              <a:r>
-                <a:rPr lang="ko-KR" altLang="en-US" sz="13800" dirty="0">
-                  <a:solidFill>
-                    <a:schemeClr val="accent4">
-                      <a:lumMod val="50000"/>
-                    </a:schemeClr>
-                  </a:solidFill>
-                </a:rPr>
-                <a:t> 「</a:t>
-              </a:r>
-            </a:p>
-          </p:txBody>
-        </p:sp>
-        <p:sp>
-          <p:nvSpPr>
-            <p:cNvPr id="6" name="TextBox 5">
-              <a:extLst>
-                <a:ext uri="{FF2B5EF4-FFF2-40B4-BE49-F238E27FC236}">
-                  <a16:creationId xmlns:a16="http://schemas.microsoft.com/office/drawing/2014/main" id="{7214D2EC-9076-4B8D-9A95-57302C948B23}"/>
-                </a:ext>
-              </a:extLst>
-            </p:cNvPr>
-            <p:cNvSpPr txBox="1"/>
-            <p:nvPr/>
-          </p:nvSpPr>
-          <p:spPr>
-            <a:xfrm>
-              <a:off x="9180183" y="3575986"/>
-              <a:ext cx="1298753" cy="2215991"/>
-            </a:xfrm>
-            <a:prstGeom prst="rect">
-              <a:avLst/>
-            </a:prstGeom>
-            <a:noFill/>
-          </p:spPr>
-          <p:txBody>
-            <a:bodyPr wrap="square" rtlCol="0">
-              <a:spAutoFit/>
-            </a:bodyPr>
-            <a:lstStyle>
-              <a:defPPr>
-                <a:defRPr lang="ko-KR"/>
-              </a:defPPr>
-              <a:lvl1pPr>
-                <a:defRPr sz="13800">
-                  <a:solidFill>
-                    <a:srgbClr val="0194E7"/>
-                  </a:solidFill>
-                </a:defRPr>
-              </a:lvl1pPr>
-            </a:lstStyle>
-            <a:p>
-              <a:r>
-                <a:rPr lang="ko-KR" altLang="en-US" dirty="0">
-                  <a:solidFill>
-                    <a:schemeClr val="accent4">
-                      <a:lumMod val="50000"/>
-                    </a:schemeClr>
-                  </a:solidFill>
-                </a:rPr>
-                <a:t>」 </a:t>
-              </a:r>
-            </a:p>
-          </p:txBody>
-        </p:sp>
-      </p:grpSp>
-      <p:sp>
-        <p:nvSpPr>
-          <p:cNvPr id="2" name="직사각형 1"/>
-          <p:cNvSpPr/>
-          <p:nvPr/>
-        </p:nvSpPr>
-        <p:spPr>
-          <a:xfrm>
-            <a:off x="9958647" y="6600304"/>
-            <a:ext cx="2233353" cy="257695"/>
-          </a:xfrm>
-          <a:prstGeom prst="rect">
-            <a:avLst/>
-          </a:prstGeom>
-          <a:solidFill>
-            <a:schemeClr val="accent2"/>
-          </a:solidFill>
-          <a:ln>
-            <a:noFill/>
-          </a:ln>
-        </p:spPr>
-        <p:style>
-          <a:lnRef idx="2">
-            <a:schemeClr val="accent1">
-              <a:shade val="50000"/>
-            </a:schemeClr>
-          </a:lnRef>
-          <a:fillRef idx="1">
-            <a:schemeClr val="accent1"/>
-          </a:fillRef>
-          <a:effectRef idx="0">
-            <a:schemeClr val="accent1"/>
-          </a:effectRef>
-          <a:fontRef idx="minor">
-            <a:schemeClr val="lt1"/>
-          </a:fontRef>
-        </p:style>
-        <p:txBody>
-          <a:bodyPr rtlCol="0" anchor="ctr"/>
-          <a:lstStyle/>
-          <a:p>
-            <a:pPr algn="ctr"/>
-            <a:endParaRPr lang="ko-KR" altLang="en-US"/>
-          </a:p>
-        </p:txBody>
-      </p:sp>
-      <p:sp>
-        <p:nvSpPr>
-          <p:cNvPr id="3" name="TextBox 2"/>
-          <p:cNvSpPr txBox="1"/>
-          <p:nvPr/>
-        </p:nvSpPr>
-        <p:spPr>
-          <a:xfrm>
-            <a:off x="3723861" y="2199861"/>
-            <a:ext cx="5526156" cy="369332"/>
-          </a:xfrm>
-          <a:prstGeom prst="rect">
-            <a:avLst/>
-          </a:prstGeom>
-          <a:noFill/>
-        </p:spPr>
-        <p:txBody>
-          <a:bodyPr wrap="square" rtlCol="0">
-            <a:spAutoFit/>
-          </a:bodyPr>
-          <a:lstStyle/>
-          <a:p>
-            <a:r>
-              <a:rPr lang="en-US" altLang="ko-KR" dirty="0" err="1" smtClean="0">
-                <a:latin typeface="Spoqa Han Sans Neo Bold" panose="020B0800000000000000" pitchFamily="50" charset="-127"/>
-                <a:ea typeface="Spoqa Han Sans Neo Bold" panose="020B0800000000000000" pitchFamily="50" charset="-127"/>
-              </a:rPr>
-              <a:t>api</a:t>
-            </a:r>
-            <a:r>
-              <a:rPr lang="en-US" altLang="ko-KR" dirty="0" smtClean="0">
-                <a:latin typeface="Spoqa Han Sans Neo Bold" panose="020B0800000000000000" pitchFamily="50" charset="-127"/>
-                <a:ea typeface="Spoqa Han Sans Neo Bold" panose="020B0800000000000000" pitchFamily="50" charset="-127"/>
-              </a:rPr>
-              <a:t> </a:t>
-            </a:r>
-            <a:endParaRPr lang="ko-KR" altLang="en-US" dirty="0">
-              <a:latin typeface="Spoqa Han Sans Neo Bold" panose="020B0800000000000000" pitchFamily="50" charset="-127"/>
-              <a:ea typeface="Spoqa Han Sans Neo Bold" panose="020B0800000000000000" pitchFamily="50" charset="-127"/>
-            </a:endParaRPr>
-          </a:p>
-        </p:txBody>
-      </p:sp>
-    </p:spTree>
-    <p:extLst>
-      <p:ext uri="{BB962C8B-B14F-4D97-AF65-F5344CB8AC3E}">
-        <p14:creationId xmlns:p14="http://schemas.microsoft.com/office/powerpoint/2010/main" val="1918978434"/>
-      </p:ext>
-    </p:extLst>
-  </p:cSld>
-  <p:clrMapOvr>
-    <a:masterClrMapping/>
-  </p:clrMapOvr>
-  <mc:AlternateContent xmlns:mc="http://schemas.openxmlformats.org/markup-compatibility/2006" xmlns:p14="http://schemas.microsoft.com/office/powerpoint/2010/main">
-    <mc:Choice Requires="p14">
-      <p:transition spd="med" p14:dur="700">
-        <p:fade/>
-      </p:transition>
-    </mc:Choice>
-    <mc:Fallback xmlns="">
-      <p:transition spd="med">
-        <p:fade/>
-      </p:transition>
-    </mc:Fallback>
-  </mc:AlternateContent>
 </p:sld>
 </file>
 
@@ -17158,6 +17306,14 @@
 <file path=ppt/slides/slide20.xml><?xml version="1.0" encoding="utf-8"?>
 <p:sld xmlns:a="http://schemas.openxmlformats.org/drawingml/2006/main" xmlns:r="http://schemas.openxmlformats.org/officeDocument/2006/relationships" xmlns:p="http://schemas.openxmlformats.org/presentationml/2006/main">
   <p:cSld>
+    <p:bg>
+      <p:bgPr>
+        <a:solidFill>
+          <a:schemeClr val="accent2"/>
+        </a:solidFill>
+        <a:effectLst/>
+      </p:bgPr>
+    </p:bg>
     <p:spTree>
       <p:nvGrpSpPr>
         <p:cNvPr id="1" name=""/>
@@ -17172,77 +17328,130 @@
           <a:chExt cx="0" cy="0"/>
         </a:xfrm>
       </p:grpSpPr>
-      <p:sp>
-        <p:nvSpPr>
-          <p:cNvPr id="2" name="직사각형 1">
+      <p:grpSp>
+        <p:nvGrpSpPr>
+          <p:cNvPr id="4" name="그룹 3">
             <a:extLst>
               <a:ext uri="{FF2B5EF4-FFF2-40B4-BE49-F238E27FC236}">
-                <a16:creationId xmlns:a16="http://schemas.microsoft.com/office/drawing/2014/main" id="{B1985EEF-2AD8-452A-AD82-3BF8C0CCB759}"/>
+                <a16:creationId xmlns:a16="http://schemas.microsoft.com/office/drawing/2014/main" id="{8F4B065B-3A02-4650-B477-3F0B12BBAFC2}"/>
               </a:ext>
             </a:extLst>
           </p:cNvPr>
+          <p:cNvGrpSpPr/>
+          <p:nvPr/>
+        </p:nvGrpSpPr>
+        <p:grpSpPr>
+          <a:xfrm>
+            <a:off x="-1045029" y="2032227"/>
+            <a:ext cx="13063495" cy="2725890"/>
+            <a:chOff x="-960198" y="2341973"/>
+            <a:chExt cx="13453561" cy="2705420"/>
+          </a:xfrm>
+        </p:grpSpPr>
+        <p:sp>
+          <p:nvSpPr>
+            <p:cNvPr id="5" name="TextBox 4">
+              <a:extLst>
+                <a:ext uri="{FF2B5EF4-FFF2-40B4-BE49-F238E27FC236}">
+                  <a16:creationId xmlns:a16="http://schemas.microsoft.com/office/drawing/2014/main" id="{8A9F0C69-37DE-4305-856F-7477BAEC59D0}"/>
+                </a:ext>
+              </a:extLst>
+            </p:cNvPr>
+            <p:cNvSpPr txBox="1"/>
+            <p:nvPr/>
+          </p:nvSpPr>
+          <p:spPr>
+            <a:xfrm>
+              <a:off x="-960198" y="2341973"/>
+              <a:ext cx="2660278" cy="2215992"/>
+            </a:xfrm>
+            <a:prstGeom prst="rect">
+              <a:avLst/>
+            </a:prstGeom>
+            <a:noFill/>
+          </p:spPr>
+          <p:txBody>
+            <a:bodyPr wrap="square" rtlCol="0">
+              <a:spAutoFit/>
+            </a:bodyPr>
+            <a:lstStyle/>
+            <a:p>
+              <a:r>
+                <a:rPr lang="ko-KR" altLang="en-US" sz="13800" dirty="0">
+                  <a:solidFill>
+                    <a:schemeClr val="accent4">
+                      <a:lumMod val="50000"/>
+                    </a:schemeClr>
+                  </a:solidFill>
+                </a:rPr>
+                <a:t> 「</a:t>
+              </a:r>
+            </a:p>
+          </p:txBody>
+        </p:sp>
+        <p:sp>
+          <p:nvSpPr>
+            <p:cNvPr id="6" name="TextBox 5">
+              <a:extLst>
+                <a:ext uri="{FF2B5EF4-FFF2-40B4-BE49-F238E27FC236}">
+                  <a16:creationId xmlns:a16="http://schemas.microsoft.com/office/drawing/2014/main" id="{7214D2EC-9076-4B8D-9A95-57302C948B23}"/>
+                </a:ext>
+              </a:extLst>
+            </p:cNvPr>
+            <p:cNvSpPr txBox="1"/>
+            <p:nvPr/>
+          </p:nvSpPr>
+          <p:spPr>
+            <a:xfrm>
+              <a:off x="11194610" y="2831402"/>
+              <a:ext cx="1298753" cy="2215991"/>
+            </a:xfrm>
+            <a:prstGeom prst="rect">
+              <a:avLst/>
+            </a:prstGeom>
+            <a:noFill/>
+          </p:spPr>
+          <p:txBody>
+            <a:bodyPr wrap="square" rtlCol="0">
+              <a:spAutoFit/>
+            </a:bodyPr>
+            <a:lstStyle>
+              <a:defPPr>
+                <a:defRPr lang="ko-KR"/>
+              </a:defPPr>
+              <a:lvl1pPr>
+                <a:defRPr sz="13800">
+                  <a:solidFill>
+                    <a:srgbClr val="0194E7"/>
+                  </a:solidFill>
+                </a:defRPr>
+              </a:lvl1pPr>
+            </a:lstStyle>
+            <a:p>
+              <a:r>
+                <a:rPr lang="ko-KR" altLang="en-US" dirty="0">
+                  <a:solidFill>
+                    <a:schemeClr val="accent4">
+                      <a:lumMod val="50000"/>
+                    </a:schemeClr>
+                  </a:solidFill>
+                </a:rPr>
+                <a:t>」 </a:t>
+              </a:r>
+            </a:p>
+          </p:txBody>
+        </p:sp>
+      </p:grpSp>
+      <p:sp>
+        <p:nvSpPr>
+          <p:cNvPr id="2" name="직사각형 1"/>
           <p:cNvSpPr/>
           <p:nvPr/>
         </p:nvSpPr>
         <p:spPr>
           <a:xfrm>
-            <a:off x="720000" y="1049009"/>
-            <a:ext cx="5760000" cy="108000"/>
-          </a:xfrm>
-          <a:prstGeom prst="rect">
-            <a:avLst/>
-          </a:prstGeom>
-          <a:solidFill>
-            <a:schemeClr val="accent4"/>
-          </a:solidFill>
-          <a:ln>
-            <a:noFill/>
-          </a:ln>
-        </p:spPr>
-        <p:style>
-          <a:lnRef idx="2">
-            <a:schemeClr val="accent1">
-              <a:shade val="50000"/>
-            </a:schemeClr>
-          </a:lnRef>
-          <a:fillRef idx="1">
-            <a:schemeClr val="accent1"/>
-          </a:fillRef>
-          <a:effectRef idx="0">
-            <a:schemeClr val="accent1"/>
-          </a:effectRef>
-          <a:fontRef idx="minor">
-            <a:schemeClr val="lt1"/>
-          </a:fontRef>
-        </p:style>
-        <p:txBody>
-          <a:bodyPr rtlCol="0" anchor="ctr"/>
-          <a:lstStyle/>
-          <a:p>
-            <a:pPr algn="ctr"/>
-            <a:endParaRPr lang="ko-KR" altLang="en-US">
-              <a:latin typeface="Spoqa Han Sans Neo Bold" panose="020B0800000000000000" pitchFamily="50" charset="-127"/>
-              <a:ea typeface="Spoqa Han Sans Neo Bold" panose="020B0800000000000000" pitchFamily="50" charset="-127"/>
-            </a:endParaRPr>
-          </a:p>
-        </p:txBody>
-      </p:sp>
-      <p:sp>
-        <p:nvSpPr>
-          <p:cNvPr id="3" name="직사각형 2">
-            <a:extLst>
-              <a:ext uri="{FF2B5EF4-FFF2-40B4-BE49-F238E27FC236}">
-                <a16:creationId xmlns:a16="http://schemas.microsoft.com/office/drawing/2014/main" id="{82363163-7A23-46FA-8BFB-C5C551676293}"/>
-              </a:ext>
-            </a:extLst>
-          </p:cNvPr>
-          <p:cNvSpPr/>
-          <p:nvPr/>
-        </p:nvSpPr>
-        <p:spPr>
-          <a:xfrm>
-            <a:off x="0" y="1049009"/>
-            <a:ext cx="720000" cy="108000"/>
+            <a:off x="9958647" y="6600304"/>
+            <a:ext cx="2233353" cy="257695"/>
           </a:xfrm>
           <a:prstGeom prst="rect">
             <a:avLst/>
@@ -17275,1064 +17484,20 @@
           <a:lstStyle/>
           <a:p>
             <a:pPr algn="ctr"/>
-            <a:endParaRPr lang="ko-KR" altLang="en-US">
-              <a:latin typeface="Spoqa Han Sans Neo Bold" panose="020B0800000000000000" pitchFamily="50" charset="-127"/>
-              <a:ea typeface="Spoqa Han Sans Neo Bold" panose="020B0800000000000000" pitchFamily="50" charset="-127"/>
-            </a:endParaRPr>
+            <a:endParaRPr lang="ko-KR" altLang="en-US"/>
           </a:p>
         </p:txBody>
       </p:sp>
       <p:sp>
         <p:nvSpPr>
-          <p:cNvPr id="4" name="TextBox 3">
-            <a:extLst>
-              <a:ext uri="{FF2B5EF4-FFF2-40B4-BE49-F238E27FC236}">
-                <a16:creationId xmlns:a16="http://schemas.microsoft.com/office/drawing/2014/main" id="{F6E7AF03-AAFA-4B21-94E6-D43D71719920}"/>
-              </a:ext>
-            </a:extLst>
-          </p:cNvPr>
+          <p:cNvPr id="3" name="TextBox 2"/>
           <p:cNvSpPr txBox="1"/>
           <p:nvPr/>
         </p:nvSpPr>
         <p:spPr>
           <a:xfrm>
-            <a:off x="720000" y="170425"/>
-            <a:ext cx="3352200" cy="584775"/>
-          </a:xfrm>
-          <a:prstGeom prst="rect">
-            <a:avLst/>
-          </a:prstGeom>
-          <a:noFill/>
-        </p:spPr>
-        <p:txBody>
-          <a:bodyPr wrap="none" rtlCol="0">
-            <a:spAutoFit/>
-          </a:bodyPr>
-          <a:lstStyle/>
-          <a:p>
-            <a:r>
-              <a:rPr lang="ko-KR" altLang="en-US" sz="3200" spc="-300" dirty="0" smtClean="0">
-                <a:solidFill>
-                  <a:schemeClr val="accent4">
-                    <a:lumMod val="50000"/>
-                  </a:schemeClr>
-                </a:solidFill>
-                <a:latin typeface="Spoqa Han Sans Neo Bold" panose="020B0800000000000000" pitchFamily="50" charset="-127"/>
-                <a:ea typeface="Spoqa Han Sans Neo Bold" panose="020B0800000000000000" pitchFamily="50" charset="-127"/>
-              </a:rPr>
-              <a:t>프로젝트 전체 일정표</a:t>
-            </a:r>
-            <a:endParaRPr lang="ko-KR" altLang="en-US" sz="3200" spc="-300" dirty="0">
-              <a:solidFill>
-                <a:schemeClr val="accent4">
-                  <a:lumMod val="50000"/>
-                </a:schemeClr>
-              </a:solidFill>
-              <a:latin typeface="Spoqa Han Sans Neo Bold" panose="020B0800000000000000" pitchFamily="50" charset="-127"/>
-              <a:ea typeface="Spoqa Han Sans Neo Bold" panose="020B0800000000000000" pitchFamily="50" charset="-127"/>
-            </a:endParaRPr>
-          </a:p>
-        </p:txBody>
-      </p:sp>
-      <p:sp>
-        <p:nvSpPr>
-          <p:cNvPr id="9" name="TextBox 8">
-            <a:extLst>
-              <a:ext uri="{FF2B5EF4-FFF2-40B4-BE49-F238E27FC236}">
-                <a16:creationId xmlns:a16="http://schemas.microsoft.com/office/drawing/2014/main" id="{2F6A287E-578E-4555-9C9F-5642B2F6187E}"/>
-              </a:ext>
-            </a:extLst>
-          </p:cNvPr>
-          <p:cNvSpPr txBox="1"/>
-          <p:nvPr/>
-        </p:nvSpPr>
-        <p:spPr>
-          <a:xfrm>
-            <a:off x="185879" y="46855"/>
-            <a:ext cx="551754" cy="830997"/>
-          </a:xfrm>
-          <a:prstGeom prst="rect">
-            <a:avLst/>
-          </a:prstGeom>
-          <a:noFill/>
-        </p:spPr>
-        <p:txBody>
-          <a:bodyPr wrap="none" rtlCol="0">
-            <a:spAutoFit/>
-          </a:bodyPr>
-          <a:lstStyle/>
-          <a:p>
-            <a:r>
-              <a:rPr lang="en-US" altLang="ko-KR" sz="4800" b="1" dirty="0">
-                <a:solidFill>
-                  <a:schemeClr val="accent4"/>
-                </a:solidFill>
-                <a:latin typeface="Spoqa Han Sans Neo Bold" panose="020B0800000000000000" pitchFamily="50" charset="-127"/>
-                <a:ea typeface="Spoqa Han Sans Neo Bold" panose="020B0800000000000000" pitchFamily="50" charset="-127"/>
-              </a:rPr>
-              <a:t>2</a:t>
-            </a:r>
-            <a:endParaRPr lang="ko-KR" altLang="en-US" sz="4800" b="1" dirty="0">
-              <a:solidFill>
-                <a:schemeClr val="accent4"/>
-              </a:solidFill>
-              <a:latin typeface="Spoqa Han Sans Neo Bold" panose="020B0800000000000000" pitchFamily="50" charset="-127"/>
-              <a:ea typeface="Spoqa Han Sans Neo Bold" panose="020B0800000000000000" pitchFamily="50" charset="-127"/>
-            </a:endParaRPr>
-          </a:p>
-        </p:txBody>
-      </p:sp>
-      <p:cxnSp>
-        <p:nvCxnSpPr>
-          <p:cNvPr id="23" name="직선 연결선 22">
-            <a:extLst>
-              <a:ext uri="{FF2B5EF4-FFF2-40B4-BE49-F238E27FC236}">
-                <a16:creationId xmlns:a16="http://schemas.microsoft.com/office/drawing/2014/main" id="{CDBBC556-B623-4587-ABED-E15DC6C3619F}"/>
-              </a:ext>
-            </a:extLst>
-          </p:cNvPr>
-          <p:cNvCxnSpPr/>
-          <p:nvPr/>
-        </p:nvCxnSpPr>
-        <p:spPr>
-          <a:xfrm>
-            <a:off x="0" y="3405188"/>
-            <a:ext cx="12192000" cy="0"/>
-          </a:xfrm>
-          <a:prstGeom prst="line">
-            <a:avLst/>
-          </a:prstGeom>
-          <a:ln w="57150">
-            <a:solidFill>
-              <a:schemeClr val="accent2"/>
-            </a:solidFill>
-          </a:ln>
-        </p:spPr>
-        <p:style>
-          <a:lnRef idx="1">
-            <a:schemeClr val="accent1"/>
-          </a:lnRef>
-          <a:fillRef idx="0">
-            <a:schemeClr val="accent1"/>
-          </a:fillRef>
-          <a:effectRef idx="0">
-            <a:schemeClr val="accent1"/>
-          </a:effectRef>
-          <a:fontRef idx="minor">
-            <a:schemeClr val="tx1"/>
-          </a:fontRef>
-        </p:style>
-      </p:cxnSp>
-    </p:spTree>
-    <p:extLst>
-      <p:ext uri="{BB962C8B-B14F-4D97-AF65-F5344CB8AC3E}">
-        <p14:creationId xmlns:p14="http://schemas.microsoft.com/office/powerpoint/2010/main" val="3609292686"/>
-      </p:ext>
-    </p:extLst>
-  </p:cSld>
-  <p:clrMapOvr>
-    <a:masterClrMapping/>
-  </p:clrMapOvr>
-  <mc:AlternateContent xmlns:mc="http://schemas.openxmlformats.org/markup-compatibility/2006" xmlns:p14="http://schemas.microsoft.com/office/powerpoint/2010/main">
-    <mc:Choice Requires="p14">
-      <p:transition spd="med" p14:dur="700">
-        <p:fade/>
-      </p:transition>
-    </mc:Choice>
-    <mc:Fallback xmlns="">
-      <p:transition spd="med">
-        <p:fade/>
-      </p:transition>
-    </mc:Fallback>
-  </mc:AlternateContent>
-</p:sld>
-</file>
-
-<file path=ppt/slides/slide21.xml><?xml version="1.0" encoding="utf-8"?>
-<p:sld xmlns:a="http://schemas.openxmlformats.org/drawingml/2006/main" xmlns:r="http://schemas.openxmlformats.org/officeDocument/2006/relationships" xmlns:p="http://schemas.openxmlformats.org/presentationml/2006/main">
-  <p:cSld>
-    <p:spTree>
-      <p:nvGrpSpPr>
-        <p:cNvPr id="1" name=""/>
-        <p:cNvGrpSpPr/>
-        <p:nvPr/>
-      </p:nvGrpSpPr>
-      <p:grpSpPr>
-        <a:xfrm>
-          <a:off x="0" y="0"/>
-          <a:ext cx="0" cy="0"/>
-          <a:chOff x="0" y="0"/>
-          <a:chExt cx="0" cy="0"/>
-        </a:xfrm>
-      </p:grpSpPr>
-      <p:sp>
-        <p:nvSpPr>
-          <p:cNvPr id="2" name="직사각형 1">
-            <a:extLst>
-              <a:ext uri="{FF2B5EF4-FFF2-40B4-BE49-F238E27FC236}">
-                <a16:creationId xmlns:a16="http://schemas.microsoft.com/office/drawing/2014/main" id="{B1985EEF-2AD8-452A-AD82-3BF8C0CCB759}"/>
-              </a:ext>
-            </a:extLst>
-          </p:cNvPr>
-          <p:cNvSpPr/>
-          <p:nvPr/>
-        </p:nvSpPr>
-        <p:spPr>
-          <a:xfrm>
-            <a:off x="720000" y="1049009"/>
-            <a:ext cx="5760000" cy="108000"/>
-          </a:xfrm>
-          <a:prstGeom prst="rect">
-            <a:avLst/>
-          </a:prstGeom>
-          <a:solidFill>
-            <a:schemeClr val="accent4"/>
-          </a:solidFill>
-          <a:ln>
-            <a:noFill/>
-          </a:ln>
-        </p:spPr>
-        <p:style>
-          <a:lnRef idx="2">
-            <a:schemeClr val="accent1">
-              <a:shade val="50000"/>
-            </a:schemeClr>
-          </a:lnRef>
-          <a:fillRef idx="1">
-            <a:schemeClr val="accent1"/>
-          </a:fillRef>
-          <a:effectRef idx="0">
-            <a:schemeClr val="accent1"/>
-          </a:effectRef>
-          <a:fontRef idx="minor">
-            <a:schemeClr val="lt1"/>
-          </a:fontRef>
-        </p:style>
-        <p:txBody>
-          <a:bodyPr rtlCol="0" anchor="ctr"/>
-          <a:lstStyle/>
-          <a:p>
-            <a:pPr algn="ctr"/>
-            <a:endParaRPr lang="ko-KR" altLang="en-US"/>
-          </a:p>
-        </p:txBody>
-      </p:sp>
-      <p:sp>
-        <p:nvSpPr>
-          <p:cNvPr id="3" name="직사각형 2">
-            <a:extLst>
-              <a:ext uri="{FF2B5EF4-FFF2-40B4-BE49-F238E27FC236}">
-                <a16:creationId xmlns:a16="http://schemas.microsoft.com/office/drawing/2014/main" id="{82363163-7A23-46FA-8BFB-C5C551676293}"/>
-              </a:ext>
-            </a:extLst>
-          </p:cNvPr>
-          <p:cNvSpPr/>
-          <p:nvPr/>
-        </p:nvSpPr>
-        <p:spPr>
-          <a:xfrm>
-            <a:off x="0" y="1049009"/>
-            <a:ext cx="720000" cy="108000"/>
-          </a:xfrm>
-          <a:prstGeom prst="rect">
-            <a:avLst/>
-          </a:prstGeom>
-          <a:solidFill>
-            <a:schemeClr val="accent2"/>
-          </a:solidFill>
-          <a:ln>
-            <a:noFill/>
-          </a:ln>
-        </p:spPr>
-        <p:style>
-          <a:lnRef idx="2">
-            <a:schemeClr val="accent1">
-              <a:shade val="50000"/>
-            </a:schemeClr>
-          </a:lnRef>
-          <a:fillRef idx="1">
-            <a:schemeClr val="accent1"/>
-          </a:fillRef>
-          <a:effectRef idx="0">
-            <a:schemeClr val="accent1"/>
-          </a:effectRef>
-          <a:fontRef idx="minor">
-            <a:schemeClr val="lt1"/>
-          </a:fontRef>
-        </p:style>
-        <p:txBody>
-          <a:bodyPr rtlCol="0" anchor="ctr"/>
-          <a:lstStyle/>
-          <a:p>
-            <a:pPr algn="ctr"/>
-            <a:endParaRPr lang="ko-KR" altLang="en-US"/>
-          </a:p>
-        </p:txBody>
-      </p:sp>
-      <p:sp>
-        <p:nvSpPr>
-          <p:cNvPr id="4" name="TextBox 3">
-            <a:extLst>
-              <a:ext uri="{FF2B5EF4-FFF2-40B4-BE49-F238E27FC236}">
-                <a16:creationId xmlns:a16="http://schemas.microsoft.com/office/drawing/2014/main" id="{F6E7AF03-AAFA-4B21-94E6-D43D71719920}"/>
-              </a:ext>
-            </a:extLst>
-          </p:cNvPr>
-          <p:cNvSpPr txBox="1"/>
-          <p:nvPr/>
-        </p:nvSpPr>
-        <p:spPr>
-          <a:xfrm>
-            <a:off x="720000" y="121920"/>
-            <a:ext cx="2938625" cy="584775"/>
-          </a:xfrm>
-          <a:prstGeom prst="rect">
-            <a:avLst/>
-          </a:prstGeom>
-          <a:noFill/>
-        </p:spPr>
-        <p:txBody>
-          <a:bodyPr wrap="none" rtlCol="0">
-            <a:spAutoFit/>
-          </a:bodyPr>
-          <a:lstStyle/>
-          <a:p>
-            <a:r>
-              <a:rPr lang="ko-KR" altLang="en-US" sz="3200" spc="-300" dirty="0">
-                <a:solidFill>
-                  <a:schemeClr val="accent4">
-                    <a:lumMod val="50000"/>
-                  </a:schemeClr>
-                </a:solidFill>
-              </a:rPr>
-              <a:t>제목을 입력하세요</a:t>
-            </a:r>
-          </a:p>
-        </p:txBody>
-      </p:sp>
-      <p:sp>
-        <p:nvSpPr>
-          <p:cNvPr id="5" name="TextBox 4">
-            <a:extLst>
-              <a:ext uri="{FF2B5EF4-FFF2-40B4-BE49-F238E27FC236}">
-                <a16:creationId xmlns:a16="http://schemas.microsoft.com/office/drawing/2014/main" id="{AE5F0EF4-96E3-43A5-A432-2ED2B20E641A}"/>
-              </a:ext>
-            </a:extLst>
-          </p:cNvPr>
-          <p:cNvSpPr txBox="1"/>
-          <p:nvPr/>
-        </p:nvSpPr>
-        <p:spPr>
-          <a:xfrm>
-            <a:off x="720000" y="629175"/>
-            <a:ext cx="4503477" cy="307777"/>
-          </a:xfrm>
-          <a:prstGeom prst="rect">
-            <a:avLst/>
-          </a:prstGeom>
-          <a:noFill/>
-        </p:spPr>
-        <p:txBody>
-          <a:bodyPr wrap="none" rtlCol="0">
-            <a:spAutoFit/>
-          </a:bodyPr>
-          <a:lstStyle/>
-          <a:p>
-            <a:r>
-              <a:rPr lang="en-US" altLang="ko-KR" sz="1400" dirty="0">
-                <a:solidFill>
-                  <a:schemeClr val="accent4">
-                    <a:lumMod val="50000"/>
-                  </a:schemeClr>
-                </a:solidFill>
-              </a:rPr>
-              <a:t>Lorem ipsum dolor sit </a:t>
-            </a:r>
-            <a:r>
-              <a:rPr lang="en-US" altLang="ko-KR" sz="1400" dirty="0" err="1">
-                <a:solidFill>
-                  <a:schemeClr val="accent4">
-                    <a:lumMod val="50000"/>
-                  </a:schemeClr>
-                </a:solidFill>
-              </a:rPr>
-              <a:t>amet</a:t>
-            </a:r>
-            <a:r>
-              <a:rPr lang="en-US" altLang="ko-KR" sz="1400" dirty="0">
-                <a:solidFill>
-                  <a:schemeClr val="accent4">
-                    <a:lumMod val="50000"/>
-                  </a:schemeClr>
-                </a:solidFill>
-              </a:rPr>
-              <a:t>, </a:t>
-            </a:r>
-            <a:r>
-              <a:rPr lang="en-US" altLang="ko-KR" sz="1400" dirty="0" err="1">
-                <a:solidFill>
-                  <a:schemeClr val="accent4">
-                    <a:lumMod val="50000"/>
-                  </a:schemeClr>
-                </a:solidFill>
-              </a:rPr>
-              <a:t>consectetur</a:t>
-            </a:r>
-            <a:r>
-              <a:rPr lang="en-US" altLang="ko-KR" sz="1400" dirty="0">
-                <a:solidFill>
-                  <a:schemeClr val="accent4">
-                    <a:lumMod val="50000"/>
-                  </a:schemeClr>
-                </a:solidFill>
-              </a:rPr>
-              <a:t> </a:t>
-            </a:r>
-            <a:r>
-              <a:rPr lang="en-US" altLang="ko-KR" sz="1400" dirty="0" err="1">
-                <a:solidFill>
-                  <a:schemeClr val="accent4">
-                    <a:lumMod val="50000"/>
-                  </a:schemeClr>
-                </a:solidFill>
-              </a:rPr>
-              <a:t>adipiscing</a:t>
-            </a:r>
-            <a:r>
-              <a:rPr lang="en-US" altLang="ko-KR" sz="1400" dirty="0">
-                <a:solidFill>
-                  <a:schemeClr val="accent4">
-                    <a:lumMod val="50000"/>
-                  </a:schemeClr>
-                </a:solidFill>
-              </a:rPr>
-              <a:t> </a:t>
-            </a:r>
-            <a:r>
-              <a:rPr lang="en-US" altLang="ko-KR" sz="1400" dirty="0" err="1">
-                <a:solidFill>
-                  <a:schemeClr val="accent4">
-                    <a:lumMod val="50000"/>
-                  </a:schemeClr>
-                </a:solidFill>
-              </a:rPr>
-              <a:t>elit</a:t>
-            </a:r>
-            <a:endParaRPr lang="ko-KR" altLang="en-US" sz="1400" dirty="0">
-              <a:solidFill>
-                <a:schemeClr val="accent4">
-                  <a:lumMod val="50000"/>
-                </a:schemeClr>
-              </a:solidFill>
-            </a:endParaRPr>
-          </a:p>
-        </p:txBody>
-      </p:sp>
-      <p:sp>
-        <p:nvSpPr>
-          <p:cNvPr id="9" name="TextBox 8">
-            <a:extLst>
-              <a:ext uri="{FF2B5EF4-FFF2-40B4-BE49-F238E27FC236}">
-                <a16:creationId xmlns:a16="http://schemas.microsoft.com/office/drawing/2014/main" id="{2F6A287E-578E-4555-9C9F-5642B2F6187E}"/>
-              </a:ext>
-            </a:extLst>
-          </p:cNvPr>
-          <p:cNvSpPr txBox="1"/>
-          <p:nvPr/>
-        </p:nvSpPr>
-        <p:spPr>
-          <a:xfrm>
-            <a:off x="185879" y="46855"/>
-            <a:ext cx="534121" cy="830997"/>
-          </a:xfrm>
-          <a:prstGeom prst="rect">
-            <a:avLst/>
-          </a:prstGeom>
-          <a:noFill/>
-        </p:spPr>
-        <p:txBody>
-          <a:bodyPr wrap="none" rtlCol="0">
-            <a:spAutoFit/>
-          </a:bodyPr>
-          <a:lstStyle/>
-          <a:p>
-            <a:r>
-              <a:rPr lang="en-US" altLang="ko-KR" sz="4800" b="1" dirty="0">
-                <a:solidFill>
-                  <a:schemeClr val="accent4"/>
-                </a:solidFill>
-              </a:rPr>
-              <a:t>3</a:t>
-            </a:r>
-            <a:endParaRPr lang="ko-KR" altLang="en-US" sz="4800" b="1" dirty="0">
-              <a:solidFill>
-                <a:schemeClr val="accent4"/>
-              </a:solidFill>
-            </a:endParaRPr>
-          </a:p>
-        </p:txBody>
-      </p:sp>
-      <p:pic>
-        <p:nvPicPr>
-          <p:cNvPr id="19" name="그래픽 18" descr="사람">
-            <a:extLst>
-              <a:ext uri="{FF2B5EF4-FFF2-40B4-BE49-F238E27FC236}">
-                <a16:creationId xmlns:a16="http://schemas.microsoft.com/office/drawing/2014/main" id="{F4FF364D-E94C-4738-9B44-1272DCFFD53C}"/>
-              </a:ext>
-            </a:extLst>
-          </p:cNvPr>
-          <p:cNvPicPr>
-            <a:picLocks noChangeAspect="1"/>
-          </p:cNvPicPr>
-          <p:nvPr/>
-        </p:nvPicPr>
-        <p:blipFill>
-          <a:blip r:embed="rId2">
-            <a:extLst>
-              <a:ext uri="{28A0092B-C50C-407E-A947-70E740481C1C}">
-                <a14:useLocalDpi xmlns:a14="http://schemas.microsoft.com/office/drawing/2010/main"/>
-              </a:ext>
-              <a:ext uri="{96DAC541-7B7A-43D3-8B79-37D633B846F1}">
-                <asvg:svgBlip xmlns:asvg="http://schemas.microsoft.com/office/drawing/2016/SVG/main" xmlns="" r:embed="rId3"/>
-              </a:ext>
-            </a:extLst>
-          </a:blip>
-          <a:stretch>
-            <a:fillRect/>
-          </a:stretch>
-        </p:blipFill>
-        <p:spPr>
-          <a:xfrm>
-            <a:off x="2758440" y="2437462"/>
-            <a:ext cx="914400" cy="914400"/>
-          </a:xfrm>
-          <a:prstGeom prst="rect">
-            <a:avLst/>
-          </a:prstGeom>
-        </p:spPr>
-      </p:pic>
-      <p:pic>
-        <p:nvPicPr>
-          <p:cNvPr id="20" name="그래픽 19" descr="사람">
-            <a:extLst>
-              <a:ext uri="{FF2B5EF4-FFF2-40B4-BE49-F238E27FC236}">
-                <a16:creationId xmlns:a16="http://schemas.microsoft.com/office/drawing/2014/main" id="{C459BFBC-D925-4853-A921-FEEC4D3365B3}"/>
-              </a:ext>
-            </a:extLst>
-          </p:cNvPr>
-          <p:cNvPicPr>
-            <a:picLocks noChangeAspect="1"/>
-          </p:cNvPicPr>
-          <p:nvPr/>
-        </p:nvPicPr>
-        <p:blipFill>
-          <a:blip r:embed="rId2">
-            <a:extLst>
-              <a:ext uri="{28A0092B-C50C-407E-A947-70E740481C1C}">
-                <a14:useLocalDpi xmlns:a14="http://schemas.microsoft.com/office/drawing/2010/main"/>
-              </a:ext>
-              <a:ext uri="{96DAC541-7B7A-43D3-8B79-37D633B846F1}">
-                <asvg:svgBlip xmlns:asvg="http://schemas.microsoft.com/office/drawing/2016/SVG/main" xmlns="" r:embed="rId3"/>
-              </a:ext>
-            </a:extLst>
-          </a:blip>
-          <a:stretch>
-            <a:fillRect/>
-          </a:stretch>
-        </p:blipFill>
-        <p:spPr>
-          <a:xfrm>
-            <a:off x="3398520" y="2437462"/>
-            <a:ext cx="914400" cy="914400"/>
-          </a:xfrm>
-          <a:prstGeom prst="rect">
-            <a:avLst/>
-          </a:prstGeom>
-        </p:spPr>
-      </p:pic>
-      <p:pic>
-        <p:nvPicPr>
-          <p:cNvPr id="21" name="그래픽 20" descr="사람">
-            <a:extLst>
-              <a:ext uri="{FF2B5EF4-FFF2-40B4-BE49-F238E27FC236}">
-                <a16:creationId xmlns:a16="http://schemas.microsoft.com/office/drawing/2014/main" id="{648E7F0D-2D04-4D4D-A2EC-215812A0B7B6}"/>
-              </a:ext>
-            </a:extLst>
-          </p:cNvPr>
-          <p:cNvPicPr>
-            <a:picLocks noChangeAspect="1"/>
-          </p:cNvPicPr>
-          <p:nvPr/>
-        </p:nvPicPr>
-        <p:blipFill>
-          <a:blip r:embed="rId2">
-            <a:extLst>
-              <a:ext uri="{28A0092B-C50C-407E-A947-70E740481C1C}">
-                <a14:useLocalDpi xmlns:a14="http://schemas.microsoft.com/office/drawing/2010/main"/>
-              </a:ext>
-              <a:ext uri="{96DAC541-7B7A-43D3-8B79-37D633B846F1}">
-                <asvg:svgBlip xmlns:asvg="http://schemas.microsoft.com/office/drawing/2016/SVG/main" xmlns="" r:embed="rId3"/>
-              </a:ext>
-            </a:extLst>
-          </a:blip>
-          <a:stretch>
-            <a:fillRect/>
-          </a:stretch>
-        </p:blipFill>
-        <p:spPr>
-          <a:xfrm>
-            <a:off x="4038600" y="2437462"/>
-            <a:ext cx="914400" cy="914400"/>
-          </a:xfrm>
-          <a:prstGeom prst="rect">
-            <a:avLst/>
-          </a:prstGeom>
-        </p:spPr>
-      </p:pic>
-      <p:pic>
-        <p:nvPicPr>
-          <p:cNvPr id="22" name="그래픽 21" descr="사람">
-            <a:extLst>
-              <a:ext uri="{FF2B5EF4-FFF2-40B4-BE49-F238E27FC236}">
-                <a16:creationId xmlns:a16="http://schemas.microsoft.com/office/drawing/2014/main" id="{AEC47A9F-7497-424C-A923-4B5F03038197}"/>
-              </a:ext>
-            </a:extLst>
-          </p:cNvPr>
-          <p:cNvPicPr>
-            <a:picLocks noChangeAspect="1"/>
-          </p:cNvPicPr>
-          <p:nvPr/>
-        </p:nvPicPr>
-        <p:blipFill>
-          <a:blip r:embed="rId2">
-            <a:extLst>
-              <a:ext uri="{28A0092B-C50C-407E-A947-70E740481C1C}">
-                <a14:useLocalDpi xmlns:a14="http://schemas.microsoft.com/office/drawing/2010/main"/>
-              </a:ext>
-              <a:ext uri="{96DAC541-7B7A-43D3-8B79-37D633B846F1}">
-                <asvg:svgBlip xmlns:asvg="http://schemas.microsoft.com/office/drawing/2016/SVG/main" xmlns="" r:embed="rId3"/>
-              </a:ext>
-            </a:extLst>
-          </a:blip>
-          <a:stretch>
-            <a:fillRect/>
-          </a:stretch>
-        </p:blipFill>
-        <p:spPr>
-          <a:xfrm>
-            <a:off x="4678680" y="2437462"/>
-            <a:ext cx="914400" cy="914400"/>
-          </a:xfrm>
-          <a:prstGeom prst="rect">
-            <a:avLst/>
-          </a:prstGeom>
-        </p:spPr>
-      </p:pic>
-      <p:pic>
-        <p:nvPicPr>
-          <p:cNvPr id="23" name="그래픽 22" descr="사람">
-            <a:extLst>
-              <a:ext uri="{FF2B5EF4-FFF2-40B4-BE49-F238E27FC236}">
-                <a16:creationId xmlns:a16="http://schemas.microsoft.com/office/drawing/2014/main" id="{CA0F0F7C-9009-4317-85A0-2898330D680B}"/>
-              </a:ext>
-            </a:extLst>
-          </p:cNvPr>
-          <p:cNvPicPr>
-            <a:picLocks noChangeAspect="1"/>
-          </p:cNvPicPr>
-          <p:nvPr/>
-        </p:nvPicPr>
-        <p:blipFill>
-          <a:blip r:embed="rId2">
-            <a:extLst>
-              <a:ext uri="{28A0092B-C50C-407E-A947-70E740481C1C}">
-                <a14:useLocalDpi xmlns:a14="http://schemas.microsoft.com/office/drawing/2010/main"/>
-              </a:ext>
-              <a:ext uri="{96DAC541-7B7A-43D3-8B79-37D633B846F1}">
-                <asvg:svgBlip xmlns:asvg="http://schemas.microsoft.com/office/drawing/2016/SVG/main" xmlns="" r:embed="rId3"/>
-              </a:ext>
-            </a:extLst>
-          </a:blip>
-          <a:stretch>
-            <a:fillRect/>
-          </a:stretch>
-        </p:blipFill>
-        <p:spPr>
-          <a:xfrm>
-            <a:off x="5318760" y="2437462"/>
-            <a:ext cx="914400" cy="914400"/>
-          </a:xfrm>
-          <a:prstGeom prst="rect">
-            <a:avLst/>
-          </a:prstGeom>
-        </p:spPr>
-      </p:pic>
-      <p:pic>
-        <p:nvPicPr>
-          <p:cNvPr id="24" name="그래픽 23" descr="사람">
-            <a:extLst>
-              <a:ext uri="{FF2B5EF4-FFF2-40B4-BE49-F238E27FC236}">
-                <a16:creationId xmlns:a16="http://schemas.microsoft.com/office/drawing/2014/main" id="{B4188585-B48D-4A95-8A8B-637489EE83EB}"/>
-              </a:ext>
-            </a:extLst>
-          </p:cNvPr>
-          <p:cNvPicPr>
-            <a:picLocks noChangeAspect="1"/>
-          </p:cNvPicPr>
-          <p:nvPr/>
-        </p:nvPicPr>
-        <p:blipFill>
-          <a:blip r:embed="rId2">
-            <a:extLst>
-              <a:ext uri="{28A0092B-C50C-407E-A947-70E740481C1C}">
-                <a14:useLocalDpi xmlns:a14="http://schemas.microsoft.com/office/drawing/2010/main"/>
-              </a:ext>
-              <a:ext uri="{96DAC541-7B7A-43D3-8B79-37D633B846F1}">
-                <asvg:svgBlip xmlns:asvg="http://schemas.microsoft.com/office/drawing/2016/SVG/main" xmlns="" r:embed="rId3"/>
-              </a:ext>
-            </a:extLst>
-          </a:blip>
-          <a:stretch>
-            <a:fillRect/>
-          </a:stretch>
-        </p:blipFill>
-        <p:spPr>
-          <a:xfrm>
-            <a:off x="5958840" y="2437462"/>
-            <a:ext cx="914400" cy="914400"/>
-          </a:xfrm>
-          <a:prstGeom prst="rect">
-            <a:avLst/>
-          </a:prstGeom>
-        </p:spPr>
-      </p:pic>
-      <p:pic>
-        <p:nvPicPr>
-          <p:cNvPr id="25" name="그래픽 24" descr="사람">
-            <a:extLst>
-              <a:ext uri="{FF2B5EF4-FFF2-40B4-BE49-F238E27FC236}">
-                <a16:creationId xmlns:a16="http://schemas.microsoft.com/office/drawing/2014/main" id="{5AFA237F-E64E-438C-BF97-9C58DC8DDB95}"/>
-              </a:ext>
-            </a:extLst>
-          </p:cNvPr>
-          <p:cNvPicPr>
-            <a:picLocks noChangeAspect="1"/>
-          </p:cNvPicPr>
-          <p:nvPr/>
-        </p:nvPicPr>
-        <p:blipFill>
-          <a:blip r:embed="rId2">
-            <a:extLst>
-              <a:ext uri="{28A0092B-C50C-407E-A947-70E740481C1C}">
-                <a14:useLocalDpi xmlns:a14="http://schemas.microsoft.com/office/drawing/2010/main"/>
-              </a:ext>
-              <a:ext uri="{96DAC541-7B7A-43D3-8B79-37D633B846F1}">
-                <asvg:svgBlip xmlns:asvg="http://schemas.microsoft.com/office/drawing/2016/SVG/main" xmlns="" r:embed="rId3"/>
-              </a:ext>
-            </a:extLst>
-          </a:blip>
-          <a:stretch>
-            <a:fillRect/>
-          </a:stretch>
-        </p:blipFill>
-        <p:spPr>
-          <a:xfrm>
-            <a:off x="6598920" y="2437462"/>
-            <a:ext cx="914400" cy="914400"/>
-          </a:xfrm>
-          <a:prstGeom prst="rect">
-            <a:avLst/>
-          </a:prstGeom>
-        </p:spPr>
-      </p:pic>
-      <p:pic>
-        <p:nvPicPr>
-          <p:cNvPr id="26" name="그래픽 25" descr="사람">
-            <a:extLst>
-              <a:ext uri="{FF2B5EF4-FFF2-40B4-BE49-F238E27FC236}">
-                <a16:creationId xmlns:a16="http://schemas.microsoft.com/office/drawing/2014/main" id="{0B6EEF8F-9C62-4A00-A8C6-5A28B9B6DA91}"/>
-              </a:ext>
-            </a:extLst>
-          </p:cNvPr>
-          <p:cNvPicPr>
-            <a:picLocks noChangeAspect="1"/>
-          </p:cNvPicPr>
-          <p:nvPr/>
-        </p:nvPicPr>
-        <p:blipFill>
-          <a:blip r:embed="rId4">
-            <a:extLst>
-              <a:ext uri="{28A0092B-C50C-407E-A947-70E740481C1C}">
-                <a14:useLocalDpi xmlns:a14="http://schemas.microsoft.com/office/drawing/2010/main"/>
-              </a:ext>
-              <a:ext uri="{96DAC541-7B7A-43D3-8B79-37D633B846F1}">
-                <asvg:svgBlip xmlns:asvg="http://schemas.microsoft.com/office/drawing/2016/SVG/main" xmlns="" r:embed="rId5"/>
-              </a:ext>
-            </a:extLst>
-          </a:blip>
-          <a:stretch>
-            <a:fillRect/>
-          </a:stretch>
-        </p:blipFill>
-        <p:spPr>
-          <a:xfrm>
-            <a:off x="7239000" y="2437462"/>
-            <a:ext cx="914400" cy="914400"/>
-          </a:xfrm>
-          <a:prstGeom prst="rect">
-            <a:avLst/>
-          </a:prstGeom>
-        </p:spPr>
-      </p:pic>
-      <p:pic>
-        <p:nvPicPr>
-          <p:cNvPr id="27" name="그래픽 26" descr="사람">
-            <a:extLst>
-              <a:ext uri="{FF2B5EF4-FFF2-40B4-BE49-F238E27FC236}">
-                <a16:creationId xmlns:a16="http://schemas.microsoft.com/office/drawing/2014/main" id="{46D08CC4-0661-4D53-A826-EEF328C8DD45}"/>
-              </a:ext>
-            </a:extLst>
-          </p:cNvPr>
-          <p:cNvPicPr>
-            <a:picLocks noChangeAspect="1"/>
-          </p:cNvPicPr>
-          <p:nvPr/>
-        </p:nvPicPr>
-        <p:blipFill>
-          <a:blip r:embed="rId4">
-            <a:extLst>
-              <a:ext uri="{28A0092B-C50C-407E-A947-70E740481C1C}">
-                <a14:useLocalDpi xmlns:a14="http://schemas.microsoft.com/office/drawing/2010/main"/>
-              </a:ext>
-              <a:ext uri="{96DAC541-7B7A-43D3-8B79-37D633B846F1}">
-                <asvg:svgBlip xmlns:asvg="http://schemas.microsoft.com/office/drawing/2016/SVG/main" xmlns="" r:embed="rId5"/>
-              </a:ext>
-            </a:extLst>
-          </a:blip>
-          <a:stretch>
-            <a:fillRect/>
-          </a:stretch>
-        </p:blipFill>
-        <p:spPr>
-          <a:xfrm>
-            <a:off x="7879080" y="2437462"/>
-            <a:ext cx="914400" cy="914400"/>
-          </a:xfrm>
-          <a:prstGeom prst="rect">
-            <a:avLst/>
-          </a:prstGeom>
-        </p:spPr>
-      </p:pic>
-      <p:pic>
-        <p:nvPicPr>
-          <p:cNvPr id="28" name="그래픽 27" descr="사람">
-            <a:extLst>
-              <a:ext uri="{FF2B5EF4-FFF2-40B4-BE49-F238E27FC236}">
-                <a16:creationId xmlns:a16="http://schemas.microsoft.com/office/drawing/2014/main" id="{535A1CC2-7283-405F-BC38-FF07087566F6}"/>
-              </a:ext>
-            </a:extLst>
-          </p:cNvPr>
-          <p:cNvPicPr>
-            <a:picLocks noChangeAspect="1"/>
-          </p:cNvPicPr>
-          <p:nvPr/>
-        </p:nvPicPr>
-        <p:blipFill>
-          <a:blip r:embed="rId4">
-            <a:extLst>
-              <a:ext uri="{28A0092B-C50C-407E-A947-70E740481C1C}">
-                <a14:useLocalDpi xmlns:a14="http://schemas.microsoft.com/office/drawing/2010/main"/>
-              </a:ext>
-              <a:ext uri="{96DAC541-7B7A-43D3-8B79-37D633B846F1}">
-                <asvg:svgBlip xmlns:asvg="http://schemas.microsoft.com/office/drawing/2016/SVG/main" xmlns="" r:embed="rId5"/>
-              </a:ext>
-            </a:extLst>
-          </a:blip>
-          <a:stretch>
-            <a:fillRect/>
-          </a:stretch>
-        </p:blipFill>
-        <p:spPr>
-          <a:xfrm>
-            <a:off x="8519160" y="2437462"/>
-            <a:ext cx="914400" cy="914400"/>
-          </a:xfrm>
-          <a:prstGeom prst="rect">
-            <a:avLst/>
-          </a:prstGeom>
-        </p:spPr>
-      </p:pic>
-      <p:sp>
-        <p:nvSpPr>
-          <p:cNvPr id="29" name="양쪽 대괄호 28">
-            <a:extLst>
-              <a:ext uri="{FF2B5EF4-FFF2-40B4-BE49-F238E27FC236}">
-                <a16:creationId xmlns:a16="http://schemas.microsoft.com/office/drawing/2014/main" id="{5E5ACD77-60A7-42F4-B49C-74A73001AC30}"/>
-              </a:ext>
-            </a:extLst>
-          </p:cNvPr>
-          <p:cNvSpPr/>
-          <p:nvPr/>
-        </p:nvSpPr>
-        <p:spPr>
-          <a:xfrm>
-            <a:off x="1498600" y="2107262"/>
-            <a:ext cx="9194800" cy="1574800"/>
-          </a:xfrm>
-          <a:prstGeom prst="bracketPair">
-            <a:avLst/>
-          </a:prstGeom>
-          <a:ln>
-            <a:solidFill>
-              <a:schemeClr val="bg1">
-                <a:lumMod val="75000"/>
-              </a:schemeClr>
-            </a:solidFill>
-          </a:ln>
-        </p:spPr>
-        <p:style>
-          <a:lnRef idx="1">
-            <a:schemeClr val="accent1"/>
-          </a:lnRef>
-          <a:fillRef idx="0">
-            <a:schemeClr val="accent1"/>
-          </a:fillRef>
-          <a:effectRef idx="0">
-            <a:schemeClr val="accent1"/>
-          </a:effectRef>
-          <a:fontRef idx="minor">
-            <a:schemeClr val="tx1"/>
-          </a:fontRef>
-        </p:style>
-        <p:txBody>
-          <a:bodyPr rtlCol="0" anchor="ctr"/>
-          <a:lstStyle/>
-          <a:p>
-            <a:pPr algn="ctr"/>
-            <a:endParaRPr lang="ko-KR" altLang="en-US"/>
-          </a:p>
-        </p:txBody>
-      </p:sp>
-      <p:sp>
-        <p:nvSpPr>
-          <p:cNvPr id="30" name="TextBox 29">
-            <a:extLst>
-              <a:ext uri="{FF2B5EF4-FFF2-40B4-BE49-F238E27FC236}">
-                <a16:creationId xmlns:a16="http://schemas.microsoft.com/office/drawing/2014/main" id="{7ED6F113-72EB-49A8-8F6F-D3086856A861}"/>
-              </a:ext>
-            </a:extLst>
-          </p:cNvPr>
-          <p:cNvSpPr txBox="1"/>
-          <p:nvPr/>
-        </p:nvSpPr>
-        <p:spPr>
-          <a:xfrm>
-            <a:off x="3374742" y="1781964"/>
-            <a:ext cx="5442516" cy="523220"/>
-          </a:xfrm>
-          <a:prstGeom prst="rect">
-            <a:avLst/>
-          </a:prstGeom>
-          <a:noFill/>
-        </p:spPr>
-        <p:txBody>
-          <a:bodyPr wrap="none" rtlCol="0">
-            <a:spAutoFit/>
-          </a:bodyPr>
-          <a:lstStyle/>
-          <a:p>
-            <a:r>
-              <a:rPr lang="en-US" altLang="ko-KR" sz="2800" dirty="0"/>
-              <a:t>10</a:t>
-            </a:r>
-            <a:r>
-              <a:rPr lang="ko-KR" altLang="en-US" sz="2800" dirty="0"/>
-              <a:t>명 중            이 </a:t>
-            </a:r>
-            <a:r>
-              <a:rPr lang="ja-JP" altLang="en-US" sz="2800" dirty="0"/>
-              <a:t>○○</a:t>
-            </a:r>
-            <a:r>
-              <a:rPr lang="ko-KR" altLang="en-US" sz="2800" dirty="0"/>
-              <a:t>이라고 응답</a:t>
-            </a:r>
-            <a:r>
-              <a:rPr lang="en-US" altLang="ko-KR" sz="2800" dirty="0"/>
-              <a:t>!</a:t>
-            </a:r>
-            <a:endParaRPr lang="ko-KR" altLang="en-US" sz="2800" dirty="0"/>
-          </a:p>
-        </p:txBody>
-      </p:sp>
-      <p:sp>
-        <p:nvSpPr>
-          <p:cNvPr id="31" name="직사각형 30">
-            <a:extLst>
-              <a:ext uri="{FF2B5EF4-FFF2-40B4-BE49-F238E27FC236}">
-                <a16:creationId xmlns:a16="http://schemas.microsoft.com/office/drawing/2014/main" id="{53F1C5FF-4212-41A8-B8C4-6336C3CC699F}"/>
-              </a:ext>
-            </a:extLst>
-          </p:cNvPr>
-          <p:cNvSpPr/>
-          <p:nvPr/>
-        </p:nvSpPr>
-        <p:spPr>
-          <a:xfrm>
-            <a:off x="4727617" y="1724298"/>
-            <a:ext cx="960120" cy="648354"/>
-          </a:xfrm>
-          <a:prstGeom prst="rect">
-            <a:avLst/>
-          </a:prstGeom>
-          <a:solidFill>
-            <a:schemeClr val="accent2"/>
-          </a:solidFill>
-          <a:ln>
-            <a:noFill/>
-          </a:ln>
-        </p:spPr>
-        <p:style>
-          <a:lnRef idx="2">
-            <a:schemeClr val="accent1">
-              <a:shade val="50000"/>
-            </a:schemeClr>
-          </a:lnRef>
-          <a:fillRef idx="1">
-            <a:schemeClr val="accent1"/>
-          </a:fillRef>
-          <a:effectRef idx="0">
-            <a:schemeClr val="accent1"/>
-          </a:effectRef>
-          <a:fontRef idx="minor">
-            <a:schemeClr val="lt1"/>
-          </a:fontRef>
-        </p:style>
-        <p:txBody>
-          <a:bodyPr rtlCol="0" anchor="ctr"/>
-          <a:lstStyle/>
-          <a:p>
-            <a:pPr algn="ctr"/>
-            <a:endParaRPr lang="ko-KR" altLang="en-US"/>
-          </a:p>
-        </p:txBody>
-      </p:sp>
-      <p:sp>
-        <p:nvSpPr>
-          <p:cNvPr id="32" name="TextBox 31">
-            <a:extLst>
-              <a:ext uri="{FF2B5EF4-FFF2-40B4-BE49-F238E27FC236}">
-                <a16:creationId xmlns:a16="http://schemas.microsoft.com/office/drawing/2014/main" id="{0FC268C5-17CB-4CED-8CBA-71C3D84ACB99}"/>
-              </a:ext>
-            </a:extLst>
-          </p:cNvPr>
-          <p:cNvSpPr txBox="1"/>
-          <p:nvPr/>
-        </p:nvSpPr>
-        <p:spPr>
-          <a:xfrm>
-            <a:off x="4783523" y="1714495"/>
-            <a:ext cx="848309" cy="646331"/>
+            <a:off x="919259" y="3018491"/>
+            <a:ext cx="10468658" cy="1246495"/>
           </a:xfrm>
           <a:prstGeom prst="rect">
             <a:avLst/>
@@ -18345,169 +17510,101 @@
           </a:bodyPr>
           <a:lstStyle/>
           <a:p>
+            <a:pPr algn="ctr"/>
             <a:r>
-              <a:rPr lang="en-US" altLang="ko-KR" sz="3600" spc="-150" dirty="0">
-                <a:solidFill>
-                  <a:schemeClr val="accent4">
-                    <a:lumMod val="50000"/>
-                  </a:schemeClr>
-                </a:solidFill>
-                <a:latin typeface="+mj-ea"/>
-                <a:ea typeface="+mj-ea"/>
+              <a:rPr lang="en-US" altLang="ko-KR" sz="2500" dirty="0" err="1" smtClean="0">
+                <a:latin typeface="Spoqa Han Sans Neo Bold" panose="020B0800000000000000" pitchFamily="50" charset="-127"/>
+                <a:ea typeface="Spoqa Han Sans Neo Bold" panose="020B0800000000000000" pitchFamily="50" charset="-127"/>
               </a:rPr>
-              <a:t>7</a:t>
+              <a:t>Api</a:t>
             </a:r>
             <a:r>
-              <a:rPr lang="ko-KR" altLang="en-US" sz="3600" spc="-150" dirty="0">
-                <a:solidFill>
-                  <a:schemeClr val="accent4">
-                    <a:lumMod val="50000"/>
-                  </a:schemeClr>
-                </a:solidFill>
-                <a:latin typeface="+mj-ea"/>
-                <a:ea typeface="+mj-ea"/>
+              <a:rPr lang="ko-KR" altLang="en-US" sz="2500" dirty="0" smtClean="0">
+                <a:latin typeface="Spoqa Han Sans Neo Bold" panose="020B0800000000000000" pitchFamily="50" charset="-127"/>
+                <a:ea typeface="Spoqa Han Sans Neo Bold" panose="020B0800000000000000" pitchFamily="50" charset="-127"/>
               </a:rPr>
-              <a:t>명</a:t>
+              <a:t>를 이용하여 </a:t>
             </a:r>
-          </a:p>
-        </p:txBody>
-      </p:sp>
-      <p:cxnSp>
-        <p:nvCxnSpPr>
-          <p:cNvPr id="8" name="직선 연결선 7">
-            <a:extLst>
-              <a:ext uri="{FF2B5EF4-FFF2-40B4-BE49-F238E27FC236}">
-                <a16:creationId xmlns:a16="http://schemas.microsoft.com/office/drawing/2014/main" id="{78422A62-F2C0-4B99-A1AF-665F3236982E}"/>
-              </a:ext>
-            </a:extLst>
-          </p:cNvPr>
-          <p:cNvCxnSpPr/>
-          <p:nvPr/>
-        </p:nvCxnSpPr>
-        <p:spPr>
-          <a:xfrm>
-            <a:off x="534219" y="4094480"/>
-            <a:ext cx="11139621" cy="0"/>
-          </a:xfrm>
-          <a:prstGeom prst="line">
-            <a:avLst/>
-          </a:prstGeom>
-          <a:ln>
-            <a:solidFill>
-              <a:schemeClr val="accent4">
-                <a:lumMod val="60000"/>
-                <a:lumOff val="40000"/>
-              </a:schemeClr>
-            </a:solidFill>
-          </a:ln>
-        </p:spPr>
-        <p:style>
-          <a:lnRef idx="1">
-            <a:schemeClr val="accent1"/>
-          </a:lnRef>
-          <a:fillRef idx="0">
-            <a:schemeClr val="accent1"/>
-          </a:fillRef>
-          <a:effectRef idx="0">
-            <a:schemeClr val="accent1"/>
-          </a:effectRef>
-          <a:fontRef idx="minor">
-            <a:schemeClr val="tx1"/>
-          </a:fontRef>
-        </p:style>
-      </p:cxnSp>
-      <p:sp>
-        <p:nvSpPr>
-          <p:cNvPr id="47" name="화살표: 아래쪽 46">
-            <a:extLst>
-              <a:ext uri="{FF2B5EF4-FFF2-40B4-BE49-F238E27FC236}">
-                <a16:creationId xmlns:a16="http://schemas.microsoft.com/office/drawing/2014/main" id="{2448A64C-DE57-4D1C-A121-76BED91CED79}"/>
-              </a:ext>
-            </a:extLst>
-          </p:cNvPr>
-          <p:cNvSpPr/>
-          <p:nvPr/>
-        </p:nvSpPr>
-        <p:spPr>
-          <a:xfrm>
-            <a:off x="5191760" y="3616962"/>
-            <a:ext cx="1737360" cy="955036"/>
-          </a:xfrm>
-          <a:prstGeom prst="downArrow">
-            <a:avLst/>
-          </a:prstGeom>
-          <a:solidFill>
-            <a:schemeClr val="accent2"/>
-          </a:solidFill>
-          <a:ln>
-            <a:noFill/>
-          </a:ln>
-        </p:spPr>
-        <p:style>
-          <a:lnRef idx="2">
-            <a:schemeClr val="accent1">
-              <a:shade val="50000"/>
-            </a:schemeClr>
-          </a:lnRef>
-          <a:fillRef idx="1">
-            <a:schemeClr val="accent1"/>
-          </a:fillRef>
-          <a:effectRef idx="0">
-            <a:schemeClr val="accent1"/>
-          </a:effectRef>
-          <a:fontRef idx="minor">
-            <a:schemeClr val="lt1"/>
-          </a:fontRef>
-        </p:style>
-        <p:txBody>
-          <a:bodyPr rtlCol="0" anchor="ctr"/>
-          <a:lstStyle/>
-          <a:p>
-            <a:pPr algn="ctr"/>
-            <a:endParaRPr lang="ko-KR" altLang="en-US"/>
-          </a:p>
-        </p:txBody>
-      </p:sp>
-      <p:sp>
-        <p:nvSpPr>
-          <p:cNvPr id="48" name="TextBox 47">
-            <a:extLst>
-              <a:ext uri="{FF2B5EF4-FFF2-40B4-BE49-F238E27FC236}">
-                <a16:creationId xmlns:a16="http://schemas.microsoft.com/office/drawing/2014/main" id="{7D44CD90-681C-4313-B710-4C0F5089ED55}"/>
-              </a:ext>
-            </a:extLst>
-          </p:cNvPr>
-          <p:cNvSpPr txBox="1"/>
-          <p:nvPr/>
-        </p:nvSpPr>
-        <p:spPr>
-          <a:xfrm>
-            <a:off x="2819809" y="5242655"/>
-            <a:ext cx="6568440" cy="523220"/>
-          </a:xfrm>
-          <a:prstGeom prst="rect">
-            <a:avLst/>
-          </a:prstGeom>
-          <a:noFill/>
-        </p:spPr>
-        <p:txBody>
-          <a:bodyPr wrap="square" rtlCol="0">
-            <a:spAutoFit/>
-          </a:bodyPr>
-          <a:lstStyle/>
+            <a:r>
+              <a:rPr lang="en-US" altLang="ko-KR" sz="2500" dirty="0" smtClean="0">
+                <a:latin typeface="Spoqa Han Sans Neo Bold" panose="020B0800000000000000" pitchFamily="50" charset="-127"/>
+                <a:ea typeface="Spoqa Han Sans Neo Bold" panose="020B0800000000000000" pitchFamily="50" charset="-127"/>
+              </a:rPr>
+              <a:t> </a:t>
+            </a:r>
+            <a:r>
+              <a:rPr lang="ko-KR" altLang="en-US" sz="2500" dirty="0" smtClean="0">
+                <a:latin typeface="Spoqa Han Sans Neo Bold" panose="020B0800000000000000" pitchFamily="50" charset="-127"/>
+                <a:ea typeface="Spoqa Han Sans Neo Bold" panose="020B0800000000000000" pitchFamily="50" charset="-127"/>
+              </a:rPr>
+              <a:t>작업한 만큼 결과물의 완성도가 높아서 만족스러웠습니다</a:t>
+            </a:r>
+            <a:r>
+              <a:rPr lang="en-US" altLang="ko-KR" sz="2500" dirty="0" smtClean="0">
+                <a:latin typeface="Spoqa Han Sans Neo Bold" panose="020B0800000000000000" pitchFamily="50" charset="-127"/>
+                <a:ea typeface="Spoqa Han Sans Neo Bold" panose="020B0800000000000000" pitchFamily="50" charset="-127"/>
+              </a:rPr>
+              <a:t>.</a:t>
+            </a:r>
+          </a:p>
           <a:p>
             <a:pPr algn="ctr"/>
             <a:r>
-              <a:rPr lang="ko-KR" altLang="en-US" sz="2800" spc="-150" dirty="0"/>
-              <a:t>데이터  분석으로 도출된 결과를 서술하세요</a:t>
+              <a:rPr lang="ko-KR" altLang="en-US" sz="2500" dirty="0" smtClean="0">
+                <a:latin typeface="Spoqa Han Sans Neo Bold" panose="020B0800000000000000" pitchFamily="50" charset="-127"/>
+                <a:ea typeface="Spoqa Han Sans Neo Bold" panose="020B0800000000000000" pitchFamily="50" charset="-127"/>
+              </a:rPr>
+              <a:t>이번 클론 코딩을 통해 처음으로 </a:t>
             </a:r>
+            <a:r>
+              <a:rPr lang="ko-KR" altLang="en-US" sz="2500" dirty="0" err="1" smtClean="0">
+                <a:latin typeface="Spoqa Han Sans Neo Bold" panose="020B0800000000000000" pitchFamily="50" charset="-127"/>
+                <a:ea typeface="Spoqa Han Sans Neo Bold" panose="020B0800000000000000" pitchFamily="50" charset="-127"/>
+              </a:rPr>
+              <a:t>스와이퍼를</a:t>
+            </a:r>
+            <a:r>
+              <a:rPr lang="ko-KR" altLang="en-US" sz="2500" dirty="0" smtClean="0">
+                <a:latin typeface="Spoqa Han Sans Neo Bold" panose="020B0800000000000000" pitchFamily="50" charset="-127"/>
+                <a:ea typeface="Spoqa Han Sans Neo Bold" panose="020B0800000000000000" pitchFamily="50" charset="-127"/>
+              </a:rPr>
+              <a:t> 이용한 구현도 해보았는데</a:t>
+            </a:r>
+            <a:r>
+              <a:rPr lang="en-US" altLang="ko-KR" sz="2500" dirty="0" smtClean="0">
+                <a:latin typeface="Spoqa Han Sans Neo Bold" panose="020B0800000000000000" pitchFamily="50" charset="-127"/>
+                <a:ea typeface="Spoqa Han Sans Neo Bold" panose="020B0800000000000000" pitchFamily="50" charset="-127"/>
+              </a:rPr>
+              <a:t>,</a:t>
+            </a:r>
+          </a:p>
+          <a:p>
+            <a:pPr algn="ctr"/>
+            <a:r>
+              <a:rPr lang="ko-KR" altLang="en-US" sz="2500" dirty="0" smtClean="0">
+                <a:latin typeface="Spoqa Han Sans Neo Bold" panose="020B0800000000000000" pitchFamily="50" charset="-127"/>
+                <a:ea typeface="Spoqa Han Sans Neo Bold" panose="020B0800000000000000" pitchFamily="50" charset="-127"/>
+              </a:rPr>
+              <a:t>앞으로 더 다양한 기능들을 응용할 수 있는 좋은 기회였습니다</a:t>
+            </a:r>
+            <a:r>
+              <a:rPr lang="en-US" altLang="ko-KR" sz="2500" dirty="0" smtClean="0">
+                <a:latin typeface="Spoqa Han Sans Neo Bold" panose="020B0800000000000000" pitchFamily="50" charset="-127"/>
+                <a:ea typeface="Spoqa Han Sans Neo Bold" panose="020B0800000000000000" pitchFamily="50" charset="-127"/>
+              </a:rPr>
+              <a:t>.</a:t>
+            </a:r>
+            <a:endParaRPr lang="ko-KR" altLang="en-US" sz="2500" dirty="0">
+              <a:latin typeface="Spoqa Han Sans Neo Bold" panose="020B0800000000000000" pitchFamily="50" charset="-127"/>
+              <a:ea typeface="Spoqa Han Sans Neo Bold" panose="020B0800000000000000" pitchFamily="50" charset="-127"/>
+            </a:endParaRPr>
           </a:p>
         </p:txBody>
       </p:sp>
     </p:spTree>
     <p:extLst>
       <p:ext uri="{BB962C8B-B14F-4D97-AF65-F5344CB8AC3E}">
-        <p14:creationId xmlns:p14="http://schemas.microsoft.com/office/powerpoint/2010/main" val="1514988001"/>
+        <p14:creationId xmlns:p14="http://schemas.microsoft.com/office/powerpoint/2010/main" val="1918978434"/>
       </p:ext>
     </p:extLst>
   </p:cSld>
@@ -20859,6 +19956,176 @@
           </a:p>
         </p:txBody>
       </p:sp>
+      <p:pic>
+        <p:nvPicPr>
+          <p:cNvPr id="6" name="그림 5"/>
+          <p:cNvPicPr>
+            <a:picLocks noChangeAspect="1"/>
+          </p:cNvPicPr>
+          <p:nvPr/>
+        </p:nvPicPr>
+        <p:blipFill>
+          <a:blip r:embed="rId2">
+            <a:extLst>
+              <a:ext uri="{28A0092B-C50C-407E-A947-70E740481C1C}">
+                <a14:useLocalDpi xmlns:a14="http://schemas.microsoft.com/office/drawing/2010/main" val="0"/>
+              </a:ext>
+            </a:extLst>
+          </a:blip>
+          <a:stretch>
+            <a:fillRect/>
+          </a:stretch>
+        </p:blipFill>
+        <p:spPr>
+          <a:xfrm>
+            <a:off x="3932972" y="2815172"/>
+            <a:ext cx="7295259" cy="2027283"/>
+          </a:xfrm>
+          <a:prstGeom prst="rect">
+            <a:avLst/>
+          </a:prstGeom>
+        </p:spPr>
+      </p:pic>
+      <p:pic>
+        <p:nvPicPr>
+          <p:cNvPr id="7" name="그림 6"/>
+          <p:cNvPicPr>
+            <a:picLocks noChangeAspect="1"/>
+          </p:cNvPicPr>
+          <p:nvPr/>
+        </p:nvPicPr>
+        <p:blipFill>
+          <a:blip r:embed="rId3">
+            <a:extLst>
+              <a:ext uri="{28A0092B-C50C-407E-A947-70E740481C1C}">
+                <a14:useLocalDpi xmlns:a14="http://schemas.microsoft.com/office/drawing/2010/main" val="0"/>
+              </a:ext>
+            </a:extLst>
+          </a:blip>
+          <a:stretch>
+            <a:fillRect/>
+          </a:stretch>
+        </p:blipFill>
+        <p:spPr>
+          <a:xfrm>
+            <a:off x="896776" y="1573518"/>
+            <a:ext cx="7428392" cy="1543169"/>
+          </a:xfrm>
+          <a:prstGeom prst="rect">
+            <a:avLst/>
+          </a:prstGeom>
+        </p:spPr>
+      </p:pic>
+      <p:sp>
+        <p:nvSpPr>
+          <p:cNvPr id="10" name="화살표: 아래쪽 46">
+            <a:extLst>
+              <a:ext uri="{FF2B5EF4-FFF2-40B4-BE49-F238E27FC236}">
+                <a16:creationId xmlns:a16="http://schemas.microsoft.com/office/drawing/2014/main" id="{2448A64C-DE57-4D1C-A121-76BED91CED79}"/>
+              </a:ext>
+            </a:extLst>
+          </p:cNvPr>
+          <p:cNvSpPr/>
+          <p:nvPr/>
+        </p:nvSpPr>
+        <p:spPr>
+          <a:xfrm>
+            <a:off x="5288436" y="5068823"/>
+            <a:ext cx="1350708" cy="695459"/>
+          </a:xfrm>
+          <a:prstGeom prst="downArrow">
+            <a:avLst/>
+          </a:prstGeom>
+          <a:solidFill>
+            <a:schemeClr val="accent2"/>
+          </a:solidFill>
+          <a:ln>
+            <a:noFill/>
+          </a:ln>
+        </p:spPr>
+        <p:style>
+          <a:lnRef idx="2">
+            <a:schemeClr val="accent1">
+              <a:shade val="50000"/>
+            </a:schemeClr>
+          </a:lnRef>
+          <a:fillRef idx="1">
+            <a:schemeClr val="accent1"/>
+          </a:fillRef>
+          <a:effectRef idx="0">
+            <a:schemeClr val="accent1"/>
+          </a:effectRef>
+          <a:fontRef idx="minor">
+            <a:schemeClr val="lt1"/>
+          </a:fontRef>
+        </p:style>
+        <p:txBody>
+          <a:bodyPr rtlCol="0" anchor="ctr"/>
+          <a:lstStyle/>
+          <a:p>
+            <a:pPr algn="ctr"/>
+            <a:endParaRPr lang="ko-KR" altLang="en-US"/>
+          </a:p>
+        </p:txBody>
+      </p:sp>
+      <p:sp>
+        <p:nvSpPr>
+          <p:cNvPr id="8" name="TextBox 7"/>
+          <p:cNvSpPr txBox="1"/>
+          <p:nvPr/>
+        </p:nvSpPr>
+        <p:spPr>
+          <a:xfrm>
+            <a:off x="286036" y="5990650"/>
+            <a:ext cx="11355507" cy="461665"/>
+          </a:xfrm>
+          <a:prstGeom prst="rect">
+            <a:avLst/>
+          </a:prstGeom>
+          <a:noFill/>
+        </p:spPr>
+        <p:txBody>
+          <a:bodyPr wrap="square" rtlCol="0">
+            <a:spAutoFit/>
+          </a:bodyPr>
+          <a:lstStyle/>
+          <a:p>
+            <a:pPr algn="ctr"/>
+            <a:r>
+              <a:rPr lang="ko-KR" altLang="en-US" sz="2400" dirty="0" smtClean="0">
+                <a:latin typeface="Spoqa Han Sans Neo Bold" panose="020B0800000000000000" pitchFamily="50" charset="-127"/>
+                <a:ea typeface="Spoqa Han Sans Neo Bold" panose="020B0800000000000000" pitchFamily="50" charset="-127"/>
+              </a:rPr>
+              <a:t>바쁜 일상 중 어디서든 편하게 </a:t>
+            </a:r>
+            <a:r>
+              <a:rPr lang="ko-KR" altLang="en-US" sz="2400" spc="-150" dirty="0" smtClean="0">
+                <a:latin typeface="Spoqa Han Sans Neo Bold" panose="020B0800000000000000" pitchFamily="50" charset="-127"/>
+                <a:ea typeface="Spoqa Han Sans Neo Bold" panose="020B0800000000000000" pitchFamily="50" charset="-127"/>
+              </a:rPr>
+              <a:t>읽고 접할 수 </a:t>
+            </a:r>
+            <a:r>
+              <a:rPr lang="ko-KR" altLang="en-US" sz="2400" dirty="0" smtClean="0">
+                <a:latin typeface="Spoqa Han Sans Neo Bold" panose="020B0800000000000000" pitchFamily="50" charset="-127"/>
+                <a:ea typeface="Spoqa Han Sans Neo Bold" panose="020B0800000000000000" pitchFamily="50" charset="-127"/>
+              </a:rPr>
+              <a:t>있는 전자책과 오디오 북이 보편화 되고 있다</a:t>
+            </a:r>
+            <a:r>
+              <a:rPr lang="en-US" altLang="ko-KR" sz="2400" dirty="0" smtClean="0">
+                <a:latin typeface="Spoqa Han Sans Neo Bold" panose="020B0800000000000000" pitchFamily="50" charset="-127"/>
+                <a:ea typeface="Spoqa Han Sans Neo Bold" panose="020B0800000000000000" pitchFamily="50" charset="-127"/>
+              </a:rPr>
+              <a:t>.</a:t>
+            </a:r>
+            <a:endParaRPr lang="ko-KR" altLang="en-US" sz="2400" dirty="0">
+              <a:latin typeface="Spoqa Han Sans Neo Bold" panose="020B0800000000000000" pitchFamily="50" charset="-127"/>
+              <a:ea typeface="Spoqa Han Sans Neo Bold" panose="020B0800000000000000" pitchFamily="50" charset="-127"/>
+            </a:endParaRPr>
+          </a:p>
+        </p:txBody>
+      </p:sp>
     </p:spTree>
     <p:extLst>
       <p:ext uri="{BB962C8B-B14F-4D97-AF65-F5344CB8AC3E}">

--- a/project_4.pptx
+++ b/project_4.pptx
@@ -2104,6 +2104,14 @@
         </dgm:presLayoutVars>
       </dgm:prSet>
       <dgm:spPr/>
+      <dgm:t>
+        <a:bodyPr/>
+        <a:lstStyle/>
+        <a:p>
+          <a:pPr latinLnBrk="1"/>
+          <a:endParaRPr lang="ko-KR" altLang="en-US"/>
+        </a:p>
+      </dgm:t>
     </dgm:pt>
     <dgm:pt modelId="{3AC357DB-128F-4136-AD09-19E1CEA382FE}" type="pres">
       <dgm:prSet presAssocID="{6FCDEE32-3777-431B-83A4-1B336FD27D4C}" presName="hierRoot1" presStyleCnt="0">
@@ -2124,10 +2132,26 @@
         </dgm:presLayoutVars>
       </dgm:prSet>
       <dgm:spPr/>
+      <dgm:t>
+        <a:bodyPr/>
+        <a:lstStyle/>
+        <a:p>
+          <a:pPr latinLnBrk="1"/>
+          <a:endParaRPr lang="ko-KR" altLang="en-US"/>
+        </a:p>
+      </dgm:t>
     </dgm:pt>
     <dgm:pt modelId="{79D54964-1A69-496C-BEF9-4C5C0B027684}" type="pres">
       <dgm:prSet presAssocID="{6FCDEE32-3777-431B-83A4-1B336FD27D4C}" presName="rootConnector1" presStyleLbl="node1" presStyleIdx="0" presStyleCnt="0"/>
       <dgm:spPr/>
+      <dgm:t>
+        <a:bodyPr/>
+        <a:lstStyle/>
+        <a:p>
+          <a:pPr latinLnBrk="1"/>
+          <a:endParaRPr lang="ko-KR" altLang="en-US"/>
+        </a:p>
+      </dgm:t>
     </dgm:pt>
     <dgm:pt modelId="{594F64B0-8B52-44C8-BC21-F6EC0B254E34}" type="pres">
       <dgm:prSet presAssocID="{6FCDEE32-3777-431B-83A4-1B336FD27D4C}" presName="hierChild2" presStyleCnt="0"/>
@@ -2136,6 +2160,14 @@
     <dgm:pt modelId="{05BA3176-1111-47B6-AF11-68FE970A96A9}" type="pres">
       <dgm:prSet presAssocID="{BC04BB82-0EC0-4612-AE38-0A799DEA71B9}" presName="Name37" presStyleLbl="parChTrans1D2" presStyleIdx="0" presStyleCnt="8"/>
       <dgm:spPr/>
+      <dgm:t>
+        <a:bodyPr/>
+        <a:lstStyle/>
+        <a:p>
+          <a:pPr latinLnBrk="1"/>
+          <a:endParaRPr lang="ko-KR" altLang="en-US"/>
+        </a:p>
+      </dgm:t>
     </dgm:pt>
     <dgm:pt modelId="{163E2AB4-A159-4420-8473-D3FF69CE16D4}" type="pres">
       <dgm:prSet presAssocID="{19F110EF-3406-4969-A7DF-676C8E1287DA}" presName="hierRoot2" presStyleCnt="0">
@@ -2156,10 +2188,26 @@
         </dgm:presLayoutVars>
       </dgm:prSet>
       <dgm:spPr/>
+      <dgm:t>
+        <a:bodyPr/>
+        <a:lstStyle/>
+        <a:p>
+          <a:pPr latinLnBrk="1"/>
+          <a:endParaRPr lang="ko-KR" altLang="en-US"/>
+        </a:p>
+      </dgm:t>
     </dgm:pt>
     <dgm:pt modelId="{B7A96BF9-7E80-499A-84DF-725211CE2397}" type="pres">
       <dgm:prSet presAssocID="{19F110EF-3406-4969-A7DF-676C8E1287DA}" presName="rootConnector" presStyleLbl="node2" presStyleIdx="0" presStyleCnt="6"/>
       <dgm:spPr/>
+      <dgm:t>
+        <a:bodyPr/>
+        <a:lstStyle/>
+        <a:p>
+          <a:pPr latinLnBrk="1"/>
+          <a:endParaRPr lang="ko-KR" altLang="en-US"/>
+        </a:p>
+      </dgm:t>
     </dgm:pt>
     <dgm:pt modelId="{F59D104B-2958-43BC-B127-3583983F1E5E}" type="pres">
       <dgm:prSet presAssocID="{19F110EF-3406-4969-A7DF-676C8E1287DA}" presName="hierChild4" presStyleCnt="0"/>
@@ -2168,6 +2216,14 @@
     <dgm:pt modelId="{A995D2EB-0DC9-43F8-81A7-E3910EC215A4}" type="pres">
       <dgm:prSet presAssocID="{94A986DC-B5F5-4E19-AFCA-1DEF5057D28A}" presName="Name37" presStyleLbl="parChTrans1D3" presStyleIdx="0" presStyleCnt="10"/>
       <dgm:spPr/>
+      <dgm:t>
+        <a:bodyPr/>
+        <a:lstStyle/>
+        <a:p>
+          <a:pPr latinLnBrk="1"/>
+          <a:endParaRPr lang="ko-KR" altLang="en-US"/>
+        </a:p>
+      </dgm:t>
     </dgm:pt>
     <dgm:pt modelId="{C4DF0464-292F-48F5-8AFE-21E940312312}" type="pres">
       <dgm:prSet presAssocID="{D973C7B5-BA0C-4C7A-8CD7-5A1C8ED9418F}" presName="hierRoot2" presStyleCnt="0">
@@ -2200,6 +2256,14 @@
     <dgm:pt modelId="{550F7A26-71C0-45FE-9351-F7DB8C776162}" type="pres">
       <dgm:prSet presAssocID="{D973C7B5-BA0C-4C7A-8CD7-5A1C8ED9418F}" presName="rootConnector" presStyleLbl="node3" presStyleIdx="0" presStyleCnt="10"/>
       <dgm:spPr/>
+      <dgm:t>
+        <a:bodyPr/>
+        <a:lstStyle/>
+        <a:p>
+          <a:pPr latinLnBrk="1"/>
+          <a:endParaRPr lang="ko-KR" altLang="en-US"/>
+        </a:p>
+      </dgm:t>
     </dgm:pt>
     <dgm:pt modelId="{16E71851-9999-4C57-807B-98E16D5CAC2A}" type="pres">
       <dgm:prSet presAssocID="{D973C7B5-BA0C-4C7A-8CD7-5A1C8ED9418F}" presName="hierChild4" presStyleCnt="0"/>
@@ -2208,6 +2272,14 @@
     <dgm:pt modelId="{F5EAB77D-A78F-4D8B-BDC0-406448897256}" type="pres">
       <dgm:prSet presAssocID="{51670CD7-5645-4A6F-AD0B-9BADBB4446D1}" presName="Name37" presStyleLbl="parChTrans1D4" presStyleIdx="0" presStyleCnt="2"/>
       <dgm:spPr/>
+      <dgm:t>
+        <a:bodyPr/>
+        <a:lstStyle/>
+        <a:p>
+          <a:pPr latinLnBrk="1"/>
+          <a:endParaRPr lang="ko-KR" altLang="en-US"/>
+        </a:p>
+      </dgm:t>
     </dgm:pt>
     <dgm:pt modelId="{CB5F46B1-C4EC-4EDC-A0E3-C6966215372C}" type="pres">
       <dgm:prSet presAssocID="{DFD49A2F-D58C-4ACB-97C8-077985A01923}" presName="hierRoot2" presStyleCnt="0">
@@ -2240,6 +2312,14 @@
     <dgm:pt modelId="{E8AEC1CA-A1C7-428A-882E-24971E253ACF}" type="pres">
       <dgm:prSet presAssocID="{DFD49A2F-D58C-4ACB-97C8-077985A01923}" presName="rootConnector" presStyleLbl="node4" presStyleIdx="0" presStyleCnt="2"/>
       <dgm:spPr/>
+      <dgm:t>
+        <a:bodyPr/>
+        <a:lstStyle/>
+        <a:p>
+          <a:pPr latinLnBrk="1"/>
+          <a:endParaRPr lang="ko-KR" altLang="en-US"/>
+        </a:p>
+      </dgm:t>
     </dgm:pt>
     <dgm:pt modelId="{E92A6BC4-B9A6-4A05-AE2F-D81B006A896D}" type="pres">
       <dgm:prSet presAssocID="{DFD49A2F-D58C-4ACB-97C8-077985A01923}" presName="hierChild4" presStyleCnt="0"/>
@@ -2256,6 +2336,14 @@
     <dgm:pt modelId="{F4CCC3DC-C9DE-4B80-A6DB-AFC606B64FC7}" type="pres">
       <dgm:prSet presAssocID="{2AD40CBE-2DFF-485F-9305-C0291B1A3C99}" presName="Name37" presStyleLbl="parChTrans1D3" presStyleIdx="1" presStyleCnt="10"/>
       <dgm:spPr/>
+      <dgm:t>
+        <a:bodyPr/>
+        <a:lstStyle/>
+        <a:p>
+          <a:pPr latinLnBrk="1"/>
+          <a:endParaRPr lang="ko-KR" altLang="en-US"/>
+        </a:p>
+      </dgm:t>
     </dgm:pt>
     <dgm:pt modelId="{EE8716AB-2F63-4950-9EED-6B1E84533FD2}" type="pres">
       <dgm:prSet presAssocID="{8FFC5FAF-304C-43A1-98A6-3BD03E3DB438}" presName="hierRoot2" presStyleCnt="0">
@@ -2288,6 +2376,14 @@
     <dgm:pt modelId="{FE83241A-E450-46D8-8011-B340CA9040A1}" type="pres">
       <dgm:prSet presAssocID="{8FFC5FAF-304C-43A1-98A6-3BD03E3DB438}" presName="rootConnector" presStyleLbl="node3" presStyleIdx="1" presStyleCnt="10"/>
       <dgm:spPr/>
+      <dgm:t>
+        <a:bodyPr/>
+        <a:lstStyle/>
+        <a:p>
+          <a:pPr latinLnBrk="1"/>
+          <a:endParaRPr lang="ko-KR" altLang="en-US"/>
+        </a:p>
+      </dgm:t>
     </dgm:pt>
     <dgm:pt modelId="{0CF8F61D-F07D-4939-A5A9-A08CAA14713F}" type="pres">
       <dgm:prSet presAssocID="{8FFC5FAF-304C-43A1-98A6-3BD03E3DB438}" presName="hierChild4" presStyleCnt="0"/>
@@ -2304,6 +2400,14 @@
     <dgm:pt modelId="{366CFA16-5003-4D6E-91A2-BB2C3875D51D}" type="pres">
       <dgm:prSet presAssocID="{4BB95E58-7629-4BF6-91C0-C295088332F3}" presName="Name37" presStyleLbl="parChTrans1D2" presStyleIdx="1" presStyleCnt="8"/>
       <dgm:spPr/>
+      <dgm:t>
+        <a:bodyPr/>
+        <a:lstStyle/>
+        <a:p>
+          <a:pPr latinLnBrk="1"/>
+          <a:endParaRPr lang="ko-KR" altLang="en-US"/>
+        </a:p>
+      </dgm:t>
     </dgm:pt>
     <dgm:pt modelId="{56DF35BF-6D9F-44DA-B074-5B4E99AD4BDE}" type="pres">
       <dgm:prSet presAssocID="{5EC12234-ED6B-41C1-A4C0-08016194FEEE}" presName="hierRoot2" presStyleCnt="0">
@@ -2336,6 +2440,14 @@
     <dgm:pt modelId="{4C7BFC41-C9DA-4F0B-9FF2-003693DF1BAB}" type="pres">
       <dgm:prSet presAssocID="{5EC12234-ED6B-41C1-A4C0-08016194FEEE}" presName="rootConnector" presStyleLbl="node2" presStyleIdx="1" presStyleCnt="6"/>
       <dgm:spPr/>
+      <dgm:t>
+        <a:bodyPr/>
+        <a:lstStyle/>
+        <a:p>
+          <a:pPr latinLnBrk="1"/>
+          <a:endParaRPr lang="ko-KR" altLang="en-US"/>
+        </a:p>
+      </dgm:t>
     </dgm:pt>
     <dgm:pt modelId="{CD8FB659-6864-4175-B7BA-F689DB1A06EF}" type="pres">
       <dgm:prSet presAssocID="{5EC12234-ED6B-41C1-A4C0-08016194FEEE}" presName="hierChild4" presStyleCnt="0"/>
@@ -2344,6 +2456,14 @@
     <dgm:pt modelId="{67926555-2384-4134-911E-3FC8C041EC29}" type="pres">
       <dgm:prSet presAssocID="{96FA3A6F-FF39-4199-A4B4-BBCF52AD06CB}" presName="Name37" presStyleLbl="parChTrans1D3" presStyleIdx="2" presStyleCnt="10"/>
       <dgm:spPr/>
+      <dgm:t>
+        <a:bodyPr/>
+        <a:lstStyle/>
+        <a:p>
+          <a:pPr latinLnBrk="1"/>
+          <a:endParaRPr lang="ko-KR" altLang="en-US"/>
+        </a:p>
+      </dgm:t>
     </dgm:pt>
     <dgm:pt modelId="{D07D359A-CA93-40DB-AFD0-05B4DA4042EF}" type="pres">
       <dgm:prSet presAssocID="{69A5FC0F-02AE-487D-AB94-7153E9D5FD35}" presName="hierRoot2" presStyleCnt="0">
@@ -2376,6 +2496,14 @@
     <dgm:pt modelId="{CA44FA81-0CE5-4FA2-BDC2-2CC514314B29}" type="pres">
       <dgm:prSet presAssocID="{69A5FC0F-02AE-487D-AB94-7153E9D5FD35}" presName="rootConnector" presStyleLbl="node3" presStyleIdx="2" presStyleCnt="10"/>
       <dgm:spPr/>
+      <dgm:t>
+        <a:bodyPr/>
+        <a:lstStyle/>
+        <a:p>
+          <a:pPr latinLnBrk="1"/>
+          <a:endParaRPr lang="ko-KR" altLang="en-US"/>
+        </a:p>
+      </dgm:t>
     </dgm:pt>
     <dgm:pt modelId="{F358D4BB-32BD-49D7-B497-07034A662278}" type="pres">
       <dgm:prSet presAssocID="{69A5FC0F-02AE-487D-AB94-7153E9D5FD35}" presName="hierChild4" presStyleCnt="0"/>
@@ -2388,6 +2516,14 @@
     <dgm:pt modelId="{19207763-0F60-455F-9AA0-2D9659113700}" type="pres">
       <dgm:prSet presAssocID="{C06767C8-E33B-4DBC-8A30-F7FADB3D9C67}" presName="Name37" presStyleLbl="parChTrans1D3" presStyleIdx="3" presStyleCnt="10"/>
       <dgm:spPr/>
+      <dgm:t>
+        <a:bodyPr/>
+        <a:lstStyle/>
+        <a:p>
+          <a:pPr latinLnBrk="1"/>
+          <a:endParaRPr lang="ko-KR" altLang="en-US"/>
+        </a:p>
+      </dgm:t>
     </dgm:pt>
     <dgm:pt modelId="{3608E955-2749-44C0-9C92-1B5E5D8AADED}" type="pres">
       <dgm:prSet presAssocID="{4136F969-BCFF-4033-BE3A-A50ADA16F2AA}" presName="hierRoot2" presStyleCnt="0">
@@ -2420,6 +2556,14 @@
     <dgm:pt modelId="{0289E0EF-7B42-4FD4-A50D-9A4DC1AEA2A7}" type="pres">
       <dgm:prSet presAssocID="{4136F969-BCFF-4033-BE3A-A50ADA16F2AA}" presName="rootConnector" presStyleLbl="node3" presStyleIdx="3" presStyleCnt="10"/>
       <dgm:spPr/>
+      <dgm:t>
+        <a:bodyPr/>
+        <a:lstStyle/>
+        <a:p>
+          <a:pPr latinLnBrk="1"/>
+          <a:endParaRPr lang="ko-KR" altLang="en-US"/>
+        </a:p>
+      </dgm:t>
     </dgm:pt>
     <dgm:pt modelId="{887757D8-60C9-45BB-879D-3C0F46766E72}" type="pres">
       <dgm:prSet presAssocID="{4136F969-BCFF-4033-BE3A-A50ADA16F2AA}" presName="hierChild4" presStyleCnt="0"/>
@@ -2436,6 +2580,14 @@
     <dgm:pt modelId="{08D1DD3F-5F76-4A40-A9F8-89B3BEDF5814}" type="pres">
       <dgm:prSet presAssocID="{6AF81A72-C8FF-4858-8F3A-F9CF79AEEF5C}" presName="Name37" presStyleLbl="parChTrans1D2" presStyleIdx="2" presStyleCnt="8"/>
       <dgm:spPr/>
+      <dgm:t>
+        <a:bodyPr/>
+        <a:lstStyle/>
+        <a:p>
+          <a:pPr latinLnBrk="1"/>
+          <a:endParaRPr lang="ko-KR" altLang="en-US"/>
+        </a:p>
+      </dgm:t>
     </dgm:pt>
     <dgm:pt modelId="{5693B8A6-BF0B-45BB-A8FF-96551A71B4DC}" type="pres">
       <dgm:prSet presAssocID="{502A59D7-4EF7-4CDB-B533-31D8634977F2}" presName="hierRoot2" presStyleCnt="0">
@@ -2456,10 +2608,26 @@
         </dgm:presLayoutVars>
       </dgm:prSet>
       <dgm:spPr/>
+      <dgm:t>
+        <a:bodyPr/>
+        <a:lstStyle/>
+        <a:p>
+          <a:pPr latinLnBrk="1"/>
+          <a:endParaRPr lang="ko-KR" altLang="en-US"/>
+        </a:p>
+      </dgm:t>
     </dgm:pt>
     <dgm:pt modelId="{4A87A40A-A989-4CD1-8C75-2B1F54887F3A}" type="pres">
       <dgm:prSet presAssocID="{502A59D7-4EF7-4CDB-B533-31D8634977F2}" presName="rootConnector" presStyleLbl="node2" presStyleIdx="2" presStyleCnt="6"/>
       <dgm:spPr/>
+      <dgm:t>
+        <a:bodyPr/>
+        <a:lstStyle/>
+        <a:p>
+          <a:pPr latinLnBrk="1"/>
+          <a:endParaRPr lang="ko-KR" altLang="en-US"/>
+        </a:p>
+      </dgm:t>
     </dgm:pt>
     <dgm:pt modelId="{A38CF5B2-0DFB-40FF-AE36-D2EFFD6F5E4F}" type="pres">
       <dgm:prSet presAssocID="{502A59D7-4EF7-4CDB-B533-31D8634977F2}" presName="hierChild4" presStyleCnt="0"/>
@@ -2472,6 +2640,14 @@
     <dgm:pt modelId="{2AAFF3BC-9F25-4857-A9F5-C92BBEE19C1D}" type="pres">
       <dgm:prSet presAssocID="{B6D1DAE8-5BC1-4AC2-9954-08E97B88A22D}" presName="Name37" presStyleLbl="parChTrans1D2" presStyleIdx="3" presStyleCnt="8"/>
       <dgm:spPr/>
+      <dgm:t>
+        <a:bodyPr/>
+        <a:lstStyle/>
+        <a:p>
+          <a:pPr latinLnBrk="1"/>
+          <a:endParaRPr lang="ko-KR" altLang="en-US"/>
+        </a:p>
+      </dgm:t>
     </dgm:pt>
     <dgm:pt modelId="{3FD3F299-A945-4375-A8B6-95D216D081F9}" type="pres">
       <dgm:prSet presAssocID="{77F924E3-B4B2-4984-8C2F-B49AFF3F60DB}" presName="hierRoot2" presStyleCnt="0">
@@ -2492,10 +2668,26 @@
         </dgm:presLayoutVars>
       </dgm:prSet>
       <dgm:spPr/>
+      <dgm:t>
+        <a:bodyPr/>
+        <a:lstStyle/>
+        <a:p>
+          <a:pPr latinLnBrk="1"/>
+          <a:endParaRPr lang="ko-KR" altLang="en-US"/>
+        </a:p>
+      </dgm:t>
     </dgm:pt>
     <dgm:pt modelId="{6D81CBED-F717-472F-8FB6-A254BE7A0D0E}" type="pres">
       <dgm:prSet presAssocID="{77F924E3-B4B2-4984-8C2F-B49AFF3F60DB}" presName="rootConnector" presStyleLbl="node2" presStyleIdx="3" presStyleCnt="6"/>
       <dgm:spPr/>
+      <dgm:t>
+        <a:bodyPr/>
+        <a:lstStyle/>
+        <a:p>
+          <a:pPr latinLnBrk="1"/>
+          <a:endParaRPr lang="ko-KR" altLang="en-US"/>
+        </a:p>
+      </dgm:t>
     </dgm:pt>
     <dgm:pt modelId="{BC9F12C1-CBEF-4A45-920C-C224834287E4}" type="pres">
       <dgm:prSet presAssocID="{77F924E3-B4B2-4984-8C2F-B49AFF3F60DB}" presName="hierChild4" presStyleCnt="0"/>
@@ -2504,6 +2696,14 @@
     <dgm:pt modelId="{B6CFF4DA-6FB8-42D5-B20D-C25C6B72E850}" type="pres">
       <dgm:prSet presAssocID="{888F1404-9434-462B-959E-E097029C6A10}" presName="Name37" presStyleLbl="parChTrans1D3" presStyleIdx="4" presStyleCnt="10"/>
       <dgm:spPr/>
+      <dgm:t>
+        <a:bodyPr/>
+        <a:lstStyle/>
+        <a:p>
+          <a:pPr latinLnBrk="1"/>
+          <a:endParaRPr lang="ko-KR" altLang="en-US"/>
+        </a:p>
+      </dgm:t>
     </dgm:pt>
     <dgm:pt modelId="{738D87FA-1569-4BF9-834C-2E4DB5FEE2D8}" type="pres">
       <dgm:prSet presAssocID="{D2ED061D-F1A1-49FD-BD79-D9B029DA64B5}" presName="hierRoot2" presStyleCnt="0">
@@ -2536,6 +2736,14 @@
     <dgm:pt modelId="{6B94999A-E09F-4D9A-B63E-22B778C573C9}" type="pres">
       <dgm:prSet presAssocID="{D2ED061D-F1A1-49FD-BD79-D9B029DA64B5}" presName="rootConnector" presStyleLbl="node3" presStyleIdx="4" presStyleCnt="10"/>
       <dgm:spPr/>
+      <dgm:t>
+        <a:bodyPr/>
+        <a:lstStyle/>
+        <a:p>
+          <a:pPr latinLnBrk="1"/>
+          <a:endParaRPr lang="ko-KR" altLang="en-US"/>
+        </a:p>
+      </dgm:t>
     </dgm:pt>
     <dgm:pt modelId="{D2DECBC2-CC0D-4F59-BA00-89DB7F4F1425}" type="pres">
       <dgm:prSet presAssocID="{D2ED061D-F1A1-49FD-BD79-D9B029DA64B5}" presName="hierChild4" presStyleCnt="0"/>
@@ -2548,6 +2756,14 @@
     <dgm:pt modelId="{0D29690E-D04F-4DE3-865E-2081A441FA94}" type="pres">
       <dgm:prSet presAssocID="{37211AB2-53C7-465E-B422-5F59144CBE32}" presName="Name37" presStyleLbl="parChTrans1D3" presStyleIdx="5" presStyleCnt="10"/>
       <dgm:spPr/>
+      <dgm:t>
+        <a:bodyPr/>
+        <a:lstStyle/>
+        <a:p>
+          <a:pPr latinLnBrk="1"/>
+          <a:endParaRPr lang="ko-KR" altLang="en-US"/>
+        </a:p>
+      </dgm:t>
     </dgm:pt>
     <dgm:pt modelId="{028592F2-B046-4BE5-B117-560653C5F6CE}" type="pres">
       <dgm:prSet presAssocID="{125BA1C1-56A4-4C09-9B03-18EA62E86679}" presName="hierRoot2" presStyleCnt="0">
@@ -2580,6 +2796,14 @@
     <dgm:pt modelId="{6F361EA1-54CF-40AC-A158-2D32331F8111}" type="pres">
       <dgm:prSet presAssocID="{125BA1C1-56A4-4C09-9B03-18EA62E86679}" presName="rootConnector" presStyleLbl="node3" presStyleIdx="5" presStyleCnt="10"/>
       <dgm:spPr/>
+      <dgm:t>
+        <a:bodyPr/>
+        <a:lstStyle/>
+        <a:p>
+          <a:pPr latinLnBrk="1"/>
+          <a:endParaRPr lang="ko-KR" altLang="en-US"/>
+        </a:p>
+      </dgm:t>
     </dgm:pt>
     <dgm:pt modelId="{C26B9488-DC60-44F2-884B-6F5CDE072273}" type="pres">
       <dgm:prSet presAssocID="{125BA1C1-56A4-4C09-9B03-18EA62E86679}" presName="hierChild4" presStyleCnt="0"/>
@@ -2596,6 +2820,14 @@
     <dgm:pt modelId="{230E80F0-6FEF-471C-A913-60F17B2C2FC6}" type="pres">
       <dgm:prSet presAssocID="{C713EF52-5A6A-4BFE-927F-B0B19392B282}" presName="Name37" presStyleLbl="parChTrans1D2" presStyleIdx="4" presStyleCnt="8"/>
       <dgm:spPr/>
+      <dgm:t>
+        <a:bodyPr/>
+        <a:lstStyle/>
+        <a:p>
+          <a:pPr latinLnBrk="1"/>
+          <a:endParaRPr lang="ko-KR" altLang="en-US"/>
+        </a:p>
+      </dgm:t>
     </dgm:pt>
     <dgm:pt modelId="{442CB019-C1AD-4EAF-8DC6-1CB58EA07240}" type="pres">
       <dgm:prSet presAssocID="{E89520FE-EE04-4E56-9EFA-D912783A8E08}" presName="hierRoot2" presStyleCnt="0">
@@ -2616,10 +2848,26 @@
         </dgm:presLayoutVars>
       </dgm:prSet>
       <dgm:spPr/>
+      <dgm:t>
+        <a:bodyPr/>
+        <a:lstStyle/>
+        <a:p>
+          <a:pPr latinLnBrk="1"/>
+          <a:endParaRPr lang="ko-KR" altLang="en-US"/>
+        </a:p>
+      </dgm:t>
     </dgm:pt>
     <dgm:pt modelId="{73B48829-ED4C-42CE-9D0F-4C8224123B19}" type="pres">
       <dgm:prSet presAssocID="{E89520FE-EE04-4E56-9EFA-D912783A8E08}" presName="rootConnector" presStyleLbl="node2" presStyleIdx="4" presStyleCnt="6"/>
       <dgm:spPr/>
+      <dgm:t>
+        <a:bodyPr/>
+        <a:lstStyle/>
+        <a:p>
+          <a:pPr latinLnBrk="1"/>
+          <a:endParaRPr lang="ko-KR" altLang="en-US"/>
+        </a:p>
+      </dgm:t>
     </dgm:pt>
     <dgm:pt modelId="{A8B6560F-E3B6-4333-8D38-AAAECB4CF17B}" type="pres">
       <dgm:prSet presAssocID="{E89520FE-EE04-4E56-9EFA-D912783A8E08}" presName="hierChild4" presStyleCnt="0"/>
@@ -2628,6 +2876,14 @@
     <dgm:pt modelId="{4EEFC553-0730-4F4D-B87B-7D91EA7E5B2B}" type="pres">
       <dgm:prSet presAssocID="{028C8EC8-CFC5-4D89-BA85-5896C3D90F5E}" presName="Name37" presStyleLbl="parChTrans1D3" presStyleIdx="6" presStyleCnt="10"/>
       <dgm:spPr/>
+      <dgm:t>
+        <a:bodyPr/>
+        <a:lstStyle/>
+        <a:p>
+          <a:pPr latinLnBrk="1"/>
+          <a:endParaRPr lang="ko-KR" altLang="en-US"/>
+        </a:p>
+      </dgm:t>
     </dgm:pt>
     <dgm:pt modelId="{7B7CC028-FCEA-430D-AC6D-903F705D8A73}" type="pres">
       <dgm:prSet presAssocID="{71618874-000E-4F18-8633-3702B801CFC5}" presName="hierRoot2" presStyleCnt="0">
@@ -2660,6 +2916,14 @@
     <dgm:pt modelId="{618AF892-066E-46AE-93A9-38147EAD9A10}" type="pres">
       <dgm:prSet presAssocID="{71618874-000E-4F18-8633-3702B801CFC5}" presName="rootConnector" presStyleLbl="node3" presStyleIdx="6" presStyleCnt="10"/>
       <dgm:spPr/>
+      <dgm:t>
+        <a:bodyPr/>
+        <a:lstStyle/>
+        <a:p>
+          <a:pPr latinLnBrk="1"/>
+          <a:endParaRPr lang="ko-KR" altLang="en-US"/>
+        </a:p>
+      </dgm:t>
     </dgm:pt>
     <dgm:pt modelId="{FF3E22AE-26B2-427C-98FE-FD6AD1217E63}" type="pres">
       <dgm:prSet presAssocID="{71618874-000E-4F18-8633-3702B801CFC5}" presName="hierChild4" presStyleCnt="0"/>
@@ -2672,6 +2936,14 @@
     <dgm:pt modelId="{E0C462FF-A72E-4E26-8444-3FFEF7D7864D}" type="pres">
       <dgm:prSet presAssocID="{6BC70933-4B71-4310-9B3A-B32394448C36}" presName="Name37" presStyleLbl="parChTrans1D3" presStyleIdx="7" presStyleCnt="10"/>
       <dgm:spPr/>
+      <dgm:t>
+        <a:bodyPr/>
+        <a:lstStyle/>
+        <a:p>
+          <a:pPr latinLnBrk="1"/>
+          <a:endParaRPr lang="ko-KR" altLang="en-US"/>
+        </a:p>
+      </dgm:t>
     </dgm:pt>
     <dgm:pt modelId="{3450A73D-8189-401C-9DEB-FF5E4C4861A2}" type="pres">
       <dgm:prSet presAssocID="{FA5DEBA4-9EE5-4805-BC81-1CF4872DC9F1}" presName="hierRoot2" presStyleCnt="0">
@@ -2704,6 +2976,14 @@
     <dgm:pt modelId="{73F450C1-6A11-4564-9728-941B49BE0B74}" type="pres">
       <dgm:prSet presAssocID="{FA5DEBA4-9EE5-4805-BC81-1CF4872DC9F1}" presName="rootConnector" presStyleLbl="node3" presStyleIdx="7" presStyleCnt="10"/>
       <dgm:spPr/>
+      <dgm:t>
+        <a:bodyPr/>
+        <a:lstStyle/>
+        <a:p>
+          <a:pPr latinLnBrk="1"/>
+          <a:endParaRPr lang="ko-KR" altLang="en-US"/>
+        </a:p>
+      </dgm:t>
     </dgm:pt>
     <dgm:pt modelId="{F379D129-7D4F-49D7-B31A-1B3132DDD4CC}" type="pres">
       <dgm:prSet presAssocID="{FA5DEBA4-9EE5-4805-BC81-1CF4872DC9F1}" presName="hierChild4" presStyleCnt="0"/>
@@ -2712,6 +2992,14 @@
     <dgm:pt modelId="{191CF4C4-DC97-4DDA-AEE0-FEF5CB9F6F2C}" type="pres">
       <dgm:prSet presAssocID="{ECBF349E-2146-4BA7-9160-B1CA97BCDA9B}" presName="Name37" presStyleLbl="parChTrans1D4" presStyleIdx="1" presStyleCnt="2"/>
       <dgm:spPr/>
+      <dgm:t>
+        <a:bodyPr/>
+        <a:lstStyle/>
+        <a:p>
+          <a:pPr latinLnBrk="1"/>
+          <a:endParaRPr lang="ko-KR" altLang="en-US"/>
+        </a:p>
+      </dgm:t>
     </dgm:pt>
     <dgm:pt modelId="{FD04B10A-72B9-4C34-8A4F-9E1BC19E31BD}" type="pres">
       <dgm:prSet presAssocID="{FCEDFA14-9B6D-49E1-8DA3-A9E46665C1D4}" presName="hierRoot2" presStyleCnt="0">
@@ -2744,6 +3032,14 @@
     <dgm:pt modelId="{AAB9EB44-4D29-44B5-AC10-852CF35EF4B7}" type="pres">
       <dgm:prSet presAssocID="{FCEDFA14-9B6D-49E1-8DA3-A9E46665C1D4}" presName="rootConnector" presStyleLbl="node4" presStyleIdx="1" presStyleCnt="2"/>
       <dgm:spPr/>
+      <dgm:t>
+        <a:bodyPr/>
+        <a:lstStyle/>
+        <a:p>
+          <a:pPr latinLnBrk="1"/>
+          <a:endParaRPr lang="ko-KR" altLang="en-US"/>
+        </a:p>
+      </dgm:t>
     </dgm:pt>
     <dgm:pt modelId="{694E8EAC-CF03-40EB-8438-255A0B131D7E}" type="pres">
       <dgm:prSet presAssocID="{FCEDFA14-9B6D-49E1-8DA3-A9E46665C1D4}" presName="hierChild4" presStyleCnt="0"/>
@@ -2764,6 +3060,14 @@
     <dgm:pt modelId="{95C0C009-5670-45C1-919D-65C09EC22174}" type="pres">
       <dgm:prSet presAssocID="{6112A67B-6D3C-4CEA-8B9D-F1B946BBFBCE}" presName="Name37" presStyleLbl="parChTrans1D2" presStyleIdx="5" presStyleCnt="8"/>
       <dgm:spPr/>
+      <dgm:t>
+        <a:bodyPr/>
+        <a:lstStyle/>
+        <a:p>
+          <a:pPr latinLnBrk="1"/>
+          <a:endParaRPr lang="ko-KR" altLang="en-US"/>
+        </a:p>
+      </dgm:t>
     </dgm:pt>
     <dgm:pt modelId="{EF8706B4-4AC8-4659-9C04-6069C934A722}" type="pres">
       <dgm:prSet presAssocID="{D7FE7634-E0D7-40F8-B835-778150F2266F}" presName="hierRoot2" presStyleCnt="0">
@@ -2796,6 +3100,14 @@
     <dgm:pt modelId="{BCDD14CD-2398-4EF3-B6AC-F489A25A8D32}" type="pres">
       <dgm:prSet presAssocID="{D7FE7634-E0D7-40F8-B835-778150F2266F}" presName="rootConnector" presStyleLbl="node2" presStyleIdx="5" presStyleCnt="6"/>
       <dgm:spPr/>
+      <dgm:t>
+        <a:bodyPr/>
+        <a:lstStyle/>
+        <a:p>
+          <a:pPr latinLnBrk="1"/>
+          <a:endParaRPr lang="ko-KR" altLang="en-US"/>
+        </a:p>
+      </dgm:t>
     </dgm:pt>
     <dgm:pt modelId="{3807A75E-2E68-40B7-811F-91DB6EA97F15}" type="pres">
       <dgm:prSet presAssocID="{D7FE7634-E0D7-40F8-B835-778150F2266F}" presName="hierChild4" presStyleCnt="0"/>
@@ -2804,6 +3116,14 @@
     <dgm:pt modelId="{0B4FA7B9-0596-484A-9572-1D3A34ED856F}" type="pres">
       <dgm:prSet presAssocID="{8FA5BA1B-564F-4D7C-B71F-9FD8DA606982}" presName="Name37" presStyleLbl="parChTrans1D3" presStyleIdx="8" presStyleCnt="10"/>
       <dgm:spPr/>
+      <dgm:t>
+        <a:bodyPr/>
+        <a:lstStyle/>
+        <a:p>
+          <a:pPr latinLnBrk="1"/>
+          <a:endParaRPr lang="ko-KR" altLang="en-US"/>
+        </a:p>
+      </dgm:t>
     </dgm:pt>
     <dgm:pt modelId="{65515EDB-86B4-49F6-833F-D1FF718F574C}" type="pres">
       <dgm:prSet presAssocID="{913FCFB1-5CE9-4B0D-947E-EC6B12426351}" presName="hierRoot2" presStyleCnt="0">
@@ -2836,6 +3156,14 @@
     <dgm:pt modelId="{F0DCCBD9-D3AC-4735-BF95-FA79EAC009AB}" type="pres">
       <dgm:prSet presAssocID="{913FCFB1-5CE9-4B0D-947E-EC6B12426351}" presName="rootConnector" presStyleLbl="node3" presStyleIdx="8" presStyleCnt="10"/>
       <dgm:spPr/>
+      <dgm:t>
+        <a:bodyPr/>
+        <a:lstStyle/>
+        <a:p>
+          <a:pPr latinLnBrk="1"/>
+          <a:endParaRPr lang="ko-KR" altLang="en-US"/>
+        </a:p>
+      </dgm:t>
     </dgm:pt>
     <dgm:pt modelId="{DF33AEAB-08A5-49EC-A36B-21B98743D5F8}" type="pres">
       <dgm:prSet presAssocID="{913FCFB1-5CE9-4B0D-947E-EC6B12426351}" presName="hierChild4" presStyleCnt="0"/>
@@ -2848,6 +3176,14 @@
     <dgm:pt modelId="{39FE134D-91C1-45BE-833D-A48807FA98EF}" type="pres">
       <dgm:prSet presAssocID="{47EEFA69-E29E-45EE-93FB-9E8E787943E2}" presName="Name37" presStyleLbl="parChTrans1D3" presStyleIdx="9" presStyleCnt="10"/>
       <dgm:spPr/>
+      <dgm:t>
+        <a:bodyPr/>
+        <a:lstStyle/>
+        <a:p>
+          <a:pPr latinLnBrk="1"/>
+          <a:endParaRPr lang="ko-KR" altLang="en-US"/>
+        </a:p>
+      </dgm:t>
     </dgm:pt>
     <dgm:pt modelId="{95D87A50-69EC-43B4-8F49-DE7ACA515384}" type="pres">
       <dgm:prSet presAssocID="{69669B55-2A48-4F20-A3BE-DE41EC7F5471}" presName="hierRoot2" presStyleCnt="0">
@@ -2868,10 +3204,26 @@
         </dgm:presLayoutVars>
       </dgm:prSet>
       <dgm:spPr/>
+      <dgm:t>
+        <a:bodyPr/>
+        <a:lstStyle/>
+        <a:p>
+          <a:pPr latinLnBrk="1"/>
+          <a:endParaRPr lang="ko-KR" altLang="en-US"/>
+        </a:p>
+      </dgm:t>
     </dgm:pt>
     <dgm:pt modelId="{170F0DBD-9594-4066-BF06-E5297C5AAAE1}" type="pres">
       <dgm:prSet presAssocID="{69669B55-2A48-4F20-A3BE-DE41EC7F5471}" presName="rootConnector" presStyleLbl="node3" presStyleIdx="9" presStyleCnt="10"/>
       <dgm:spPr/>
+      <dgm:t>
+        <a:bodyPr/>
+        <a:lstStyle/>
+        <a:p>
+          <a:pPr latinLnBrk="1"/>
+          <a:endParaRPr lang="ko-KR" altLang="en-US"/>
+        </a:p>
+      </dgm:t>
     </dgm:pt>
     <dgm:pt modelId="{2D48920E-DA0C-48E6-9B0E-41589ADCD1C8}" type="pres">
       <dgm:prSet presAssocID="{69669B55-2A48-4F20-A3BE-DE41EC7F5471}" presName="hierChild4" presStyleCnt="0"/>
@@ -2892,6 +3244,14 @@
     <dgm:pt modelId="{917D04FC-43E7-4DC4-9F42-A85AEDD70E7A}" type="pres">
       <dgm:prSet presAssocID="{C0A2BEA2-3C50-4276-8F3E-496EDF4EDF57}" presName="Name111" presStyleLbl="parChTrans1D2" presStyleIdx="6" presStyleCnt="8"/>
       <dgm:spPr/>
+      <dgm:t>
+        <a:bodyPr/>
+        <a:lstStyle/>
+        <a:p>
+          <a:pPr latinLnBrk="1"/>
+          <a:endParaRPr lang="ko-KR" altLang="en-US"/>
+        </a:p>
+      </dgm:t>
     </dgm:pt>
     <dgm:pt modelId="{CE371493-00A4-44D8-8390-6E167B8E82C8}" type="pres">
       <dgm:prSet presAssocID="{407F65C2-B650-4F06-9B6A-FF84D90F5D7C}" presName="hierRoot3" presStyleCnt="0">
@@ -2912,10 +3272,26 @@
         </dgm:presLayoutVars>
       </dgm:prSet>
       <dgm:spPr/>
+      <dgm:t>
+        <a:bodyPr/>
+        <a:lstStyle/>
+        <a:p>
+          <a:pPr latinLnBrk="1"/>
+          <a:endParaRPr lang="ko-KR" altLang="en-US"/>
+        </a:p>
+      </dgm:t>
     </dgm:pt>
     <dgm:pt modelId="{97461454-31AB-4C49-B7F3-E53F508CB6D3}" type="pres">
       <dgm:prSet presAssocID="{407F65C2-B650-4F06-9B6A-FF84D90F5D7C}" presName="rootConnector3" presStyleLbl="asst1" presStyleIdx="0" presStyleCnt="2"/>
       <dgm:spPr/>
+      <dgm:t>
+        <a:bodyPr/>
+        <a:lstStyle/>
+        <a:p>
+          <a:pPr latinLnBrk="1"/>
+          <a:endParaRPr lang="ko-KR" altLang="en-US"/>
+        </a:p>
+      </dgm:t>
     </dgm:pt>
     <dgm:pt modelId="{3DCE7E57-C228-47AA-9255-DCF9C178086A}" type="pres">
       <dgm:prSet presAssocID="{407F65C2-B650-4F06-9B6A-FF84D90F5D7C}" presName="hierChild6" presStyleCnt="0"/>
@@ -2928,6 +3304,14 @@
     <dgm:pt modelId="{02B9C50E-89E3-4D66-AA13-E5B601B57F6E}" type="pres">
       <dgm:prSet presAssocID="{9B86957E-47F1-48FB-A3FF-C0ED12B040B9}" presName="Name111" presStyleLbl="parChTrans1D2" presStyleIdx="7" presStyleCnt="8"/>
       <dgm:spPr/>
+      <dgm:t>
+        <a:bodyPr/>
+        <a:lstStyle/>
+        <a:p>
+          <a:pPr latinLnBrk="1"/>
+          <a:endParaRPr lang="ko-KR" altLang="en-US"/>
+        </a:p>
+      </dgm:t>
     </dgm:pt>
     <dgm:pt modelId="{D17C3A77-C910-4DA2-A821-554D8361D76D}" type="pres">
       <dgm:prSet presAssocID="{9347F7EF-591C-4598-A4ED-8C54AB698FD3}" presName="hierRoot3" presStyleCnt="0">
@@ -2960,6 +3344,14 @@
     <dgm:pt modelId="{69A68DCA-81CB-4551-B9ED-837749EBD879}" type="pres">
       <dgm:prSet presAssocID="{9347F7EF-591C-4598-A4ED-8C54AB698FD3}" presName="rootConnector3" presStyleLbl="asst1" presStyleIdx="1" presStyleCnt="2"/>
       <dgm:spPr/>
+      <dgm:t>
+        <a:bodyPr/>
+        <a:lstStyle/>
+        <a:p>
+          <a:pPr latinLnBrk="1"/>
+          <a:endParaRPr lang="ko-KR" altLang="en-US"/>
+        </a:p>
+      </dgm:t>
     </dgm:pt>
     <dgm:pt modelId="{AC60B5FB-BC01-493F-8408-2912329BB749}" type="pres">
       <dgm:prSet presAssocID="{9347F7EF-591C-4598-A4ED-8C54AB698FD3}" presName="hierChild6" presStyleCnt="0"/>
@@ -8471,7 +8863,7 @@
           <a:p>
             <a:fld id="{2692A08C-EF94-4A6B-BD12-6461CB40CEE6}" type="datetimeFigureOut">
               <a:rPr lang="ko-KR" altLang="en-US" smtClean="0"/>
-              <a:t>2023-02-23</a:t>
+              <a:t>2023-05-01</a:t>
             </a:fld>
             <a:endParaRPr lang="ko-KR" altLang="en-US"/>
           </a:p>
@@ -8669,7 +9061,7 @@
           <a:p>
             <a:fld id="{2692A08C-EF94-4A6B-BD12-6461CB40CEE6}" type="datetimeFigureOut">
               <a:rPr lang="ko-KR" altLang="en-US" smtClean="0"/>
-              <a:t>2023-02-23</a:t>
+              <a:t>2023-05-01</a:t>
             </a:fld>
             <a:endParaRPr lang="ko-KR" altLang="en-US"/>
           </a:p>
@@ -8877,7 +9269,7 @@
           <a:p>
             <a:fld id="{2692A08C-EF94-4A6B-BD12-6461CB40CEE6}" type="datetimeFigureOut">
               <a:rPr lang="ko-KR" altLang="en-US" smtClean="0"/>
-              <a:t>2023-02-23</a:t>
+              <a:t>2023-05-01</a:t>
             </a:fld>
             <a:endParaRPr lang="ko-KR" altLang="en-US"/>
           </a:p>
@@ -9075,7 +9467,7 @@
           <a:p>
             <a:fld id="{2692A08C-EF94-4A6B-BD12-6461CB40CEE6}" type="datetimeFigureOut">
               <a:rPr lang="ko-KR" altLang="en-US" smtClean="0"/>
-              <a:t>2023-02-23</a:t>
+              <a:t>2023-05-01</a:t>
             </a:fld>
             <a:endParaRPr lang="ko-KR" altLang="en-US"/>
           </a:p>
@@ -9350,7 +9742,7 @@
           <a:p>
             <a:fld id="{2692A08C-EF94-4A6B-BD12-6461CB40CEE6}" type="datetimeFigureOut">
               <a:rPr lang="ko-KR" altLang="en-US" smtClean="0"/>
-              <a:t>2023-02-23</a:t>
+              <a:t>2023-05-01</a:t>
             </a:fld>
             <a:endParaRPr lang="ko-KR" altLang="en-US"/>
           </a:p>
@@ -9615,7 +10007,7 @@
           <a:p>
             <a:fld id="{2692A08C-EF94-4A6B-BD12-6461CB40CEE6}" type="datetimeFigureOut">
               <a:rPr lang="ko-KR" altLang="en-US" smtClean="0"/>
-              <a:t>2023-02-23</a:t>
+              <a:t>2023-05-01</a:t>
             </a:fld>
             <a:endParaRPr lang="ko-KR" altLang="en-US"/>
           </a:p>
@@ -10027,7 +10419,7 @@
           <a:p>
             <a:fld id="{2692A08C-EF94-4A6B-BD12-6461CB40CEE6}" type="datetimeFigureOut">
               <a:rPr lang="ko-KR" altLang="en-US" smtClean="0"/>
-              <a:t>2023-02-23</a:t>
+              <a:t>2023-05-01</a:t>
             </a:fld>
             <a:endParaRPr lang="ko-KR" altLang="en-US"/>
           </a:p>
@@ -10168,7 +10560,7 @@
           <a:p>
             <a:fld id="{2692A08C-EF94-4A6B-BD12-6461CB40CEE6}" type="datetimeFigureOut">
               <a:rPr lang="ko-KR" altLang="en-US" smtClean="0"/>
-              <a:t>2023-02-23</a:t>
+              <a:t>2023-05-01</a:t>
             </a:fld>
             <a:endParaRPr lang="ko-KR" altLang="en-US"/>
           </a:p>
@@ -10370,7 +10762,7 @@
           <a:p>
             <a:fld id="{2692A08C-EF94-4A6B-BD12-6461CB40CEE6}" type="datetimeFigureOut">
               <a:rPr lang="ko-KR" altLang="en-US" smtClean="0"/>
-              <a:t>2023-02-23</a:t>
+              <a:t>2023-05-01</a:t>
             </a:fld>
             <a:endParaRPr lang="ko-KR" altLang="en-US"/>
           </a:p>
@@ -10681,7 +11073,7 @@
           <a:p>
             <a:fld id="{2692A08C-EF94-4A6B-BD12-6461CB40CEE6}" type="datetimeFigureOut">
               <a:rPr lang="ko-KR" altLang="en-US" smtClean="0"/>
-              <a:t>2023-02-23</a:t>
+              <a:t>2023-05-01</a:t>
             </a:fld>
             <a:endParaRPr lang="ko-KR" altLang="en-US"/>
           </a:p>
@@ -10969,7 +11361,7 @@
           <a:p>
             <a:fld id="{2692A08C-EF94-4A6B-BD12-6461CB40CEE6}" type="datetimeFigureOut">
               <a:rPr lang="ko-KR" altLang="en-US" smtClean="0"/>
-              <a:t>2023-02-23</a:t>
+              <a:t>2023-05-01</a:t>
             </a:fld>
             <a:endParaRPr lang="ko-KR" altLang="en-US"/>
           </a:p>
@@ -11210,7 +11602,7 @@
           <a:p>
             <a:fld id="{2692A08C-EF94-4A6B-BD12-6461CB40CEE6}" type="datetimeFigureOut">
               <a:rPr lang="ko-KR" altLang="en-US" smtClean="0"/>
-              <a:t>2023-02-23</a:t>
+              <a:t>2023-05-01</a:t>
             </a:fld>
             <a:endParaRPr lang="ko-KR" altLang="en-US"/>
           </a:p>
@@ -11889,7 +12281,7 @@
       </p:grpSpPr>
       <p:pic>
         <p:nvPicPr>
-          <p:cNvPr id="5" name="그림 4"/>
+          <p:cNvPr id="8" name="그림 7"/>
           <p:cNvPicPr>
             <a:picLocks noChangeAspect="1"/>
           </p:cNvPicPr>
@@ -11908,7 +12300,7 @@
         </p:blipFill>
         <p:spPr>
           <a:xfrm>
-            <a:off x="2087082" y="1450817"/>
+            <a:off x="6260071" y="1450817"/>
             <a:ext cx="3507381" cy="4888029"/>
           </a:xfrm>
           <a:prstGeom prst="rect">
@@ -11923,7 +12315,7 @@
       </p:pic>
       <p:pic>
         <p:nvPicPr>
-          <p:cNvPr id="12" name="그림 11"/>
+          <p:cNvPr id="7" name="그림 6"/>
           <p:cNvPicPr>
             <a:picLocks noChangeAspect="1"/>
           </p:cNvPicPr>
@@ -11942,8 +12334,464 @@
         </p:blipFill>
         <p:spPr>
           <a:xfrm>
-            <a:off x="6260072" y="1450819"/>
-            <a:ext cx="3507381" cy="4888028"/>
+            <a:off x="2087082" y="1450817"/>
+            <a:ext cx="3507381" cy="4888029"/>
+          </a:xfrm>
+          <a:prstGeom prst="rect">
+            <a:avLst/>
+          </a:prstGeom>
+          <a:ln w="12700">
+            <a:solidFill>
+              <a:schemeClr val="tx1"/>
+            </a:solidFill>
+          </a:ln>
+        </p:spPr>
+      </p:pic>
+      <p:sp>
+        <p:nvSpPr>
+          <p:cNvPr id="2" name="직사각형 1">
+            <a:extLst>
+              <a:ext uri="{FF2B5EF4-FFF2-40B4-BE49-F238E27FC236}">
+                <a16:creationId xmlns:a16="http://schemas.microsoft.com/office/drawing/2014/main" id="{B1985EEF-2AD8-452A-AD82-3BF8C0CCB759}"/>
+              </a:ext>
+            </a:extLst>
+          </p:cNvPr>
+          <p:cNvSpPr/>
+          <p:nvPr/>
+        </p:nvSpPr>
+        <p:spPr>
+          <a:xfrm>
+            <a:off x="720000" y="1049009"/>
+            <a:ext cx="5760000" cy="108000"/>
+          </a:xfrm>
+          <a:prstGeom prst="rect">
+            <a:avLst/>
+          </a:prstGeom>
+          <a:solidFill>
+            <a:schemeClr val="accent4"/>
+          </a:solidFill>
+          <a:ln>
+            <a:noFill/>
+          </a:ln>
+        </p:spPr>
+        <p:style>
+          <a:lnRef idx="2">
+            <a:schemeClr val="accent1">
+              <a:shade val="50000"/>
+            </a:schemeClr>
+          </a:lnRef>
+          <a:fillRef idx="1">
+            <a:schemeClr val="accent1"/>
+          </a:fillRef>
+          <a:effectRef idx="0">
+            <a:schemeClr val="accent1"/>
+          </a:effectRef>
+          <a:fontRef idx="minor">
+            <a:schemeClr val="lt1"/>
+          </a:fontRef>
+        </p:style>
+        <p:txBody>
+          <a:bodyPr rtlCol="0" anchor="ctr"/>
+          <a:lstStyle/>
+          <a:p>
+            <a:pPr algn="ctr"/>
+            <a:endParaRPr lang="ko-KR" altLang="en-US" dirty="0">
+              <a:latin typeface="Spoqa Han Sans Neo Bold" panose="020B0800000000000000" pitchFamily="50" charset="-127"/>
+              <a:ea typeface="Spoqa Han Sans Neo Bold" panose="020B0800000000000000" pitchFamily="50" charset="-127"/>
+            </a:endParaRPr>
+          </a:p>
+        </p:txBody>
+      </p:sp>
+      <p:sp>
+        <p:nvSpPr>
+          <p:cNvPr id="3" name="직사각형 2">
+            <a:extLst>
+              <a:ext uri="{FF2B5EF4-FFF2-40B4-BE49-F238E27FC236}">
+                <a16:creationId xmlns:a16="http://schemas.microsoft.com/office/drawing/2014/main" id="{82363163-7A23-46FA-8BFB-C5C551676293}"/>
+              </a:ext>
+            </a:extLst>
+          </p:cNvPr>
+          <p:cNvSpPr/>
+          <p:nvPr/>
+        </p:nvSpPr>
+        <p:spPr>
+          <a:xfrm>
+            <a:off x="0" y="1049009"/>
+            <a:ext cx="720000" cy="108000"/>
+          </a:xfrm>
+          <a:prstGeom prst="rect">
+            <a:avLst/>
+          </a:prstGeom>
+          <a:solidFill>
+            <a:schemeClr val="accent2"/>
+          </a:solidFill>
+          <a:ln>
+            <a:noFill/>
+          </a:ln>
+        </p:spPr>
+        <p:style>
+          <a:lnRef idx="2">
+            <a:schemeClr val="accent1">
+              <a:shade val="50000"/>
+            </a:schemeClr>
+          </a:lnRef>
+          <a:fillRef idx="1">
+            <a:schemeClr val="accent1"/>
+          </a:fillRef>
+          <a:effectRef idx="0">
+            <a:schemeClr val="accent1"/>
+          </a:effectRef>
+          <a:fontRef idx="minor">
+            <a:schemeClr val="lt1"/>
+          </a:fontRef>
+        </p:style>
+        <p:txBody>
+          <a:bodyPr rtlCol="0" anchor="ctr"/>
+          <a:lstStyle/>
+          <a:p>
+            <a:pPr algn="ctr"/>
+            <a:endParaRPr lang="ko-KR" altLang="en-US" dirty="0">
+              <a:latin typeface="Spoqa Han Sans Neo Bold" panose="020B0800000000000000" pitchFamily="50" charset="-127"/>
+              <a:ea typeface="Spoqa Han Sans Neo Bold" panose="020B0800000000000000" pitchFamily="50" charset="-127"/>
+            </a:endParaRPr>
+          </a:p>
+        </p:txBody>
+      </p:sp>
+      <p:sp>
+        <p:nvSpPr>
+          <p:cNvPr id="4" name="TextBox 3">
+            <a:extLst>
+              <a:ext uri="{FF2B5EF4-FFF2-40B4-BE49-F238E27FC236}">
+                <a16:creationId xmlns:a16="http://schemas.microsoft.com/office/drawing/2014/main" id="{F6E7AF03-AAFA-4B21-94E6-D43D71719920}"/>
+              </a:ext>
+            </a:extLst>
+          </p:cNvPr>
+          <p:cNvSpPr txBox="1"/>
+          <p:nvPr/>
+        </p:nvSpPr>
+        <p:spPr>
+          <a:xfrm>
+            <a:off x="720000" y="170425"/>
+            <a:ext cx="2278188" cy="584775"/>
+          </a:xfrm>
+          <a:prstGeom prst="rect">
+            <a:avLst/>
+          </a:prstGeom>
+          <a:noFill/>
+        </p:spPr>
+        <p:txBody>
+          <a:bodyPr wrap="none" rtlCol="0">
+            <a:spAutoFit/>
+          </a:bodyPr>
+          <a:lstStyle/>
+          <a:p>
+            <a:r>
+              <a:rPr lang="ko-KR" altLang="en-US" sz="3200" spc="-300" dirty="0" smtClean="0">
+                <a:solidFill>
+                  <a:schemeClr val="accent4">
+                    <a:lumMod val="50000"/>
+                  </a:schemeClr>
+                </a:solidFill>
+                <a:latin typeface="Spoqa Han Sans Neo Bold" panose="020B0800000000000000" pitchFamily="50" charset="-127"/>
+                <a:ea typeface="Spoqa Han Sans Neo Bold" panose="020B0800000000000000" pitchFamily="50" charset="-127"/>
+              </a:rPr>
+              <a:t>와이어프레임</a:t>
+            </a:r>
+            <a:endParaRPr lang="ko-KR" altLang="en-US" sz="3200" spc="-300" dirty="0">
+              <a:solidFill>
+                <a:schemeClr val="accent4">
+                  <a:lumMod val="50000"/>
+                </a:schemeClr>
+              </a:solidFill>
+              <a:latin typeface="Spoqa Han Sans Neo Bold" panose="020B0800000000000000" pitchFamily="50" charset="-127"/>
+              <a:ea typeface="Spoqa Han Sans Neo Bold" panose="020B0800000000000000" pitchFamily="50" charset="-127"/>
+            </a:endParaRPr>
+          </a:p>
+        </p:txBody>
+      </p:sp>
+      <p:sp>
+        <p:nvSpPr>
+          <p:cNvPr id="9" name="TextBox 8">
+            <a:extLst>
+              <a:ext uri="{FF2B5EF4-FFF2-40B4-BE49-F238E27FC236}">
+                <a16:creationId xmlns:a16="http://schemas.microsoft.com/office/drawing/2014/main" id="{2F6A287E-578E-4555-9C9F-5642B2F6187E}"/>
+              </a:ext>
+            </a:extLst>
+          </p:cNvPr>
+          <p:cNvSpPr txBox="1"/>
+          <p:nvPr/>
+        </p:nvSpPr>
+        <p:spPr>
+          <a:xfrm>
+            <a:off x="185879" y="46855"/>
+            <a:ext cx="551754" cy="830997"/>
+          </a:xfrm>
+          <a:prstGeom prst="rect">
+            <a:avLst/>
+          </a:prstGeom>
+          <a:noFill/>
+        </p:spPr>
+        <p:txBody>
+          <a:bodyPr wrap="none" rtlCol="0">
+            <a:spAutoFit/>
+          </a:bodyPr>
+          <a:lstStyle/>
+          <a:p>
+            <a:r>
+              <a:rPr lang="en-US" altLang="ko-KR" sz="4800" b="1" dirty="0">
+                <a:solidFill>
+                  <a:schemeClr val="accent4"/>
+                </a:solidFill>
+                <a:latin typeface="Spoqa Han Sans Neo Bold" panose="020B0800000000000000" pitchFamily="50" charset="-127"/>
+                <a:ea typeface="Spoqa Han Sans Neo Bold" panose="020B0800000000000000" pitchFamily="50" charset="-127"/>
+              </a:rPr>
+              <a:t>2</a:t>
+            </a:r>
+            <a:endParaRPr lang="ko-KR" altLang="en-US" sz="4800" b="1" dirty="0">
+              <a:solidFill>
+                <a:schemeClr val="accent4"/>
+              </a:solidFill>
+              <a:latin typeface="Spoqa Han Sans Neo Bold" panose="020B0800000000000000" pitchFamily="50" charset="-127"/>
+              <a:ea typeface="Spoqa Han Sans Neo Bold" panose="020B0800000000000000" pitchFamily="50" charset="-127"/>
+            </a:endParaRPr>
+          </a:p>
+        </p:txBody>
+      </p:sp>
+      <p:sp>
+        <p:nvSpPr>
+          <p:cNvPr id="6" name="직사각형 5"/>
+          <p:cNvSpPr/>
+          <p:nvPr/>
+        </p:nvSpPr>
+        <p:spPr>
+          <a:xfrm>
+            <a:off x="9917084" y="6591993"/>
+            <a:ext cx="2202872" cy="207818"/>
+          </a:xfrm>
+          <a:prstGeom prst="rect">
+            <a:avLst/>
+          </a:prstGeom>
+          <a:solidFill>
+            <a:srgbClr val="FFFFFF"/>
+          </a:solidFill>
+          <a:ln>
+            <a:noFill/>
+          </a:ln>
+        </p:spPr>
+        <p:style>
+          <a:lnRef idx="2">
+            <a:schemeClr val="accent1">
+              <a:shade val="50000"/>
+            </a:schemeClr>
+          </a:lnRef>
+          <a:fillRef idx="1">
+            <a:schemeClr val="accent1"/>
+          </a:fillRef>
+          <a:effectRef idx="0">
+            <a:schemeClr val="accent1"/>
+          </a:effectRef>
+          <a:fontRef idx="minor">
+            <a:schemeClr val="lt1"/>
+          </a:fontRef>
+        </p:style>
+        <p:txBody>
+          <a:bodyPr rtlCol="0" anchor="ctr"/>
+          <a:lstStyle/>
+          <a:p>
+            <a:pPr algn="ctr"/>
+            <a:endParaRPr lang="ko-KR" altLang="en-US" dirty="0"/>
+          </a:p>
+        </p:txBody>
+      </p:sp>
+      <p:sp>
+        <p:nvSpPr>
+          <p:cNvPr id="10" name="TextBox 9"/>
+          <p:cNvSpPr txBox="1"/>
+          <p:nvPr/>
+        </p:nvSpPr>
+        <p:spPr>
+          <a:xfrm>
+            <a:off x="10087494" y="5969514"/>
+            <a:ext cx="1862051" cy="369332"/>
+          </a:xfrm>
+          <a:prstGeom prst="rect">
+            <a:avLst/>
+          </a:prstGeom>
+          <a:noFill/>
+        </p:spPr>
+        <p:txBody>
+          <a:bodyPr wrap="square" rtlCol="0">
+            <a:spAutoFit/>
+          </a:bodyPr>
+          <a:lstStyle/>
+          <a:p>
+            <a:pPr algn="ctr"/>
+            <a:r>
+              <a:rPr lang="ko-KR" altLang="en-US" dirty="0" smtClean="0">
+                <a:latin typeface="Spoqa Han Sans Neo Bold" panose="020B0800000000000000" pitchFamily="50" charset="-127"/>
+                <a:ea typeface="Spoqa Han Sans Neo Bold" panose="020B0800000000000000" pitchFamily="50" charset="-127"/>
+              </a:rPr>
+              <a:t>메인 페이지</a:t>
+            </a:r>
+            <a:endParaRPr lang="ko-KR" altLang="en-US" dirty="0">
+              <a:latin typeface="Spoqa Han Sans Neo Bold" panose="020B0800000000000000" pitchFamily="50" charset="-127"/>
+              <a:ea typeface="Spoqa Han Sans Neo Bold" panose="020B0800000000000000" pitchFamily="50" charset="-127"/>
+            </a:endParaRPr>
+          </a:p>
+        </p:txBody>
+      </p:sp>
+      <p:sp>
+        <p:nvSpPr>
+          <p:cNvPr id="11" name="실행 단추: 홈 10">
+            <a:hlinkClick r:id="rId4" highlightClick="1"/>
+          </p:cNvPr>
+          <p:cNvSpPr/>
+          <p:nvPr/>
+        </p:nvSpPr>
+        <p:spPr>
+          <a:xfrm>
+            <a:off x="11364779" y="179933"/>
+            <a:ext cx="535850" cy="564840"/>
+          </a:xfrm>
+          <a:prstGeom prst="actionButtonHome">
+            <a:avLst/>
+          </a:prstGeom>
+          <a:solidFill>
+            <a:schemeClr val="bg1"/>
+          </a:solidFill>
+          <a:ln>
+            <a:noFill/>
+          </a:ln>
+        </p:spPr>
+        <p:style>
+          <a:lnRef idx="0">
+            <a:scrgbClr r="0" g="0" b="0"/>
+          </a:lnRef>
+          <a:fillRef idx="0">
+            <a:scrgbClr r="0" g="0" b="0"/>
+          </a:fillRef>
+          <a:effectRef idx="0">
+            <a:scrgbClr r="0" g="0" b="0"/>
+          </a:effectRef>
+          <a:fontRef idx="minor">
+            <a:schemeClr val="lt1"/>
+          </a:fontRef>
+        </p:style>
+        <p:txBody>
+          <a:bodyPr rtlCol="0" anchor="ctr"/>
+          <a:lstStyle/>
+          <a:p>
+            <a:pPr algn="ctr"/>
+            <a:endParaRPr lang="ko-KR" altLang="en-US"/>
+          </a:p>
+        </p:txBody>
+      </p:sp>
+    </p:spTree>
+    <p:extLst>
+      <p:ext uri="{BB962C8B-B14F-4D97-AF65-F5344CB8AC3E}">
+        <p14:creationId xmlns:p14="http://schemas.microsoft.com/office/powerpoint/2010/main" val="3322272577"/>
+      </p:ext>
+    </p:extLst>
+  </p:cSld>
+  <p:clrMapOvr>
+    <a:masterClrMapping/>
+  </p:clrMapOvr>
+  <mc:AlternateContent xmlns:mc="http://schemas.openxmlformats.org/markup-compatibility/2006" xmlns:p14="http://schemas.microsoft.com/office/powerpoint/2010/main">
+    <mc:Choice Requires="p14">
+      <p:transition spd="med" p14:dur="700">
+        <p:fade/>
+      </p:transition>
+    </mc:Choice>
+    <mc:Fallback xmlns="">
+      <p:transition spd="med">
+        <p:fade/>
+      </p:transition>
+    </mc:Fallback>
+  </mc:AlternateContent>
+  <p:timing>
+    <p:tnLst>
+      <p:par>
+        <p:cTn id="1" dur="indefinite" restart="never" nodeType="tmRoot"/>
+      </p:par>
+    </p:tnLst>
+  </p:timing>
+</p:sld>
+</file>
+
+<file path=ppt/slides/slide11.xml><?xml version="1.0" encoding="utf-8"?>
+<p:sld xmlns:a="http://schemas.openxmlformats.org/drawingml/2006/main" xmlns:r="http://schemas.openxmlformats.org/officeDocument/2006/relationships" xmlns:p="http://schemas.openxmlformats.org/presentationml/2006/main">
+  <p:cSld>
+    <p:spTree>
+      <p:nvGrpSpPr>
+        <p:cNvPr id="1" name=""/>
+        <p:cNvGrpSpPr/>
+        <p:nvPr/>
+      </p:nvGrpSpPr>
+      <p:grpSpPr>
+        <a:xfrm>
+          <a:off x="0" y="0"/>
+          <a:ext cx="0" cy="0"/>
+          <a:chOff x="0" y="0"/>
+          <a:chExt cx="0" cy="0"/>
+        </a:xfrm>
+      </p:grpSpPr>
+      <p:pic>
+        <p:nvPicPr>
+          <p:cNvPr id="7" name="그림 6"/>
+          <p:cNvPicPr>
+            <a:picLocks noChangeAspect="1"/>
+          </p:cNvPicPr>
+          <p:nvPr/>
+        </p:nvPicPr>
+        <p:blipFill rotWithShape="1">
+          <a:blip r:embed="rId2" cstate="screen">
+            <a:extLst>
+              <a:ext uri="{28A0092B-C50C-407E-A947-70E740481C1C}">
+                <a14:useLocalDpi xmlns:a14="http://schemas.microsoft.com/office/drawing/2010/main" val="0"/>
+              </a:ext>
+            </a:extLst>
+          </a:blip>
+          <a:srcRect/>
+          <a:stretch/>
+        </p:blipFill>
+        <p:spPr>
+          <a:xfrm>
+            <a:off x="2072250" y="2109490"/>
+            <a:ext cx="3522213" cy="3576936"/>
+          </a:xfrm>
+          <a:prstGeom prst="rect">
+            <a:avLst/>
+          </a:prstGeom>
+          <a:ln>
+            <a:solidFill>
+              <a:schemeClr val="tx1"/>
+            </a:solidFill>
+          </a:ln>
+        </p:spPr>
+      </p:pic>
+      <p:pic>
+        <p:nvPicPr>
+          <p:cNvPr id="13" name="그림 12"/>
+          <p:cNvPicPr>
+            <a:picLocks noChangeAspect="1"/>
+          </p:cNvPicPr>
+          <p:nvPr/>
+        </p:nvPicPr>
+        <p:blipFill rotWithShape="1">
+          <a:blip r:embed="rId3" cstate="screen">
+            <a:extLst>
+              <a:ext uri="{28A0092B-C50C-407E-A947-70E740481C1C}">
+                <a14:useLocalDpi xmlns:a14="http://schemas.microsoft.com/office/drawing/2010/main" val="0"/>
+              </a:ext>
+            </a:extLst>
+          </a:blip>
+          <a:srcRect/>
+          <a:stretch/>
+        </p:blipFill>
+        <p:spPr>
+          <a:xfrm>
+            <a:off x="6252656" y="2103438"/>
+            <a:ext cx="3522212" cy="3578630"/>
           </a:xfrm>
           <a:prstGeom prst="rect">
             <a:avLst/>
@@ -12103,7 +12951,7 @@
                 <a:latin typeface="Spoqa Han Sans Neo Bold" panose="020B0800000000000000" pitchFamily="50" charset="-127"/>
                 <a:ea typeface="Spoqa Han Sans Neo Bold" panose="020B0800000000000000" pitchFamily="50" charset="-127"/>
               </a:rPr>
-              <a:t>와이어 프레임</a:t>
+              <a:t>와이어프레임</a:t>
             </a:r>
             <a:endParaRPr lang="ko-KR" altLang="en-US" sz="3200" spc="-300" dirty="0">
               <a:solidFill>
@@ -12239,7 +13087,7 @@
                 <a:latin typeface="Spoqa Han Sans Neo Bold" panose="020B0800000000000000" pitchFamily="50" charset="-127"/>
                 <a:ea typeface="Spoqa Han Sans Neo Bold" panose="020B0800000000000000" pitchFamily="50" charset="-127"/>
               </a:rPr>
-              <a:t>메인 페이지</a:t>
+              <a:t>서브 페이지</a:t>
             </a:r>
             <a:endParaRPr lang="ko-KR" altLang="en-US" dirty="0">
               <a:latin typeface="Spoqa Han Sans Neo Bold" panose="020B0800000000000000" pitchFamily="50" charset="-127"/>
@@ -12248,65 +13096,16 @@
           </a:p>
         </p:txBody>
       </p:sp>
-    </p:spTree>
-    <p:extLst>
-      <p:ext uri="{BB962C8B-B14F-4D97-AF65-F5344CB8AC3E}">
-        <p14:creationId xmlns:p14="http://schemas.microsoft.com/office/powerpoint/2010/main" val="3322272577"/>
-      </p:ext>
-    </p:extLst>
-  </p:cSld>
-  <p:clrMapOvr>
-    <a:masterClrMapping/>
-  </p:clrMapOvr>
-  <mc:AlternateContent xmlns:mc="http://schemas.openxmlformats.org/markup-compatibility/2006" xmlns:p14="http://schemas.microsoft.com/office/powerpoint/2010/main">
-    <mc:Choice Requires="p14">
-      <p:transition spd="med" p14:dur="700">
-        <p:fade/>
-      </p:transition>
-    </mc:Choice>
-    <mc:Fallback xmlns="">
-      <p:transition spd="med">
-        <p:fade/>
-      </p:transition>
-    </mc:Fallback>
-  </mc:AlternateContent>
-  <p:timing>
-    <p:tnLst>
-      <p:par>
-        <p:cTn id="1" dur="indefinite" restart="never" nodeType="tmRoot"/>
-      </p:par>
-    </p:tnLst>
-  </p:timing>
-</p:sld>
-</file>
-
-<file path=ppt/slides/slide11.xml><?xml version="1.0" encoding="utf-8"?>
-<p:sld xmlns:a="http://schemas.openxmlformats.org/drawingml/2006/main" xmlns:r="http://schemas.openxmlformats.org/officeDocument/2006/relationships" xmlns:p="http://schemas.openxmlformats.org/presentationml/2006/main">
-  <p:cSld>
-    <p:spTree>
-      <p:nvGrpSpPr>
-        <p:cNvPr id="1" name=""/>
-        <p:cNvGrpSpPr/>
-        <p:nvPr/>
-      </p:nvGrpSpPr>
-      <p:grpSpPr>
-        <a:xfrm>
-          <a:off x="0" y="0"/>
-          <a:ext cx="0" cy="0"/>
-          <a:chOff x="0" y="0"/>
-          <a:chExt cx="0" cy="0"/>
-        </a:xfrm>
-      </p:grpSpPr>
       <p:pic>
         <p:nvPicPr>
-          <p:cNvPr id="13" name="그림 12"/>
+          <p:cNvPr id="8" name="그림 7"/>
           <p:cNvPicPr>
             <a:picLocks noChangeAspect="1"/>
           </p:cNvPicPr>
           <p:nvPr/>
         </p:nvPicPr>
         <p:blipFill rotWithShape="1">
-          <a:blip r:embed="rId2" cstate="screen">
+          <a:blip r:embed="rId4" cstate="screen">
             <a:extLst>
               <a:ext uri="{28A0092B-C50C-407E-A947-70E740481C1C}">
                 <a14:useLocalDpi xmlns:a14="http://schemas.microsoft.com/office/drawing/2010/main" val="0"/>
@@ -12319,90 +13118,45 @@
         <p:spPr>
           <a:xfrm>
             <a:off x="6252656" y="2103438"/>
-            <a:ext cx="3522212" cy="3578630"/>
+            <a:ext cx="3522212" cy="3578629"/>
           </a:xfrm>
           <a:prstGeom prst="rect">
             <a:avLst/>
           </a:prstGeom>
-          <a:ln>
-            <a:solidFill>
-              <a:schemeClr val="tx1"/>
-            </a:solidFill>
-          </a:ln>
-        </p:spPr>
-      </p:pic>
-      <p:pic>
-        <p:nvPicPr>
-          <p:cNvPr id="12" name="그림 11"/>
-          <p:cNvPicPr>
-            <a:picLocks noChangeAspect="1"/>
-          </p:cNvPicPr>
-          <p:nvPr/>
-        </p:nvPicPr>
-        <p:blipFill rotWithShape="1">
-          <a:blip r:embed="rId3" cstate="screen">
-            <a:extLst>
-              <a:ext uri="{28A0092B-C50C-407E-A947-70E740481C1C}">
-                <a14:useLocalDpi xmlns:a14="http://schemas.microsoft.com/office/drawing/2010/main" val="0"/>
-              </a:ext>
-            </a:extLst>
-          </a:blip>
-          <a:srcRect/>
-          <a:stretch/>
-        </p:blipFill>
-        <p:spPr>
-          <a:xfrm>
-            <a:off x="2072250" y="2107594"/>
-            <a:ext cx="3522213" cy="3574473"/>
-          </a:xfrm>
-          <a:prstGeom prst="rect">
-            <a:avLst/>
-          </a:prstGeom>
-          <a:ln>
-            <a:solidFill>
-              <a:schemeClr val="tx1"/>
-            </a:solidFill>
-          </a:ln>
         </p:spPr>
       </p:pic>
       <p:sp>
         <p:nvSpPr>
-          <p:cNvPr id="2" name="직사각형 1">
-            <a:extLst>
-              <a:ext uri="{FF2B5EF4-FFF2-40B4-BE49-F238E27FC236}">
-                <a16:creationId xmlns:a16="http://schemas.microsoft.com/office/drawing/2014/main" id="{B1985EEF-2AD8-452A-AD82-3BF8C0CCB759}"/>
-              </a:ext>
-            </a:extLst>
+          <p:cNvPr id="12" name="실행 단추: 홈 11">
+            <a:hlinkClick r:id="rId5" highlightClick="1"/>
           </p:cNvPr>
           <p:cNvSpPr/>
           <p:nvPr/>
         </p:nvSpPr>
         <p:spPr>
           <a:xfrm>
-            <a:off x="720000" y="1049009"/>
-            <a:ext cx="5760000" cy="108000"/>
+            <a:off x="11364779" y="179933"/>
+            <a:ext cx="535850" cy="564840"/>
           </a:xfrm>
-          <a:prstGeom prst="rect">
+          <a:prstGeom prst="actionButtonHome">
             <a:avLst/>
           </a:prstGeom>
           <a:solidFill>
-            <a:schemeClr val="accent4"/>
+            <a:schemeClr val="bg1"/>
           </a:solidFill>
           <a:ln>
             <a:noFill/>
           </a:ln>
         </p:spPr>
         <p:style>
-          <a:lnRef idx="2">
-            <a:schemeClr val="accent1">
-              <a:shade val="50000"/>
-            </a:schemeClr>
+          <a:lnRef idx="0">
+            <a:scrgbClr r="0" g="0" b="0"/>
           </a:lnRef>
-          <a:fillRef idx="1">
-            <a:schemeClr val="accent1"/>
+          <a:fillRef idx="0">
+            <a:scrgbClr r="0" g="0" b="0"/>
           </a:fillRef>
           <a:effectRef idx="0">
-            <a:schemeClr val="accent1"/>
+            <a:scrgbClr r="0" g="0" b="0"/>
           </a:effectRef>
           <a:fontRef idx="minor">
             <a:schemeClr val="lt1"/>
@@ -12413,248 +13167,7 @@
           <a:lstStyle/>
           <a:p>
             <a:pPr algn="ctr"/>
-            <a:endParaRPr lang="ko-KR" altLang="en-US" dirty="0">
-              <a:latin typeface="Spoqa Han Sans Neo Bold" panose="020B0800000000000000" pitchFamily="50" charset="-127"/>
-              <a:ea typeface="Spoqa Han Sans Neo Bold" panose="020B0800000000000000" pitchFamily="50" charset="-127"/>
-            </a:endParaRPr>
-          </a:p>
-        </p:txBody>
-      </p:sp>
-      <p:sp>
-        <p:nvSpPr>
-          <p:cNvPr id="3" name="직사각형 2">
-            <a:extLst>
-              <a:ext uri="{FF2B5EF4-FFF2-40B4-BE49-F238E27FC236}">
-                <a16:creationId xmlns:a16="http://schemas.microsoft.com/office/drawing/2014/main" id="{82363163-7A23-46FA-8BFB-C5C551676293}"/>
-              </a:ext>
-            </a:extLst>
-          </p:cNvPr>
-          <p:cNvSpPr/>
-          <p:nvPr/>
-        </p:nvSpPr>
-        <p:spPr>
-          <a:xfrm>
-            <a:off x="0" y="1049009"/>
-            <a:ext cx="720000" cy="108000"/>
-          </a:xfrm>
-          <a:prstGeom prst="rect">
-            <a:avLst/>
-          </a:prstGeom>
-          <a:solidFill>
-            <a:schemeClr val="accent2"/>
-          </a:solidFill>
-          <a:ln>
-            <a:noFill/>
-          </a:ln>
-        </p:spPr>
-        <p:style>
-          <a:lnRef idx="2">
-            <a:schemeClr val="accent1">
-              <a:shade val="50000"/>
-            </a:schemeClr>
-          </a:lnRef>
-          <a:fillRef idx="1">
-            <a:schemeClr val="accent1"/>
-          </a:fillRef>
-          <a:effectRef idx="0">
-            <a:schemeClr val="accent1"/>
-          </a:effectRef>
-          <a:fontRef idx="minor">
-            <a:schemeClr val="lt1"/>
-          </a:fontRef>
-        </p:style>
-        <p:txBody>
-          <a:bodyPr rtlCol="0" anchor="ctr"/>
-          <a:lstStyle/>
-          <a:p>
-            <a:pPr algn="ctr"/>
-            <a:endParaRPr lang="ko-KR" altLang="en-US" dirty="0">
-              <a:latin typeface="Spoqa Han Sans Neo Bold" panose="020B0800000000000000" pitchFamily="50" charset="-127"/>
-              <a:ea typeface="Spoqa Han Sans Neo Bold" panose="020B0800000000000000" pitchFamily="50" charset="-127"/>
-            </a:endParaRPr>
-          </a:p>
-        </p:txBody>
-      </p:sp>
-      <p:sp>
-        <p:nvSpPr>
-          <p:cNvPr id="4" name="TextBox 3">
-            <a:extLst>
-              <a:ext uri="{FF2B5EF4-FFF2-40B4-BE49-F238E27FC236}">
-                <a16:creationId xmlns:a16="http://schemas.microsoft.com/office/drawing/2014/main" id="{F6E7AF03-AAFA-4B21-94E6-D43D71719920}"/>
-              </a:ext>
-            </a:extLst>
-          </p:cNvPr>
-          <p:cNvSpPr txBox="1"/>
-          <p:nvPr/>
-        </p:nvSpPr>
-        <p:spPr>
-          <a:xfrm>
-            <a:off x="720000" y="170425"/>
-            <a:ext cx="2278188" cy="584775"/>
-          </a:xfrm>
-          <a:prstGeom prst="rect">
-            <a:avLst/>
-          </a:prstGeom>
-          <a:noFill/>
-        </p:spPr>
-        <p:txBody>
-          <a:bodyPr wrap="none" rtlCol="0">
-            <a:spAutoFit/>
-          </a:bodyPr>
-          <a:lstStyle/>
-          <a:p>
-            <a:r>
-              <a:rPr lang="ko-KR" altLang="en-US" sz="3200" spc="-300" dirty="0" smtClean="0">
-                <a:solidFill>
-                  <a:schemeClr val="accent4">
-                    <a:lumMod val="50000"/>
-                  </a:schemeClr>
-                </a:solidFill>
-                <a:latin typeface="Spoqa Han Sans Neo Bold" panose="020B0800000000000000" pitchFamily="50" charset="-127"/>
-                <a:ea typeface="Spoqa Han Sans Neo Bold" panose="020B0800000000000000" pitchFamily="50" charset="-127"/>
-              </a:rPr>
-              <a:t>와이어 프레임</a:t>
-            </a:r>
-            <a:endParaRPr lang="ko-KR" altLang="en-US" sz="3200" spc="-300" dirty="0">
-              <a:solidFill>
-                <a:schemeClr val="accent4">
-                  <a:lumMod val="50000"/>
-                </a:schemeClr>
-              </a:solidFill>
-              <a:latin typeface="Spoqa Han Sans Neo Bold" panose="020B0800000000000000" pitchFamily="50" charset="-127"/>
-              <a:ea typeface="Spoqa Han Sans Neo Bold" panose="020B0800000000000000" pitchFamily="50" charset="-127"/>
-            </a:endParaRPr>
-          </a:p>
-        </p:txBody>
-      </p:sp>
-      <p:sp>
-        <p:nvSpPr>
-          <p:cNvPr id="9" name="TextBox 8">
-            <a:extLst>
-              <a:ext uri="{FF2B5EF4-FFF2-40B4-BE49-F238E27FC236}">
-                <a16:creationId xmlns:a16="http://schemas.microsoft.com/office/drawing/2014/main" id="{2F6A287E-578E-4555-9C9F-5642B2F6187E}"/>
-              </a:ext>
-            </a:extLst>
-          </p:cNvPr>
-          <p:cNvSpPr txBox="1"/>
-          <p:nvPr/>
-        </p:nvSpPr>
-        <p:spPr>
-          <a:xfrm>
-            <a:off x="185879" y="46855"/>
-            <a:ext cx="551754" cy="830997"/>
-          </a:xfrm>
-          <a:prstGeom prst="rect">
-            <a:avLst/>
-          </a:prstGeom>
-          <a:noFill/>
-        </p:spPr>
-        <p:txBody>
-          <a:bodyPr wrap="none" rtlCol="0">
-            <a:spAutoFit/>
-          </a:bodyPr>
-          <a:lstStyle/>
-          <a:p>
-            <a:r>
-              <a:rPr lang="en-US" altLang="ko-KR" sz="4800" b="1" dirty="0">
-                <a:solidFill>
-                  <a:schemeClr val="accent4"/>
-                </a:solidFill>
-                <a:latin typeface="Spoqa Han Sans Neo Bold" panose="020B0800000000000000" pitchFamily="50" charset="-127"/>
-                <a:ea typeface="Spoqa Han Sans Neo Bold" panose="020B0800000000000000" pitchFamily="50" charset="-127"/>
-              </a:rPr>
-              <a:t>2</a:t>
-            </a:r>
-            <a:endParaRPr lang="ko-KR" altLang="en-US" sz="4800" b="1" dirty="0">
-              <a:solidFill>
-                <a:schemeClr val="accent4"/>
-              </a:solidFill>
-              <a:latin typeface="Spoqa Han Sans Neo Bold" panose="020B0800000000000000" pitchFamily="50" charset="-127"/>
-              <a:ea typeface="Spoqa Han Sans Neo Bold" panose="020B0800000000000000" pitchFamily="50" charset="-127"/>
-            </a:endParaRPr>
-          </a:p>
-        </p:txBody>
-      </p:sp>
-      <p:sp>
-        <p:nvSpPr>
-          <p:cNvPr id="6" name="직사각형 5"/>
-          <p:cNvSpPr/>
-          <p:nvPr/>
-        </p:nvSpPr>
-        <p:spPr>
-          <a:xfrm>
-            <a:off x="9917084" y="6591993"/>
-            <a:ext cx="2202872" cy="207818"/>
-          </a:xfrm>
-          <a:prstGeom prst="rect">
-            <a:avLst/>
-          </a:prstGeom>
-          <a:solidFill>
-            <a:srgbClr val="FFFFFF"/>
-          </a:solidFill>
-          <a:ln>
-            <a:noFill/>
-          </a:ln>
-        </p:spPr>
-        <p:style>
-          <a:lnRef idx="2">
-            <a:schemeClr val="accent1">
-              <a:shade val="50000"/>
-            </a:schemeClr>
-          </a:lnRef>
-          <a:fillRef idx="1">
-            <a:schemeClr val="accent1"/>
-          </a:fillRef>
-          <a:effectRef idx="0">
-            <a:schemeClr val="accent1"/>
-          </a:effectRef>
-          <a:fontRef idx="minor">
-            <a:schemeClr val="lt1"/>
-          </a:fontRef>
-        </p:style>
-        <p:txBody>
-          <a:bodyPr rtlCol="0" anchor="ctr"/>
-          <a:lstStyle/>
-          <a:p>
-            <a:pPr algn="ctr"/>
-            <a:endParaRPr lang="ko-KR" altLang="en-US" dirty="0"/>
-          </a:p>
-        </p:txBody>
-      </p:sp>
-      <p:sp>
-        <p:nvSpPr>
-          <p:cNvPr id="10" name="TextBox 9"/>
-          <p:cNvSpPr txBox="1"/>
-          <p:nvPr/>
-        </p:nvSpPr>
-        <p:spPr>
-          <a:xfrm>
-            <a:off x="10087494" y="5969514"/>
-            <a:ext cx="1862051" cy="369332"/>
-          </a:xfrm>
-          <a:prstGeom prst="rect">
-            <a:avLst/>
-          </a:prstGeom>
-          <a:noFill/>
-        </p:spPr>
-        <p:txBody>
-          <a:bodyPr wrap="square" rtlCol="0">
-            <a:spAutoFit/>
-          </a:bodyPr>
-          <a:lstStyle/>
-          <a:p>
-            <a:pPr algn="ctr"/>
-            <a:r>
-              <a:rPr lang="ko-KR" altLang="en-US" dirty="0" smtClean="0">
-                <a:latin typeface="Spoqa Han Sans Neo Bold" panose="020B0800000000000000" pitchFamily="50" charset="-127"/>
-                <a:ea typeface="Spoqa Han Sans Neo Bold" panose="020B0800000000000000" pitchFamily="50" charset="-127"/>
-              </a:rPr>
-              <a:t>서브 페이지</a:t>
-            </a:r>
-            <a:endParaRPr lang="ko-KR" altLang="en-US" dirty="0">
-              <a:latin typeface="Spoqa Han Sans Neo Bold" panose="020B0800000000000000" pitchFamily="50" charset="-127"/>
-              <a:ea typeface="Spoqa Han Sans Neo Bold" panose="020B0800000000000000" pitchFamily="50" charset="-127"/>
-            </a:endParaRPr>
+            <a:endParaRPr lang="ko-KR" altLang="en-US"/>
           </a:p>
         </p:txBody>
       </p:sp>
@@ -12855,19 +13368,7 @@
                 <a:latin typeface="Spoqa Han Sans Neo Bold" panose="020B0800000000000000" pitchFamily="50" charset="-127"/>
                 <a:ea typeface="Spoqa Han Sans Neo Bold" panose="020B0800000000000000" pitchFamily="50" charset="-127"/>
               </a:rPr>
-              <a:t>프로토</a:t>
-            </a:r>
-            <a:r>
-              <a:rPr lang="ko-KR" altLang="en-US" sz="3200" spc="-300" dirty="0" smtClean="0">
-                <a:solidFill>
-                  <a:schemeClr val="accent4">
-                    <a:lumMod val="50000"/>
-                  </a:schemeClr>
-                </a:solidFill>
-                <a:latin typeface="Spoqa Han Sans Neo Bold" panose="020B0800000000000000" pitchFamily="50" charset="-127"/>
-                <a:ea typeface="Spoqa Han Sans Neo Bold" panose="020B0800000000000000" pitchFamily="50" charset="-127"/>
-              </a:rPr>
-              <a:t> 타입</a:t>
+              <a:t>프로토타입</a:t>
             </a:r>
             <a:endParaRPr lang="ko-KR" altLang="en-US" sz="3200" spc="-300" dirty="0">
               <a:solidFill>
@@ -12983,7 +13484,7 @@
         </p:nvSpPr>
         <p:spPr>
           <a:xfrm>
-            <a:off x="9612944" y="1029340"/>
+            <a:off x="8681918" y="1049009"/>
             <a:ext cx="1862051" cy="369332"/>
           </a:xfrm>
           <a:prstGeom prst="rect">
@@ -13114,6 +13615,52 @@
           </a:ln>
         </p:spPr>
       </p:pic>
+      <p:sp>
+        <p:nvSpPr>
+          <p:cNvPr id="14" name="실행 단추: 홈 13">
+            <a:hlinkClick r:id="rId5" highlightClick="1"/>
+          </p:cNvPr>
+          <p:cNvSpPr/>
+          <p:nvPr/>
+        </p:nvSpPr>
+        <p:spPr>
+          <a:xfrm>
+            <a:off x="11364779" y="179933"/>
+            <a:ext cx="535850" cy="564840"/>
+          </a:xfrm>
+          <a:prstGeom prst="actionButtonHome">
+            <a:avLst/>
+          </a:prstGeom>
+          <a:solidFill>
+            <a:schemeClr val="bg1"/>
+          </a:solidFill>
+          <a:ln>
+            <a:noFill/>
+          </a:ln>
+        </p:spPr>
+        <p:style>
+          <a:lnRef idx="0">
+            <a:scrgbClr r="0" g="0" b="0"/>
+          </a:lnRef>
+          <a:fillRef idx="0">
+            <a:scrgbClr r="0" g="0" b="0"/>
+          </a:fillRef>
+          <a:effectRef idx="0">
+            <a:scrgbClr r="0" g="0" b="0"/>
+          </a:effectRef>
+          <a:fontRef idx="minor">
+            <a:schemeClr val="lt1"/>
+          </a:fontRef>
+        </p:style>
+        <p:txBody>
+          <a:bodyPr rtlCol="0" anchor="ctr"/>
+          <a:lstStyle/>
+          <a:p>
+            <a:pPr algn="ctr"/>
+            <a:endParaRPr lang="ko-KR" altLang="en-US"/>
+          </a:p>
+        </p:txBody>
+      </p:sp>
     </p:spTree>
     <p:extLst>
       <p:ext uri="{BB962C8B-B14F-4D97-AF65-F5344CB8AC3E}">
@@ -13311,19 +13858,7 @@
                 <a:latin typeface="Spoqa Han Sans Neo Bold" panose="020B0800000000000000" pitchFamily="50" charset="-127"/>
                 <a:ea typeface="Spoqa Han Sans Neo Bold" panose="020B0800000000000000" pitchFamily="50" charset="-127"/>
               </a:rPr>
-              <a:t>프로토</a:t>
-            </a:r>
-            <a:r>
-              <a:rPr lang="ko-KR" altLang="en-US" sz="3200" spc="-300" dirty="0" smtClean="0">
-                <a:solidFill>
-                  <a:schemeClr val="accent4">
-                    <a:lumMod val="50000"/>
-                  </a:schemeClr>
-                </a:solidFill>
-                <a:latin typeface="Spoqa Han Sans Neo Bold" panose="020B0800000000000000" pitchFamily="50" charset="-127"/>
-                <a:ea typeface="Spoqa Han Sans Neo Bold" panose="020B0800000000000000" pitchFamily="50" charset="-127"/>
-              </a:rPr>
-              <a:t> 타입</a:t>
+              <a:t>프로토타입</a:t>
             </a:r>
             <a:endParaRPr lang="ko-KR" altLang="en-US" sz="3200" spc="-300" dirty="0">
               <a:solidFill>
@@ -13570,6 +14105,52 @@
           </a:ln>
         </p:spPr>
       </p:pic>
+      <p:sp>
+        <p:nvSpPr>
+          <p:cNvPr id="13" name="실행 단추: 홈 12">
+            <a:hlinkClick r:id="rId5" highlightClick="1"/>
+          </p:cNvPr>
+          <p:cNvSpPr/>
+          <p:nvPr/>
+        </p:nvSpPr>
+        <p:spPr>
+          <a:xfrm>
+            <a:off x="11364779" y="179933"/>
+            <a:ext cx="535850" cy="564840"/>
+          </a:xfrm>
+          <a:prstGeom prst="actionButtonHome">
+            <a:avLst/>
+          </a:prstGeom>
+          <a:solidFill>
+            <a:schemeClr val="bg1"/>
+          </a:solidFill>
+          <a:ln>
+            <a:noFill/>
+          </a:ln>
+        </p:spPr>
+        <p:style>
+          <a:lnRef idx="0">
+            <a:scrgbClr r="0" g="0" b="0"/>
+          </a:lnRef>
+          <a:fillRef idx="0">
+            <a:scrgbClr r="0" g="0" b="0"/>
+          </a:fillRef>
+          <a:effectRef idx="0">
+            <a:scrgbClr r="0" g="0" b="0"/>
+          </a:effectRef>
+          <a:fontRef idx="minor">
+            <a:schemeClr val="lt1"/>
+          </a:fontRef>
+        </p:style>
+        <p:txBody>
+          <a:bodyPr rtlCol="0" anchor="ctr"/>
+          <a:lstStyle/>
+          <a:p>
+            <a:pPr algn="ctr"/>
+            <a:endParaRPr lang="ko-KR" altLang="en-US"/>
+          </a:p>
+        </p:txBody>
+      </p:sp>
     </p:spTree>
     <p:extLst>
       <p:ext uri="{BB962C8B-B14F-4D97-AF65-F5344CB8AC3E}">
@@ -14314,6 +14895,52 @@
               <a:latin typeface="Spoqa Han Sans Neo Bold" panose="020B0800000000000000" pitchFamily="50" charset="-127"/>
               <a:ea typeface="Spoqa Han Sans Neo Bold" panose="020B0800000000000000" pitchFamily="50" charset="-127"/>
             </a:endParaRPr>
+          </a:p>
+        </p:txBody>
+      </p:sp>
+      <p:sp>
+        <p:nvSpPr>
+          <p:cNvPr id="11" name="실행 단추: 홈 10">
+            <a:hlinkClick r:id="rId4" highlightClick="1"/>
+          </p:cNvPr>
+          <p:cNvSpPr/>
+          <p:nvPr/>
+        </p:nvSpPr>
+        <p:spPr>
+          <a:xfrm>
+            <a:off x="11364779" y="179933"/>
+            <a:ext cx="535850" cy="564840"/>
+          </a:xfrm>
+          <a:prstGeom prst="actionButtonHome">
+            <a:avLst/>
+          </a:prstGeom>
+          <a:solidFill>
+            <a:schemeClr val="bg1"/>
+          </a:solidFill>
+          <a:ln>
+            <a:noFill/>
+          </a:ln>
+        </p:spPr>
+        <p:style>
+          <a:lnRef idx="0">
+            <a:scrgbClr r="0" g="0" b="0"/>
+          </a:lnRef>
+          <a:fillRef idx="0">
+            <a:scrgbClr r="0" g="0" b="0"/>
+          </a:fillRef>
+          <a:effectRef idx="0">
+            <a:scrgbClr r="0" g="0" b="0"/>
+          </a:effectRef>
+          <a:fontRef idx="minor">
+            <a:schemeClr val="lt1"/>
+          </a:fontRef>
+        </p:style>
+        <p:txBody>
+          <a:bodyPr rtlCol="0" anchor="ctr"/>
+          <a:lstStyle/>
+          <a:p>
+            <a:pPr algn="ctr"/>
+            <a:endParaRPr lang="ko-KR" altLang="en-US"/>
           </a:p>
         </p:txBody>
       </p:sp>
@@ -14731,6 +15358,52 @@
           </a:p>
         </p:txBody>
       </p:sp>
+      <p:sp>
+        <p:nvSpPr>
+          <p:cNvPr id="12" name="실행 단추: 홈 11">
+            <a:hlinkClick r:id="rId4" highlightClick="1"/>
+          </p:cNvPr>
+          <p:cNvSpPr/>
+          <p:nvPr/>
+        </p:nvSpPr>
+        <p:spPr>
+          <a:xfrm>
+            <a:off x="11364779" y="179933"/>
+            <a:ext cx="535850" cy="564840"/>
+          </a:xfrm>
+          <a:prstGeom prst="actionButtonHome">
+            <a:avLst/>
+          </a:prstGeom>
+          <a:solidFill>
+            <a:schemeClr val="bg1"/>
+          </a:solidFill>
+          <a:ln>
+            <a:noFill/>
+          </a:ln>
+        </p:spPr>
+        <p:style>
+          <a:lnRef idx="0">
+            <a:scrgbClr r="0" g="0" b="0"/>
+          </a:lnRef>
+          <a:fillRef idx="0">
+            <a:scrgbClr r="0" g="0" b="0"/>
+          </a:fillRef>
+          <a:effectRef idx="0">
+            <a:scrgbClr r="0" g="0" b="0"/>
+          </a:effectRef>
+          <a:fontRef idx="minor">
+            <a:schemeClr val="lt1"/>
+          </a:fontRef>
+        </p:style>
+        <p:txBody>
+          <a:bodyPr rtlCol="0" anchor="ctr"/>
+          <a:lstStyle/>
+          <a:p>
+            <a:pPr algn="ctr"/>
+            <a:endParaRPr lang="ko-KR" altLang="en-US"/>
+          </a:p>
+        </p:txBody>
+      </p:sp>
     </p:spTree>
     <p:extLst>
       <p:ext uri="{BB962C8B-B14F-4D97-AF65-F5344CB8AC3E}">
@@ -15145,6 +15818,52 @@
           </a:p>
         </p:txBody>
       </p:sp>
+      <p:sp>
+        <p:nvSpPr>
+          <p:cNvPr id="11" name="실행 단추: 홈 10">
+            <a:hlinkClick r:id="rId4" highlightClick="1"/>
+          </p:cNvPr>
+          <p:cNvSpPr/>
+          <p:nvPr/>
+        </p:nvSpPr>
+        <p:spPr>
+          <a:xfrm>
+            <a:off x="11364779" y="179933"/>
+            <a:ext cx="535850" cy="564840"/>
+          </a:xfrm>
+          <a:prstGeom prst="actionButtonHome">
+            <a:avLst/>
+          </a:prstGeom>
+          <a:solidFill>
+            <a:schemeClr val="bg1"/>
+          </a:solidFill>
+          <a:ln>
+            <a:noFill/>
+          </a:ln>
+        </p:spPr>
+        <p:style>
+          <a:lnRef idx="0">
+            <a:scrgbClr r="0" g="0" b="0"/>
+          </a:lnRef>
+          <a:fillRef idx="0">
+            <a:scrgbClr r="0" g="0" b="0"/>
+          </a:fillRef>
+          <a:effectRef idx="0">
+            <a:scrgbClr r="0" g="0" b="0"/>
+          </a:effectRef>
+          <a:fontRef idx="minor">
+            <a:schemeClr val="lt1"/>
+          </a:fontRef>
+        </p:style>
+        <p:txBody>
+          <a:bodyPr rtlCol="0" anchor="ctr"/>
+          <a:lstStyle/>
+          <a:p>
+            <a:pPr algn="ctr"/>
+            <a:endParaRPr lang="ko-KR" altLang="en-US"/>
+          </a:p>
+        </p:txBody>
+      </p:sp>
     </p:spTree>
     <p:extLst>
       <p:ext uri="{BB962C8B-B14F-4D97-AF65-F5344CB8AC3E}">
@@ -15547,6 +16266,52 @@
           </a:prstGeom>
         </p:spPr>
       </p:pic>
+      <p:sp>
+        <p:nvSpPr>
+          <p:cNvPr id="12" name="실행 단추: 홈 11">
+            <a:hlinkClick r:id="rId4" highlightClick="1"/>
+          </p:cNvPr>
+          <p:cNvSpPr/>
+          <p:nvPr/>
+        </p:nvSpPr>
+        <p:spPr>
+          <a:xfrm>
+            <a:off x="11364779" y="179933"/>
+            <a:ext cx="535850" cy="564840"/>
+          </a:xfrm>
+          <a:prstGeom prst="actionButtonHome">
+            <a:avLst/>
+          </a:prstGeom>
+          <a:solidFill>
+            <a:schemeClr val="bg1"/>
+          </a:solidFill>
+          <a:ln>
+            <a:noFill/>
+          </a:ln>
+        </p:spPr>
+        <p:style>
+          <a:lnRef idx="0">
+            <a:scrgbClr r="0" g="0" b="0"/>
+          </a:lnRef>
+          <a:fillRef idx="0">
+            <a:scrgbClr r="0" g="0" b="0"/>
+          </a:fillRef>
+          <a:effectRef idx="0">
+            <a:scrgbClr r="0" g="0" b="0"/>
+          </a:effectRef>
+          <a:fontRef idx="minor">
+            <a:schemeClr val="lt1"/>
+          </a:fontRef>
+        </p:style>
+        <p:txBody>
+          <a:bodyPr rtlCol="0" anchor="ctr"/>
+          <a:lstStyle/>
+          <a:p>
+            <a:pPr algn="ctr"/>
+            <a:endParaRPr lang="ko-KR" altLang="en-US"/>
+          </a:p>
+        </p:txBody>
+      </p:sp>
     </p:spTree>
     <p:extLst>
       <p:ext uri="{BB962C8B-B14F-4D97-AF65-F5344CB8AC3E}">
@@ -17265,6 +18030,89 @@
               <a:t>평가</a:t>
             </a:r>
             <a:endParaRPr lang="ko-KR" altLang="en-US" dirty="0">
+              <a:latin typeface="Spoqa Han Sans Neo Bold" panose="020B0800000000000000" pitchFamily="50" charset="-127"/>
+              <a:ea typeface="Spoqa Han Sans Neo Bold" panose="020B0800000000000000" pitchFamily="50" charset="-127"/>
+            </a:endParaRPr>
+          </a:p>
+        </p:txBody>
+      </p:sp>
+      <p:sp>
+        <p:nvSpPr>
+          <p:cNvPr id="21" name="실행 단추: 홈 20">
+            <a:hlinkClick r:id="rId2" highlightClick="1"/>
+          </p:cNvPr>
+          <p:cNvSpPr/>
+          <p:nvPr/>
+        </p:nvSpPr>
+        <p:spPr>
+          <a:xfrm>
+            <a:off x="11364779" y="179933"/>
+            <a:ext cx="535850" cy="564840"/>
+          </a:xfrm>
+          <a:prstGeom prst="actionButtonHome">
+            <a:avLst/>
+          </a:prstGeom>
+          <a:solidFill>
+            <a:schemeClr val="bg1"/>
+          </a:solidFill>
+          <a:ln>
+            <a:noFill/>
+          </a:ln>
+        </p:spPr>
+        <p:style>
+          <a:lnRef idx="0">
+            <a:scrgbClr r="0" g="0" b="0"/>
+          </a:lnRef>
+          <a:fillRef idx="0">
+            <a:scrgbClr r="0" g="0" b="0"/>
+          </a:fillRef>
+          <a:effectRef idx="0">
+            <a:scrgbClr r="0" g="0" b="0"/>
+          </a:effectRef>
+          <a:fontRef idx="minor">
+            <a:schemeClr val="lt1"/>
+          </a:fontRef>
+        </p:style>
+        <p:txBody>
+          <a:bodyPr rtlCol="0" anchor="ctr"/>
+          <a:lstStyle/>
+          <a:p>
+            <a:pPr algn="ctr"/>
+            <a:endParaRPr lang="ko-KR" altLang="en-US"/>
+          </a:p>
+        </p:txBody>
+      </p:sp>
+      <p:sp>
+        <p:nvSpPr>
+          <p:cNvPr id="20" name="TextBox 19"/>
+          <p:cNvSpPr txBox="1"/>
+          <p:nvPr/>
+        </p:nvSpPr>
+        <p:spPr>
+          <a:xfrm>
+            <a:off x="5481144" y="1472203"/>
+            <a:ext cx="1271848" cy="477054"/>
+          </a:xfrm>
+          <a:prstGeom prst="rect">
+            <a:avLst/>
+          </a:prstGeom>
+          <a:noFill/>
+        </p:spPr>
+        <p:txBody>
+          <a:bodyPr wrap="square" rtlCol="0">
+            <a:spAutoFit/>
+          </a:bodyPr>
+          <a:lstStyle/>
+          <a:p>
+            <a:pPr algn="ctr"/>
+            <a:r>
+              <a:rPr lang="en-US" altLang="ko-KR" sz="2500" dirty="0" smtClean="0">
+                <a:latin typeface="Spoqa Han Sans Neo Bold" panose="020B0800000000000000" pitchFamily="50" charset="-127"/>
+                <a:ea typeface="Spoqa Han Sans Neo Bold" panose="020B0800000000000000" pitchFamily="50" charset="-127"/>
+              </a:rPr>
+              <a:t>JAN</a:t>
+            </a:r>
+            <a:endParaRPr lang="ko-KR" altLang="en-US" sz="2500" dirty="0">
               <a:latin typeface="Spoqa Han Sans Neo Bold" panose="020B0800000000000000" pitchFamily="50" charset="-127"/>
               <a:ea typeface="Spoqa Han Sans Neo Bold" panose="020B0800000000000000" pitchFamily="50" charset="-127"/>
             </a:endParaRPr>
@@ -19344,6 +20192,52 @@
           </a:graphicData>
         </a:graphic>
       </p:graphicFrame>
+      <p:sp>
+        <p:nvSpPr>
+          <p:cNvPr id="11" name="실행 단추: 홈 10">
+            <a:hlinkClick r:id="rId7" highlightClick="1"/>
+          </p:cNvPr>
+          <p:cNvSpPr/>
+          <p:nvPr/>
+        </p:nvSpPr>
+        <p:spPr>
+          <a:xfrm>
+            <a:off x="11364779" y="179933"/>
+            <a:ext cx="535850" cy="564840"/>
+          </a:xfrm>
+          <a:prstGeom prst="actionButtonHome">
+            <a:avLst/>
+          </a:prstGeom>
+          <a:solidFill>
+            <a:schemeClr val="bg1"/>
+          </a:solidFill>
+          <a:ln>
+            <a:noFill/>
+          </a:ln>
+        </p:spPr>
+        <p:style>
+          <a:lnRef idx="0">
+            <a:scrgbClr r="0" g="0" b="0"/>
+          </a:lnRef>
+          <a:fillRef idx="0">
+            <a:scrgbClr r="0" g="0" b="0"/>
+          </a:fillRef>
+          <a:effectRef idx="0">
+            <a:scrgbClr r="0" g="0" b="0"/>
+          </a:effectRef>
+          <a:fontRef idx="minor">
+            <a:schemeClr val="lt1"/>
+          </a:fontRef>
+        </p:style>
+        <p:txBody>
+          <a:bodyPr rtlCol="0" anchor="ctr"/>
+          <a:lstStyle/>
+          <a:p>
+            <a:pPr algn="ctr"/>
+            <a:endParaRPr lang="ko-KR" altLang="en-US"/>
+          </a:p>
+        </p:txBody>
+      </p:sp>
     </p:spTree>
     <p:extLst>
       <p:ext uri="{BB962C8B-B14F-4D97-AF65-F5344CB8AC3E}">
@@ -20126,6 +21020,52 @@
           </a:p>
         </p:txBody>
       </p:sp>
+      <p:sp>
+        <p:nvSpPr>
+          <p:cNvPr id="13" name="실행 단추: 홈 12">
+            <a:hlinkClick r:id="rId4" highlightClick="1"/>
+          </p:cNvPr>
+          <p:cNvSpPr/>
+          <p:nvPr/>
+        </p:nvSpPr>
+        <p:spPr>
+          <a:xfrm>
+            <a:off x="11364779" y="179933"/>
+            <a:ext cx="535850" cy="564840"/>
+          </a:xfrm>
+          <a:prstGeom prst="actionButtonHome">
+            <a:avLst/>
+          </a:prstGeom>
+          <a:solidFill>
+            <a:schemeClr val="bg1"/>
+          </a:solidFill>
+          <a:ln>
+            <a:noFill/>
+          </a:ln>
+        </p:spPr>
+        <p:style>
+          <a:lnRef idx="0">
+            <a:scrgbClr r="0" g="0" b="0"/>
+          </a:lnRef>
+          <a:fillRef idx="0">
+            <a:scrgbClr r="0" g="0" b="0"/>
+          </a:fillRef>
+          <a:effectRef idx="0">
+            <a:scrgbClr r="0" g="0" b="0"/>
+          </a:effectRef>
+          <a:fontRef idx="minor">
+            <a:schemeClr val="lt1"/>
+          </a:fontRef>
+        </p:style>
+        <p:txBody>
+          <a:bodyPr rtlCol="0" anchor="ctr"/>
+          <a:lstStyle/>
+          <a:p>
+            <a:pPr algn="ctr"/>
+            <a:endParaRPr lang="ko-KR" altLang="en-US"/>
+          </a:p>
+        </p:txBody>
+      </p:sp>
     </p:spTree>
     <p:extLst>
       <p:ext uri="{BB962C8B-B14F-4D97-AF65-F5344CB8AC3E}">
@@ -20812,14 +21752,7 @@
                 <a:latin typeface="Spoqa Han Sans Neo" panose="020B0500000000000000" pitchFamily="50" charset="-127"/>
                 <a:ea typeface="Spoqa Han Sans Neo" panose="020B0500000000000000" pitchFamily="50" charset="-127"/>
               </a:rPr>
-              <a:t>대 </a:t>
-            </a:r>
-            <a:r>
-              <a:rPr lang="ko-KR" altLang="en-US" sz="1600" dirty="0" smtClean="0">
-                <a:latin typeface="Spoqa Han Sans Neo" panose="020B0500000000000000" pitchFamily="50" charset="-127"/>
-                <a:ea typeface="Spoqa Han Sans Neo" panose="020B0500000000000000" pitchFamily="50" charset="-127"/>
-              </a:rPr>
-              <a:t>초반</a:t>
+              <a:t>대 초반</a:t>
             </a:r>
             <a:endParaRPr lang="en-US" altLang="ko-KR" sz="1600" dirty="0" smtClean="0">
               <a:latin typeface="Spoqa Han Sans Neo" panose="020B0500000000000000" pitchFamily="50" charset="-127"/>
@@ -20916,34 +21849,20 @@
                 <a:latin typeface="Spoqa Han Sans Neo" panose="020B0500000000000000" pitchFamily="50" charset="-127"/>
                 <a:ea typeface="Spoqa Han Sans Neo" panose="020B0500000000000000" pitchFamily="50" charset="-127"/>
               </a:rPr>
-              <a:t>학교 생활과 각종 대외 </a:t>
+              <a:t>학교 생활과 각종 대외 활동</a:t>
             </a:r>
+            <a:endParaRPr lang="en-US" altLang="ko-KR" sz="1600" dirty="0" smtClean="0">
+              <a:latin typeface="Spoqa Han Sans Neo" panose="020B0500000000000000" pitchFamily="50" charset="-127"/>
+              <a:ea typeface="Spoqa Han Sans Neo" panose="020B0500000000000000" pitchFamily="50" charset="-127"/>
+            </a:endParaRPr>
+          </a:p>
+          <a:p>
             <a:r>
               <a:rPr lang="ko-KR" altLang="en-US" sz="1600" dirty="0" smtClean="0">
                 <a:latin typeface="Spoqa Han Sans Neo" panose="020B0500000000000000" pitchFamily="50" charset="-127"/>
                 <a:ea typeface="Spoqa Han Sans Neo" panose="020B0500000000000000" pitchFamily="50" charset="-127"/>
               </a:rPr>
-              <a:t>활동</a:t>
-            </a:r>
-            <a:endParaRPr lang="en-US" altLang="ko-KR" sz="1600" dirty="0" smtClean="0">
-              <a:latin typeface="Spoqa Han Sans Neo" panose="020B0500000000000000" pitchFamily="50" charset="-127"/>
-              <a:ea typeface="Spoqa Han Sans Neo" panose="020B0500000000000000" pitchFamily="50" charset="-127"/>
-            </a:endParaRPr>
-          </a:p>
-          <a:p>
-            <a:r>
-              <a:rPr lang="ko-KR" altLang="en-US" sz="1600" dirty="0" smtClean="0">
-                <a:latin typeface="Spoqa Han Sans Neo" panose="020B0500000000000000" pitchFamily="50" charset="-127"/>
-                <a:ea typeface="Spoqa Han Sans Neo" panose="020B0500000000000000" pitchFamily="50" charset="-127"/>
-              </a:rPr>
-              <a:t>참여로 </a:t>
-            </a:r>
-            <a:r>
-              <a:rPr lang="ko-KR" altLang="en-US" sz="1600" dirty="0" smtClean="0">
-                <a:latin typeface="Spoqa Han Sans Neo" panose="020B0500000000000000" pitchFamily="50" charset="-127"/>
-                <a:ea typeface="Spoqa Han Sans Neo" panose="020B0500000000000000" pitchFamily="50" charset="-127"/>
-              </a:rPr>
-              <a:t>바쁜 하루를 보내고 있다</a:t>
+              <a:t>참여로 바쁜 하루를 보내고 있다</a:t>
             </a:r>
             <a:r>
               <a:rPr lang="en-US" altLang="ko-KR" sz="1600" dirty="0" smtClean="0">
@@ -21171,7 +22090,7 @@
         </p:nvSpPr>
         <p:spPr>
           <a:xfrm>
-            <a:off x="4275751" y="4743860"/>
+            <a:off x="4275751" y="3953285"/>
             <a:ext cx="6700059" cy="1200329"/>
           </a:xfrm>
           <a:prstGeom prst="rect">
@@ -21270,7 +22189,7 @@
         </p:nvSpPr>
         <p:spPr>
           <a:xfrm>
-            <a:off x="3780721" y="4583224"/>
+            <a:off x="3780721" y="3792649"/>
             <a:ext cx="569844" cy="1015663"/>
           </a:xfrm>
           <a:prstGeom prst="rect">
@@ -21302,7 +22221,7 @@
         </p:nvSpPr>
         <p:spPr>
           <a:xfrm>
-            <a:off x="10975811" y="5435884"/>
+            <a:off x="10975811" y="4645309"/>
             <a:ext cx="569844" cy="1015663"/>
           </a:xfrm>
           <a:prstGeom prst="rect">
@@ -21323,6 +22242,150 @@
               </a:rPr>
               <a:t>”</a:t>
             </a:r>
+          </a:p>
+        </p:txBody>
+      </p:sp>
+      <p:sp>
+        <p:nvSpPr>
+          <p:cNvPr id="20" name="TextBox 19"/>
+          <p:cNvSpPr txBox="1"/>
+          <p:nvPr/>
+        </p:nvSpPr>
+        <p:spPr>
+          <a:xfrm>
+            <a:off x="5281956" y="5896097"/>
+            <a:ext cx="4903298" cy="369332"/>
+          </a:xfrm>
+          <a:prstGeom prst="rect">
+            <a:avLst/>
+          </a:prstGeom>
+          <a:solidFill>
+            <a:schemeClr val="accent1">
+              <a:lumMod val="20000"/>
+              <a:lumOff val="80000"/>
+            </a:schemeClr>
+          </a:solidFill>
+        </p:spPr>
+        <p:txBody>
+          <a:bodyPr wrap="square" rtlCol="0">
+            <a:spAutoFit/>
+          </a:bodyPr>
+          <a:lstStyle/>
+          <a:p>
+            <a:pPr algn="ctr"/>
+            <a:r>
+              <a:rPr lang="ko-KR" altLang="en-US" dirty="0" err="1" smtClean="0">
+                <a:latin typeface="Spoqa Han Sans Neo" panose="020B0500000000000000" pitchFamily="50" charset="-127"/>
+                <a:ea typeface="Spoqa Han Sans Neo" panose="020B0500000000000000" pitchFamily="50" charset="-127"/>
+              </a:rPr>
+              <a:t>오디오북을</a:t>
+            </a:r>
+            <a:r>
+              <a:rPr lang="ko-KR" altLang="en-US" dirty="0" smtClean="0">
+                <a:latin typeface="Spoqa Han Sans Neo" panose="020B0500000000000000" pitchFamily="50" charset="-127"/>
+                <a:ea typeface="Spoqa Han Sans Neo" panose="020B0500000000000000" pitchFamily="50" charset="-127"/>
+              </a:rPr>
+              <a:t> 지원하는 책은 쉽게 구분 가능해야 한다</a:t>
+            </a:r>
+            <a:r>
+              <a:rPr lang="en-US" altLang="ko-KR" dirty="0" smtClean="0">
+                <a:latin typeface="Spoqa Han Sans Neo" panose="020B0500000000000000" pitchFamily="50" charset="-127"/>
+                <a:ea typeface="Spoqa Han Sans Neo" panose="020B0500000000000000" pitchFamily="50" charset="-127"/>
+              </a:rPr>
+              <a:t>.</a:t>
+            </a:r>
+          </a:p>
+        </p:txBody>
+      </p:sp>
+      <p:sp>
+        <p:nvSpPr>
+          <p:cNvPr id="12" name="아래쪽 화살표 11"/>
+          <p:cNvSpPr/>
+          <p:nvPr/>
+        </p:nvSpPr>
+        <p:spPr>
+          <a:xfrm>
+            <a:off x="7509768" y="5183051"/>
+            <a:ext cx="447675" cy="448484"/>
+          </a:xfrm>
+          <a:prstGeom prst="downArrow">
+            <a:avLst/>
+          </a:prstGeom>
+          <a:solidFill>
+            <a:schemeClr val="accent2"/>
+          </a:solidFill>
+          <a:ln>
+            <a:noFill/>
+          </a:ln>
+        </p:spPr>
+        <p:style>
+          <a:lnRef idx="2">
+            <a:schemeClr val="accent1">
+              <a:shade val="50000"/>
+            </a:schemeClr>
+          </a:lnRef>
+          <a:fillRef idx="1">
+            <a:schemeClr val="accent1"/>
+          </a:fillRef>
+          <a:effectRef idx="0">
+            <a:schemeClr val="accent1"/>
+          </a:effectRef>
+          <a:fontRef idx="minor">
+            <a:schemeClr val="lt1"/>
+          </a:fontRef>
+        </p:style>
+        <p:txBody>
+          <a:bodyPr rtlCol="0" anchor="ctr"/>
+          <a:lstStyle/>
+          <a:p>
+            <a:pPr algn="ctr"/>
+            <a:endParaRPr lang="ko-KR" altLang="en-US"/>
+          </a:p>
+        </p:txBody>
+      </p:sp>
+      <p:sp>
+        <p:nvSpPr>
+          <p:cNvPr id="18" name="실행 단추: 홈 17">
+            <a:hlinkClick r:id="rId3" highlightClick="1"/>
+          </p:cNvPr>
+          <p:cNvSpPr/>
+          <p:nvPr/>
+        </p:nvSpPr>
+        <p:spPr>
+          <a:xfrm>
+            <a:off x="11364779" y="179933"/>
+            <a:ext cx="535850" cy="564840"/>
+          </a:xfrm>
+          <a:prstGeom prst="actionButtonHome">
+            <a:avLst/>
+          </a:prstGeom>
+          <a:solidFill>
+            <a:schemeClr val="bg1"/>
+          </a:solidFill>
+          <a:ln>
+            <a:noFill/>
+          </a:ln>
+        </p:spPr>
+        <p:style>
+          <a:lnRef idx="0">
+            <a:scrgbClr r="0" g="0" b="0"/>
+          </a:lnRef>
+          <a:fillRef idx="0">
+            <a:scrgbClr r="0" g="0" b="0"/>
+          </a:fillRef>
+          <a:effectRef idx="0">
+            <a:scrgbClr r="0" g="0" b="0"/>
+          </a:effectRef>
+          <a:fontRef idx="minor">
+            <a:schemeClr val="lt1"/>
+          </a:fontRef>
+        </p:style>
+        <p:txBody>
+          <a:bodyPr rtlCol="0" anchor="ctr"/>
+          <a:lstStyle/>
+          <a:p>
+            <a:pPr algn="ctr"/>
+            <a:endParaRPr lang="ko-KR" altLang="en-US"/>
           </a:p>
         </p:txBody>
       </p:sp>
